--- a/Bao cao Nhom.pptx
+++ b/Bao cao Nhom.pptx
@@ -6,20 +6,19 @@
     <p:sldMasterId id="2147483660" r:id="rId3"/>
   </p:sldMasterIdLst>
   <p:notesMasterIdLst>
-    <p:notesMasterId r:id="rId15"/>
+    <p:notesMasterId r:id="rId14"/>
   </p:notesMasterIdLst>
   <p:sldIdLst>
     <p:sldId id="281" r:id="rId4"/>
     <p:sldId id="257" r:id="rId5"/>
     <p:sldId id="272" r:id="rId6"/>
-    <p:sldId id="291" r:id="rId7"/>
-    <p:sldId id="292" r:id="rId8"/>
-    <p:sldId id="293" r:id="rId9"/>
-    <p:sldId id="295" r:id="rId10"/>
-    <p:sldId id="298" r:id="rId11"/>
+    <p:sldId id="304" r:id="rId7"/>
+    <p:sldId id="305" r:id="rId8"/>
+    <p:sldId id="306" r:id="rId9"/>
+    <p:sldId id="307" r:id="rId10"/>
+    <p:sldId id="308" r:id="rId11"/>
     <p:sldId id="301" r:id="rId12"/>
-    <p:sldId id="296" r:id="rId13"/>
-    <p:sldId id="276" r:id="rId14"/>
+    <p:sldId id="276" r:id="rId13"/>
   </p:sldIdLst>
   <p:sldSz cx="12192000" cy="6858000"/>
   <p:notesSz cx="6858000" cy="9144000"/>
@@ -7637,895 +7636,6 @@
       </p:grpSpPr>
       <p:sp>
         <p:nvSpPr>
-          <p:cNvPr id="2" name="Title 1"/>
-          <p:cNvSpPr>
-            <a:spLocks noGrp="true"/>
-          </p:cNvSpPr>
-          <p:nvPr>
-            <p:ph type="title"/>
-          </p:nvPr>
-        </p:nvSpPr>
-        <p:spPr>
-          <a:xfrm>
-            <a:off x="-1" y="1"/>
-            <a:ext cx="7467601" cy="1167318"/>
-          </a:xfrm>
-          <a:solidFill>
-            <a:schemeClr val="accent5"/>
-          </a:solidFill>
-        </p:spPr>
-        <p:txBody>
-          <a:bodyPr>
-            <a:normAutofit/>
-          </a:bodyPr>
-          <a:lstStyle/>
-          <a:p>
-            <a:pPr algn="ctr">
-              <a:lnSpc>
-                <a:spcPct val="100000"/>
-              </a:lnSpc>
-            </a:pPr>
-            <a:r>
-              <a:rPr lang="en-US" sz="3200" b="1" smtClean="0">
-                <a:solidFill>
-                  <a:schemeClr val="bg1"/>
-                </a:solidFill>
-                <a:latin typeface="Arial" panose="020B0604020202020204" pitchFamily="34" charset="0"/>
-                <a:cs typeface="Arial" panose="020B0604020202020204" pitchFamily="34" charset="0"/>
-              </a:rPr>
-              <a:t>HỆ </a:t>
-            </a:r>
-            <a:r>
-              <a:rPr lang="en-US" sz="3200" b="1">
-                <a:solidFill>
-                  <a:schemeClr val="bg1"/>
-                </a:solidFill>
-                <a:latin typeface="Arial" panose="020B0604020202020204" pitchFamily="34" charset="0"/>
-                <a:cs typeface="Arial" panose="020B0604020202020204" pitchFamily="34" charset="0"/>
-              </a:rPr>
-              <a:t>THỐNG TÌM KIẾM PHIM </a:t>
-            </a:r>
-            <a:br>
-              <a:rPr lang="en-US" sz="3200" b="1" smtClean="0">
-                <a:solidFill>
-                  <a:schemeClr val="bg1"/>
-                </a:solidFill>
-                <a:latin typeface="Arial" panose="020B0604020202020204" pitchFamily="34" charset="0"/>
-                <a:cs typeface="Arial" panose="020B0604020202020204" pitchFamily="34" charset="0"/>
-              </a:rPr>
-            </a:br>
-            <a:r>
-              <a:rPr lang="en-US" sz="3200" b="1" smtClean="0">
-                <a:solidFill>
-                  <a:schemeClr val="bg1"/>
-                </a:solidFill>
-                <a:latin typeface="Arial" panose="020B0604020202020204" pitchFamily="34" charset="0"/>
-                <a:cs typeface="Arial" panose="020B0604020202020204" pitchFamily="34" charset="0"/>
-              </a:rPr>
-              <a:t>TRÊN </a:t>
-            </a:r>
-            <a:r>
-              <a:rPr lang="en-US" sz="3200" b="1">
-                <a:solidFill>
-                  <a:schemeClr val="bg1"/>
-                </a:solidFill>
-                <a:latin typeface="Arial" panose="020B0604020202020204" pitchFamily="34" charset="0"/>
-                <a:cs typeface="Arial" panose="020B0604020202020204" pitchFamily="34" charset="0"/>
-              </a:rPr>
-              <a:t>DỮ LIỆU </a:t>
-            </a:r>
-            <a:r>
-              <a:rPr lang="en-US" sz="3200" b="1" smtClean="0">
-                <a:solidFill>
-                  <a:schemeClr val="bg1"/>
-                </a:solidFill>
-                <a:latin typeface="Arial" panose="020B0604020202020204" pitchFamily="34" charset="0"/>
-                <a:cs typeface="Arial" panose="020B0604020202020204" pitchFamily="34" charset="0"/>
-              </a:rPr>
-              <a:t>DBPEDIA</a:t>
-            </a:r>
-            <a:endParaRPr lang="en-US" sz="3200" b="1">
-              <a:solidFill>
-                <a:schemeClr val="bg1"/>
-              </a:solidFill>
-              <a:latin typeface="Arial" panose="020B0604020202020204" pitchFamily="34" charset="0"/>
-              <a:cs typeface="Arial" panose="020B0604020202020204" pitchFamily="34" charset="0"/>
-            </a:endParaRPr>
-          </a:p>
-        </p:txBody>
-      </p:sp>
-      <p:sp>
-        <p:nvSpPr>
-          <p:cNvPr id="3" name="Content Placeholder 2"/>
-          <p:cNvSpPr>
-            <a:spLocks noGrp="true"/>
-          </p:cNvSpPr>
-          <p:nvPr>
-            <p:ph idx="1"/>
-          </p:nvPr>
-        </p:nvSpPr>
-        <p:spPr>
-          <a:xfrm>
-            <a:off x="0" y="1440611"/>
-            <a:ext cx="12192000" cy="622293"/>
-          </a:xfrm>
-        </p:spPr>
-        <p:txBody>
-          <a:bodyPr/>
-          <a:lstStyle/>
-          <a:p>
-            <a:pPr marL="457200" lvl="1" indent="0">
-              <a:buNone/>
-            </a:pPr>
-            <a:r>
-              <a:rPr lang="en-US" sz="3200" b="1" smtClean="0">
-                <a:latin typeface="Arial" panose="020B0604020202020204" pitchFamily="34" charset="0"/>
-                <a:cs typeface="Arial" panose="020B0604020202020204" pitchFamily="34" charset="0"/>
-              </a:rPr>
-              <a:t>4. Kết luận</a:t>
-            </a:r>
-            <a:endParaRPr lang="en-US" sz="3200" b="1">
-              <a:latin typeface="Arial" panose="020B0604020202020204" pitchFamily="34" charset="0"/>
-              <a:cs typeface="Arial" panose="020B0604020202020204" pitchFamily="34" charset="0"/>
-            </a:endParaRPr>
-          </a:p>
-        </p:txBody>
-      </p:sp>
-      <p:sp>
-        <p:nvSpPr>
-          <p:cNvPr id="7" name="Title 1"/>
-          <p:cNvSpPr txBox="true"/>
-          <p:nvPr/>
-        </p:nvSpPr>
-        <p:spPr>
-          <a:xfrm>
-            <a:off x="7467600" y="0"/>
-            <a:ext cx="4724400" cy="1167318"/>
-          </a:xfrm>
-          <a:prstGeom prst="rect">
-            <a:avLst/>
-          </a:prstGeom>
-          <a:solidFill>
-            <a:schemeClr val="tx1">
-              <a:lumMod val="95000"/>
-              <a:lumOff val="5000"/>
-            </a:schemeClr>
-          </a:solidFill>
-        </p:spPr>
-        <p:txBody>
-          <a:bodyPr vert="horz" lIns="91440" tIns="45720" rIns="91440" bIns="45720" rtlCol="0" anchor="ctr">
-            <a:normAutofit/>
-          </a:bodyPr>
-          <a:lstStyle>
-            <a:lvl1pPr algn="l" defTabSz="914400" rtl="0" eaLnBrk="1" latinLnBrk="0" hangingPunct="1">
-              <a:lnSpc>
-                <a:spcPct val="90000"/>
-              </a:lnSpc>
-              <a:spcBef>
-                <a:spcPct val="0"/>
-              </a:spcBef>
-              <a:buNone/>
-              <a:defRPr sz="4400" kern="1200">
-                <a:solidFill>
-                  <a:schemeClr val="tx1"/>
-                </a:solidFill>
-                <a:latin typeface="+mj-lt"/>
-                <a:ea typeface="+mj-ea"/>
-                <a:cs typeface="+mj-cs"/>
-              </a:defRPr>
-            </a:lvl1pPr>
-          </a:lstStyle>
-          <a:p>
-            <a:pPr marL="342900" indent="-342900">
-              <a:buAutoNum type="arabicPeriod"/>
-            </a:pPr>
-            <a:r>
-              <a:rPr lang="vi-VN" sz="1800" b="1">
-                <a:solidFill>
-                  <a:schemeClr val="bg2">
-                    <a:lumMod val="50000"/>
-                  </a:schemeClr>
-                </a:solidFill>
-                <a:latin typeface="Arial" panose="020B0604020202020204" pitchFamily="34" charset="0"/>
-                <a:cs typeface="Arial" panose="020B0604020202020204" pitchFamily="34" charset="0"/>
-              </a:rPr>
-              <a:t>Xây dựng ontology schem</a:t>
-            </a:r>
-            <a:r>
-              <a:rPr lang="en-US" sz="1800" b="1">
-                <a:solidFill>
-                  <a:schemeClr val="bg2">
-                    <a:lumMod val="50000"/>
-                  </a:schemeClr>
-                </a:solidFill>
-                <a:latin typeface="Arial" panose="020B0604020202020204" pitchFamily="34" charset="0"/>
-                <a:cs typeface="Arial" panose="020B0604020202020204" pitchFamily="34" charset="0"/>
-              </a:rPr>
-              <a:t>a </a:t>
-            </a:r>
-            <a:r>
-              <a:rPr lang="vi-VN" sz="1800" b="1">
-                <a:solidFill>
-                  <a:schemeClr val="bg2">
-                    <a:lumMod val="50000"/>
-                  </a:schemeClr>
-                </a:solidFill>
-                <a:latin typeface="Arial" panose="020B0604020202020204" pitchFamily="34" charset="0"/>
-                <a:cs typeface="Arial" panose="020B0604020202020204" pitchFamily="34" charset="0"/>
-              </a:rPr>
-              <a:t>(Tbox)</a:t>
-            </a:r>
-            <a:r>
-              <a:rPr lang="en-US" sz="1800" b="1">
-                <a:solidFill>
-                  <a:schemeClr val="bg2">
-                    <a:lumMod val="50000"/>
-                  </a:schemeClr>
-                </a:solidFill>
-                <a:latin typeface="Arial" panose="020B0604020202020204" pitchFamily="34" charset="0"/>
-                <a:cs typeface="Arial" panose="020B0604020202020204" pitchFamily="34" charset="0"/>
-              </a:rPr>
-              <a:t>  </a:t>
-            </a:r>
-            <a:r>
-              <a:rPr lang="vi-VN" sz="1800" b="1">
-                <a:solidFill>
-                  <a:schemeClr val="bg2">
-                    <a:lumMod val="50000"/>
-                  </a:schemeClr>
-                </a:solidFill>
-                <a:latin typeface="Arial" panose="020B0604020202020204" pitchFamily="34" charset="0"/>
-                <a:cs typeface="Arial" panose="020B0604020202020204" pitchFamily="34" charset="0"/>
-              </a:rPr>
-              <a:t> </a:t>
-            </a:r>
-            <a:endParaRPr lang="en-US" sz="1800" b="1">
-              <a:solidFill>
-                <a:schemeClr val="bg2">
-                  <a:lumMod val="50000"/>
-                </a:schemeClr>
-              </a:solidFill>
-              <a:latin typeface="Arial" panose="020B0604020202020204" pitchFamily="34" charset="0"/>
-              <a:cs typeface="Arial" panose="020B0604020202020204" pitchFamily="34" charset="0"/>
-            </a:endParaRPr>
-          </a:p>
-          <a:p>
-            <a:pPr marL="342900" indent="-342900">
-              <a:buAutoNum type="arabicPeriod"/>
-            </a:pPr>
-            <a:r>
-              <a:rPr lang="en-US" sz="1800" b="1">
-                <a:solidFill>
-                  <a:schemeClr val="bg2">
-                    <a:lumMod val="50000"/>
-                  </a:schemeClr>
-                </a:solidFill>
-                <a:latin typeface="Arial" panose="020B0604020202020204" pitchFamily="34" charset="0"/>
-                <a:cs typeface="Arial" panose="020B0604020202020204" pitchFamily="34" charset="0"/>
-              </a:rPr>
-              <a:t>I</a:t>
-            </a:r>
-            <a:r>
-              <a:rPr lang="en-US" altLang="en-US" sz="1800" b="1">
-                <a:solidFill>
-                  <a:schemeClr val="bg2">
-                    <a:lumMod val="50000"/>
-                  </a:schemeClr>
-                </a:solidFill>
-                <a:latin typeface="Arial" panose="020B0604020202020204" pitchFamily="34" charset="0"/>
-                <a:cs typeface="Arial" panose="020B0604020202020204" pitchFamily="34" charset="0"/>
-              </a:rPr>
-              <a:t>m</a:t>
-            </a:r>
-            <a:r>
-              <a:rPr lang="en-US" sz="1800" b="1">
-                <a:solidFill>
-                  <a:schemeClr val="bg2">
-                    <a:lumMod val="50000"/>
-                  </a:schemeClr>
-                </a:solidFill>
-                <a:latin typeface="Arial" panose="020B0604020202020204" pitchFamily="34" charset="0"/>
-                <a:cs typeface="Arial" panose="020B0604020202020204" pitchFamily="34" charset="0"/>
-              </a:rPr>
-              <a:t>port KB từ </a:t>
-            </a:r>
-            <a:r>
-              <a:rPr lang="vi-VN" sz="1800" b="1">
-                <a:solidFill>
-                  <a:schemeClr val="bg2">
-                    <a:lumMod val="50000"/>
-                  </a:schemeClr>
-                </a:solidFill>
-                <a:latin typeface="Arial" panose="020B0604020202020204" pitchFamily="34" charset="0"/>
-                <a:cs typeface="Arial" panose="020B0604020202020204" pitchFamily="34" charset="0"/>
-              </a:rPr>
-              <a:t>DBPedia vào Abox</a:t>
-            </a:r>
-            <a:endParaRPr lang="en-US" sz="1800" b="1">
-              <a:solidFill>
-                <a:schemeClr val="bg2">
-                  <a:lumMod val="50000"/>
-                </a:schemeClr>
-              </a:solidFill>
-              <a:latin typeface="Arial" panose="020B0604020202020204" pitchFamily="34" charset="0"/>
-              <a:cs typeface="Arial" panose="020B0604020202020204" pitchFamily="34" charset="0"/>
-            </a:endParaRPr>
-          </a:p>
-          <a:p>
-            <a:pPr marL="342900" indent="-342900">
-              <a:buAutoNum type="arabicPeriod"/>
-            </a:pPr>
-            <a:r>
-              <a:rPr lang="en-US" sz="1800" b="1">
-                <a:solidFill>
-                  <a:schemeClr val="bg2">
-                    <a:lumMod val="50000"/>
-                  </a:schemeClr>
-                </a:solidFill>
-                <a:latin typeface="Arial" panose="020B0604020202020204" pitchFamily="34" charset="0"/>
-                <a:cs typeface="Arial" panose="020B0604020202020204" pitchFamily="34" charset="0"/>
-              </a:rPr>
-              <a:t>Xây dựng ứng dụng tìm kiếm phim</a:t>
-            </a:r>
-            <a:endParaRPr lang="en-US" sz="1800" b="1">
-              <a:solidFill>
-                <a:schemeClr val="bg2">
-                  <a:lumMod val="50000"/>
-                </a:schemeClr>
-              </a:solidFill>
-              <a:latin typeface="Arial" panose="020B0604020202020204" pitchFamily="34" charset="0"/>
-              <a:cs typeface="Arial" panose="020B0604020202020204" pitchFamily="34" charset="0"/>
-            </a:endParaRPr>
-          </a:p>
-          <a:p>
-            <a:pPr marL="342900" indent="-342900">
-              <a:buAutoNum type="arabicPeriod"/>
-            </a:pPr>
-            <a:r>
-              <a:rPr lang="vi-VN" sz="1800" b="1">
-                <a:solidFill>
-                  <a:schemeClr val="bg1"/>
-                </a:solidFill>
-                <a:latin typeface="Arial" panose="020B0604020202020204" pitchFamily="34" charset="0"/>
-                <a:cs typeface="Arial" panose="020B0604020202020204" pitchFamily="34" charset="0"/>
-              </a:rPr>
-              <a:t>Kết luận</a:t>
-            </a:r>
-            <a:endParaRPr lang="vi-VN" sz="1800" b="1">
-              <a:solidFill>
-                <a:schemeClr val="bg1"/>
-              </a:solidFill>
-              <a:latin typeface="Arial" panose="020B0604020202020204" pitchFamily="34" charset="0"/>
-              <a:cs typeface="Arial" panose="020B0604020202020204" pitchFamily="34" charset="0"/>
-            </a:endParaRPr>
-          </a:p>
-        </p:txBody>
-      </p:sp>
-      <p:sp>
-        <p:nvSpPr>
-          <p:cNvPr id="8" name="Content Placeholder 2"/>
-          <p:cNvSpPr txBox="true"/>
-          <p:nvPr/>
-        </p:nvSpPr>
-        <p:spPr>
-          <a:xfrm>
-            <a:off x="0" y="2395643"/>
-            <a:ext cx="12192000" cy="3810604"/>
-          </a:xfrm>
-          <a:prstGeom prst="rect">
-            <a:avLst/>
-          </a:prstGeom>
-        </p:spPr>
-        <p:txBody>
-          <a:bodyPr vert="horz" lIns="91440" tIns="45720" rIns="91440" bIns="45720" rtlCol="0">
-            <a:noAutofit/>
-          </a:bodyPr>
-          <a:lstStyle>
-            <a:lvl1pPr marL="228600" indent="-228600" algn="l" defTabSz="914400" rtl="0" eaLnBrk="1" latinLnBrk="0" hangingPunct="1">
-              <a:lnSpc>
-                <a:spcPct val="90000"/>
-              </a:lnSpc>
-              <a:spcBef>
-                <a:spcPts val="1000"/>
-              </a:spcBef>
-              <a:buFont typeface="Arial" panose="020B0604020202020204" pitchFamily="34" charset="0"/>
-              <a:buChar char="•"/>
-              <a:defRPr sz="2800" kern="1200">
-                <a:solidFill>
-                  <a:schemeClr val="tx1"/>
-                </a:solidFill>
-                <a:latin typeface="+mn-lt"/>
-                <a:ea typeface="+mn-ea"/>
-                <a:cs typeface="+mn-cs"/>
-              </a:defRPr>
-            </a:lvl1pPr>
-            <a:lvl2pPr marL="685800" indent="-228600" algn="l" defTabSz="914400" rtl="0" eaLnBrk="1" latinLnBrk="0" hangingPunct="1">
-              <a:lnSpc>
-                <a:spcPct val="90000"/>
-              </a:lnSpc>
-              <a:spcBef>
-                <a:spcPts val="500"/>
-              </a:spcBef>
-              <a:buFont typeface="Arial" panose="020B0604020202020204" pitchFamily="34" charset="0"/>
-              <a:buChar char="•"/>
-              <a:defRPr sz="2400" kern="1200">
-                <a:solidFill>
-                  <a:schemeClr val="tx1"/>
-                </a:solidFill>
-                <a:latin typeface="+mn-lt"/>
-                <a:ea typeface="+mn-ea"/>
-                <a:cs typeface="+mn-cs"/>
-              </a:defRPr>
-            </a:lvl2pPr>
-            <a:lvl3pPr marL="1143000" indent="-228600" algn="l" defTabSz="914400" rtl="0" eaLnBrk="1" latinLnBrk="0" hangingPunct="1">
-              <a:lnSpc>
-                <a:spcPct val="90000"/>
-              </a:lnSpc>
-              <a:spcBef>
-                <a:spcPts val="500"/>
-              </a:spcBef>
-              <a:buFont typeface="Arial" panose="020B0604020202020204" pitchFamily="34" charset="0"/>
-              <a:buChar char="•"/>
-              <a:defRPr sz="2000" kern="1200">
-                <a:solidFill>
-                  <a:schemeClr val="tx1"/>
-                </a:solidFill>
-                <a:latin typeface="+mn-lt"/>
-                <a:ea typeface="+mn-ea"/>
-                <a:cs typeface="+mn-cs"/>
-              </a:defRPr>
-            </a:lvl3pPr>
-            <a:lvl4pPr marL="1600200" indent="-228600" algn="l" defTabSz="914400" rtl="0" eaLnBrk="1" latinLnBrk="0" hangingPunct="1">
-              <a:lnSpc>
-                <a:spcPct val="90000"/>
-              </a:lnSpc>
-              <a:spcBef>
-                <a:spcPts val="500"/>
-              </a:spcBef>
-              <a:buFont typeface="Arial" panose="020B0604020202020204" pitchFamily="34" charset="0"/>
-              <a:buChar char="•"/>
-              <a:defRPr sz="1800" kern="1200">
-                <a:solidFill>
-                  <a:schemeClr val="tx1"/>
-                </a:solidFill>
-                <a:latin typeface="+mn-lt"/>
-                <a:ea typeface="+mn-ea"/>
-                <a:cs typeface="+mn-cs"/>
-              </a:defRPr>
-            </a:lvl4pPr>
-            <a:lvl5pPr marL="2057400" indent="-228600" algn="l" defTabSz="914400" rtl="0" eaLnBrk="1" latinLnBrk="0" hangingPunct="1">
-              <a:lnSpc>
-                <a:spcPct val="90000"/>
-              </a:lnSpc>
-              <a:spcBef>
-                <a:spcPts val="500"/>
-              </a:spcBef>
-              <a:buFont typeface="Arial" panose="020B0604020202020204" pitchFamily="34" charset="0"/>
-              <a:buChar char="•"/>
-              <a:defRPr sz="1800" kern="1200">
-                <a:solidFill>
-                  <a:schemeClr val="tx1"/>
-                </a:solidFill>
-                <a:latin typeface="+mn-lt"/>
-                <a:ea typeface="+mn-ea"/>
-                <a:cs typeface="+mn-cs"/>
-              </a:defRPr>
-            </a:lvl5pPr>
-            <a:lvl6pPr marL="2514600" indent="-228600" algn="l" defTabSz="914400" rtl="0" eaLnBrk="1" latinLnBrk="0" hangingPunct="1">
-              <a:lnSpc>
-                <a:spcPct val="90000"/>
-              </a:lnSpc>
-              <a:spcBef>
-                <a:spcPts val="500"/>
-              </a:spcBef>
-              <a:buFont typeface="Arial" panose="020B0604020202020204" pitchFamily="34" charset="0"/>
-              <a:buChar char="•"/>
-              <a:defRPr sz="1800" kern="1200">
-                <a:solidFill>
-                  <a:schemeClr val="tx1"/>
-                </a:solidFill>
-                <a:latin typeface="+mn-lt"/>
-                <a:ea typeface="+mn-ea"/>
-                <a:cs typeface="+mn-cs"/>
-              </a:defRPr>
-            </a:lvl6pPr>
-            <a:lvl7pPr marL="2971800" indent="-228600" algn="l" defTabSz="914400" rtl="0" eaLnBrk="1" latinLnBrk="0" hangingPunct="1">
-              <a:lnSpc>
-                <a:spcPct val="90000"/>
-              </a:lnSpc>
-              <a:spcBef>
-                <a:spcPts val="500"/>
-              </a:spcBef>
-              <a:buFont typeface="Arial" panose="020B0604020202020204" pitchFamily="34" charset="0"/>
-              <a:buChar char="•"/>
-              <a:defRPr sz="1800" kern="1200">
-                <a:solidFill>
-                  <a:schemeClr val="tx1"/>
-                </a:solidFill>
-                <a:latin typeface="+mn-lt"/>
-                <a:ea typeface="+mn-ea"/>
-                <a:cs typeface="+mn-cs"/>
-              </a:defRPr>
-            </a:lvl7pPr>
-            <a:lvl8pPr marL="3429000" indent="-228600" algn="l" defTabSz="914400" rtl="0" eaLnBrk="1" latinLnBrk="0" hangingPunct="1">
-              <a:lnSpc>
-                <a:spcPct val="90000"/>
-              </a:lnSpc>
-              <a:spcBef>
-                <a:spcPts val="500"/>
-              </a:spcBef>
-              <a:buFont typeface="Arial" panose="020B0604020202020204" pitchFamily="34" charset="0"/>
-              <a:buChar char="•"/>
-              <a:defRPr sz="1800" kern="1200">
-                <a:solidFill>
-                  <a:schemeClr val="tx1"/>
-                </a:solidFill>
-                <a:latin typeface="+mn-lt"/>
-                <a:ea typeface="+mn-ea"/>
-                <a:cs typeface="+mn-cs"/>
-              </a:defRPr>
-            </a:lvl8pPr>
-            <a:lvl9pPr marL="3886200" indent="-228600" algn="l" defTabSz="914400" rtl="0" eaLnBrk="1" latinLnBrk="0" hangingPunct="1">
-              <a:lnSpc>
-                <a:spcPct val="90000"/>
-              </a:lnSpc>
-              <a:spcBef>
-                <a:spcPts val="500"/>
-              </a:spcBef>
-              <a:buFont typeface="Arial" panose="020B0604020202020204" pitchFamily="34" charset="0"/>
-              <a:buChar char="•"/>
-              <a:defRPr sz="1800" kern="1200">
-                <a:solidFill>
-                  <a:schemeClr val="tx1"/>
-                </a:solidFill>
-                <a:latin typeface="+mn-lt"/>
-                <a:ea typeface="+mn-ea"/>
-                <a:cs typeface="+mn-cs"/>
-              </a:defRPr>
-            </a:lvl9pPr>
-          </a:lstStyle>
-          <a:p>
-            <a:pPr marL="0" indent="0" algn="just">
-              <a:lnSpc>
-                <a:spcPct val="200000"/>
-              </a:lnSpc>
-              <a:buFont typeface="Arial" panose="020B0604020202020204" pitchFamily="34" charset="0"/>
-              <a:buNone/>
-            </a:pPr>
-            <a:r>
-              <a:rPr lang="en-US" sz="3000"/>
-              <a:t>	</a:t>
-            </a:r>
-            <a:endParaRPr lang="en-US" sz="3000">
-              <a:latin typeface="Arial" panose="020B0604020202020204" pitchFamily="34" charset="0"/>
-              <a:cs typeface="Arial" panose="020B0604020202020204" pitchFamily="34" charset="0"/>
-            </a:endParaRPr>
-          </a:p>
-        </p:txBody>
-      </p:sp>
-      <p:sp>
-        <p:nvSpPr>
-          <p:cNvPr id="4" name="Slide Number Placeholder 3"/>
-          <p:cNvSpPr>
-            <a:spLocks noGrp="true"/>
-          </p:cNvSpPr>
-          <p:nvPr>
-            <p:ph type="sldNum" sz="quarter" idx="12"/>
-          </p:nvPr>
-        </p:nvSpPr>
-        <p:spPr/>
-        <p:txBody>
-          <a:bodyPr/>
-          <a:lstStyle/>
-          <a:p>
-            <a:fld id="{1F57CBCC-0EFC-4EA7-A71B-8F9B02880562}" type="slidenum">
-              <a:rPr lang="en-US" sz="1400" smtClean="0">
-                <a:latin typeface="Arial (Body)"/>
-              </a:rPr>
-            </a:fld>
-            <a:endParaRPr lang="en-US" sz="1400">
-              <a:latin typeface="Arial (Body)"/>
-            </a:endParaRPr>
-          </a:p>
-        </p:txBody>
-      </p:sp>
-      <p:sp>
-        <p:nvSpPr>
-          <p:cNvPr id="9" name="Content Placeholder 2"/>
-          <p:cNvSpPr txBox="true"/>
-          <p:nvPr/>
-        </p:nvSpPr>
-        <p:spPr>
-          <a:xfrm>
-            <a:off x="430306" y="2110863"/>
-            <a:ext cx="11304494" cy="4095384"/>
-          </a:xfrm>
-          <a:prstGeom prst="rect">
-            <a:avLst/>
-          </a:prstGeom>
-        </p:spPr>
-        <p:txBody>
-          <a:bodyPr vert="horz" lIns="91440" tIns="45720" rIns="91440" bIns="45720" rtlCol="0">
-            <a:noAutofit/>
-          </a:bodyPr>
-          <a:lstStyle>
-            <a:lvl1pPr marL="228600" indent="-228600" algn="l" defTabSz="914400" rtl="0" eaLnBrk="1" latinLnBrk="0" hangingPunct="1">
-              <a:lnSpc>
-                <a:spcPct val="90000"/>
-              </a:lnSpc>
-              <a:spcBef>
-                <a:spcPts val="1000"/>
-              </a:spcBef>
-              <a:buFont typeface="Arial" panose="020B0604020202020204" pitchFamily="34" charset="0"/>
-              <a:buChar char="•"/>
-              <a:defRPr sz="2800" kern="1200">
-                <a:solidFill>
-                  <a:schemeClr val="tx1"/>
-                </a:solidFill>
-                <a:latin typeface="+mn-lt"/>
-                <a:ea typeface="+mn-ea"/>
-                <a:cs typeface="+mn-cs"/>
-              </a:defRPr>
-            </a:lvl1pPr>
-            <a:lvl2pPr marL="685800" indent="-228600" algn="l" defTabSz="914400" rtl="0" eaLnBrk="1" latinLnBrk="0" hangingPunct="1">
-              <a:lnSpc>
-                <a:spcPct val="90000"/>
-              </a:lnSpc>
-              <a:spcBef>
-                <a:spcPts val="500"/>
-              </a:spcBef>
-              <a:buFont typeface="Arial" panose="020B0604020202020204" pitchFamily="34" charset="0"/>
-              <a:buChar char="•"/>
-              <a:defRPr sz="2400" kern="1200">
-                <a:solidFill>
-                  <a:schemeClr val="tx1"/>
-                </a:solidFill>
-                <a:latin typeface="+mn-lt"/>
-                <a:ea typeface="+mn-ea"/>
-                <a:cs typeface="+mn-cs"/>
-              </a:defRPr>
-            </a:lvl2pPr>
-            <a:lvl3pPr marL="1143000" indent="-228600" algn="l" defTabSz="914400" rtl="0" eaLnBrk="1" latinLnBrk="0" hangingPunct="1">
-              <a:lnSpc>
-                <a:spcPct val="90000"/>
-              </a:lnSpc>
-              <a:spcBef>
-                <a:spcPts val="500"/>
-              </a:spcBef>
-              <a:buFont typeface="Arial" panose="020B0604020202020204" pitchFamily="34" charset="0"/>
-              <a:buChar char="•"/>
-              <a:defRPr sz="2000" kern="1200">
-                <a:solidFill>
-                  <a:schemeClr val="tx1"/>
-                </a:solidFill>
-                <a:latin typeface="+mn-lt"/>
-                <a:ea typeface="+mn-ea"/>
-                <a:cs typeface="+mn-cs"/>
-              </a:defRPr>
-            </a:lvl3pPr>
-            <a:lvl4pPr marL="1600200" indent="-228600" algn="l" defTabSz="914400" rtl="0" eaLnBrk="1" latinLnBrk="0" hangingPunct="1">
-              <a:lnSpc>
-                <a:spcPct val="90000"/>
-              </a:lnSpc>
-              <a:spcBef>
-                <a:spcPts val="500"/>
-              </a:spcBef>
-              <a:buFont typeface="Arial" panose="020B0604020202020204" pitchFamily="34" charset="0"/>
-              <a:buChar char="•"/>
-              <a:defRPr sz="1800" kern="1200">
-                <a:solidFill>
-                  <a:schemeClr val="tx1"/>
-                </a:solidFill>
-                <a:latin typeface="+mn-lt"/>
-                <a:ea typeface="+mn-ea"/>
-                <a:cs typeface="+mn-cs"/>
-              </a:defRPr>
-            </a:lvl4pPr>
-            <a:lvl5pPr marL="2057400" indent="-228600" algn="l" defTabSz="914400" rtl="0" eaLnBrk="1" latinLnBrk="0" hangingPunct="1">
-              <a:lnSpc>
-                <a:spcPct val="90000"/>
-              </a:lnSpc>
-              <a:spcBef>
-                <a:spcPts val="500"/>
-              </a:spcBef>
-              <a:buFont typeface="Arial" panose="020B0604020202020204" pitchFamily="34" charset="0"/>
-              <a:buChar char="•"/>
-              <a:defRPr sz="1800" kern="1200">
-                <a:solidFill>
-                  <a:schemeClr val="tx1"/>
-                </a:solidFill>
-                <a:latin typeface="+mn-lt"/>
-                <a:ea typeface="+mn-ea"/>
-                <a:cs typeface="+mn-cs"/>
-              </a:defRPr>
-            </a:lvl5pPr>
-            <a:lvl6pPr marL="2514600" indent="-228600" algn="l" defTabSz="914400" rtl="0" eaLnBrk="1" latinLnBrk="0" hangingPunct="1">
-              <a:lnSpc>
-                <a:spcPct val="90000"/>
-              </a:lnSpc>
-              <a:spcBef>
-                <a:spcPts val="500"/>
-              </a:spcBef>
-              <a:buFont typeface="Arial" panose="020B0604020202020204" pitchFamily="34" charset="0"/>
-              <a:buChar char="•"/>
-              <a:defRPr sz="1800" kern="1200">
-                <a:solidFill>
-                  <a:schemeClr val="tx1"/>
-                </a:solidFill>
-                <a:latin typeface="+mn-lt"/>
-                <a:ea typeface="+mn-ea"/>
-                <a:cs typeface="+mn-cs"/>
-              </a:defRPr>
-            </a:lvl6pPr>
-            <a:lvl7pPr marL="2971800" indent="-228600" algn="l" defTabSz="914400" rtl="0" eaLnBrk="1" latinLnBrk="0" hangingPunct="1">
-              <a:lnSpc>
-                <a:spcPct val="90000"/>
-              </a:lnSpc>
-              <a:spcBef>
-                <a:spcPts val="500"/>
-              </a:spcBef>
-              <a:buFont typeface="Arial" panose="020B0604020202020204" pitchFamily="34" charset="0"/>
-              <a:buChar char="•"/>
-              <a:defRPr sz="1800" kern="1200">
-                <a:solidFill>
-                  <a:schemeClr val="tx1"/>
-                </a:solidFill>
-                <a:latin typeface="+mn-lt"/>
-                <a:ea typeface="+mn-ea"/>
-                <a:cs typeface="+mn-cs"/>
-              </a:defRPr>
-            </a:lvl7pPr>
-            <a:lvl8pPr marL="3429000" indent="-228600" algn="l" defTabSz="914400" rtl="0" eaLnBrk="1" latinLnBrk="0" hangingPunct="1">
-              <a:lnSpc>
-                <a:spcPct val="90000"/>
-              </a:lnSpc>
-              <a:spcBef>
-                <a:spcPts val="500"/>
-              </a:spcBef>
-              <a:buFont typeface="Arial" panose="020B0604020202020204" pitchFamily="34" charset="0"/>
-              <a:buChar char="•"/>
-              <a:defRPr sz="1800" kern="1200">
-                <a:solidFill>
-                  <a:schemeClr val="tx1"/>
-                </a:solidFill>
-                <a:latin typeface="+mn-lt"/>
-                <a:ea typeface="+mn-ea"/>
-                <a:cs typeface="+mn-cs"/>
-              </a:defRPr>
-            </a:lvl8pPr>
-            <a:lvl9pPr marL="3886200" indent="-228600" algn="l" defTabSz="914400" rtl="0" eaLnBrk="1" latinLnBrk="0" hangingPunct="1">
-              <a:lnSpc>
-                <a:spcPct val="90000"/>
-              </a:lnSpc>
-              <a:spcBef>
-                <a:spcPts val="500"/>
-              </a:spcBef>
-              <a:buFont typeface="Arial" panose="020B0604020202020204" pitchFamily="34" charset="0"/>
-              <a:buChar char="•"/>
-              <a:defRPr sz="1800" kern="1200">
-                <a:solidFill>
-                  <a:schemeClr val="tx1"/>
-                </a:solidFill>
-                <a:latin typeface="+mn-lt"/>
-                <a:ea typeface="+mn-ea"/>
-                <a:cs typeface="+mn-cs"/>
-              </a:defRPr>
-            </a:lvl9pPr>
-          </a:lstStyle>
-          <a:p>
-            <a:pPr algn="just">
-              <a:lnSpc>
-                <a:spcPct val="114000"/>
-              </a:lnSpc>
-              <a:spcBef>
-                <a:spcPts val="600"/>
-              </a:spcBef>
-              <a:spcAft>
-                <a:spcPts val="600"/>
-              </a:spcAft>
-              <a:buFontTx/>
-              <a:buChar char="-"/>
-            </a:pPr>
-            <a:r>
-              <a:rPr sz="3200">
-                <a:latin typeface="Arial" panose="020B0604020202020204" pitchFamily="34" charset="0"/>
-                <a:cs typeface="Arial" panose="020B0604020202020204" pitchFamily="34" charset="0"/>
-              </a:rPr>
-              <a:t>Nhóm đã ứng dụng được các kiến thức về GIS và vận dụng được các thư viện để xây đựng một hệ thống thông tin địa lý nhỏ tương đối đáp ứng các yêu cầu bài tập lớn</a:t>
-            </a:r>
-            <a:r>
-              <a:rPr lang="vi-VN" sz="3200" smtClean="0">
-                <a:latin typeface="Arial" panose="020B0604020202020204" pitchFamily="34" charset="0"/>
-                <a:cs typeface="Arial" panose="020B0604020202020204" pitchFamily="34" charset="0"/>
-              </a:rPr>
-              <a:t>.</a:t>
-            </a:r>
-            <a:endParaRPr lang="vi-VN" sz="3200" smtClean="0">
-              <a:latin typeface="Arial" panose="020B0604020202020204" pitchFamily="34" charset="0"/>
-              <a:cs typeface="Arial" panose="020B0604020202020204" pitchFamily="34" charset="0"/>
-            </a:endParaRPr>
-          </a:p>
-          <a:p>
-            <a:pPr algn="just">
-              <a:lnSpc>
-                <a:spcPct val="114000"/>
-              </a:lnSpc>
-              <a:spcBef>
-                <a:spcPts val="600"/>
-              </a:spcBef>
-              <a:spcAft>
-                <a:spcPts val="600"/>
-              </a:spcAft>
-              <a:buFontTx/>
-              <a:buChar char="-"/>
-            </a:pPr>
-            <a:r>
-              <a:rPr lang="en-US" altLang="vi-VN" sz="3200" smtClean="0">
-                <a:latin typeface="Arial" panose="020B0604020202020204" pitchFamily="34" charset="0"/>
-                <a:cs typeface="Arial" panose="020B0604020202020204" pitchFamily="34" charset="0"/>
-              </a:rPr>
-              <a:t>Bài tập cần tiếp tục phát triển thêm module quản lý chủ trọ, khu trọ của mỗi chủ trọ, </a:t>
-            </a:r>
-            <a:endParaRPr lang="en-US" sz="3200" smtClean="0">
-              <a:latin typeface="Arial" panose="020B0604020202020204" pitchFamily="34" charset="0"/>
-              <a:cs typeface="Arial" panose="020B0604020202020204" pitchFamily="34" charset="0"/>
-            </a:endParaRPr>
-          </a:p>
-          <a:p>
-            <a:pPr algn="just">
-              <a:lnSpc>
-                <a:spcPct val="114000"/>
-              </a:lnSpc>
-              <a:spcBef>
-                <a:spcPts val="600"/>
-              </a:spcBef>
-              <a:spcAft>
-                <a:spcPts val="600"/>
-              </a:spcAft>
-              <a:buFontTx/>
-              <a:buChar char="-"/>
-            </a:pPr>
-            <a:endParaRPr lang="en-US" sz="3200">
-              <a:latin typeface="Arial" panose="020B0604020202020204" pitchFamily="34" charset="0"/>
-              <a:cs typeface="Arial" panose="020B0604020202020204" pitchFamily="34" charset="0"/>
-            </a:endParaRPr>
-          </a:p>
-        </p:txBody>
-      </p:sp>
-    </p:spTree>
-  </p:cSld>
-  <p:clrMapOvr>
-    <a:masterClrMapping/>
-  </p:clrMapOvr>
-  <p:timing>
-    <p:tnLst>
-      <p:par>
-        <p:cTn id="1" dur="indefinite" restart="never" nodeType="tmRoot"/>
-      </p:par>
-    </p:tnLst>
-  </p:timing>
-</p:sld>
-</file>
-
-<file path=ppt/slides/slide11.xml><?xml version="1.0" encoding="utf-8"?>
-<p:sld xmlns:a="http://schemas.openxmlformats.org/drawingml/2006/main" xmlns:r="http://schemas.openxmlformats.org/officeDocument/2006/relationships" xmlns:p="http://schemas.openxmlformats.org/presentationml/2006/main">
-  <p:cSld>
-    <p:spTree>
-      <p:nvGrpSpPr>
-        <p:cNvPr id="1" name=""/>
-        <p:cNvGrpSpPr/>
-        <p:nvPr/>
-      </p:nvGrpSpPr>
-      <p:grpSpPr>
-        <a:xfrm>
-          <a:off x="0" y="0"/>
-          <a:ext cx="0" cy="0"/>
-          <a:chOff x="0" y="0"/>
-          <a:chExt cx="0" cy="0"/>
-        </a:xfrm>
-      </p:grpSpPr>
-      <p:sp>
-        <p:nvSpPr>
           <p:cNvPr id="4" name="Slide Number Placeholder 3"/>
           <p:cNvSpPr>
             <a:spLocks noGrp="true"/>
@@ -8862,9 +7972,9 @@
                 <a:latin typeface="Arial" panose="020B0604020202020204" pitchFamily="34" charset="0"/>
                 <a:cs typeface="Arial" panose="020B0604020202020204" pitchFamily="34" charset="0"/>
               </a:rPr>
-              <a:t>Mô tả yêu cầu</a:t>
-            </a:r>
-            <a:endParaRPr lang="en-US" sz="3200">
+              <a:t>Mô tả hệ thống</a:t>
+            </a:r>
+            <a:endParaRPr lang="en-US" altLang="en-US" sz="3200" smtClean="0">
               <a:latin typeface="Arial" panose="020B0604020202020204" pitchFamily="34" charset="0"/>
               <a:cs typeface="Arial" panose="020B0604020202020204" pitchFamily="34" charset="0"/>
             </a:endParaRPr>
@@ -9074,16 +8184,9 @@
                 <a:latin typeface="Arial" panose="020B0604020202020204" pitchFamily="34" charset="0"/>
                 <a:cs typeface="Arial" panose="020B0604020202020204" pitchFamily="34" charset="0"/>
               </a:rPr>
-              <a:t>Thiết kế </a:t>
-            </a:r>
-            <a:r>
-              <a:rPr lang="" altLang="en-US" sz="3200">
-                <a:latin typeface="Arial" panose="020B0604020202020204" pitchFamily="34" charset="0"/>
-                <a:cs typeface="Arial" panose="020B0604020202020204" pitchFamily="34" charset="0"/>
-              </a:rPr>
-              <a:t>CSDL, </a:t>
-            </a:r>
-            <a:endParaRPr lang="" altLang="en-US" sz="3200">
+              <a:t>Công nghệ sử dụng </a:t>
+            </a:r>
+            <a:endParaRPr lang="en-US" altLang="en-US" sz="3200">
               <a:latin typeface="Arial" panose="020B0604020202020204" pitchFamily="34" charset="0"/>
               <a:cs typeface="Arial" panose="020B0604020202020204" pitchFamily="34" charset="0"/>
             </a:endParaRPr>
@@ -9289,224 +8392,14 @@
               <a:t>3. </a:t>
             </a:r>
             <a:r>
-              <a:rPr lang="en-US" altLang="en-US" sz="3200" smtClean="0">
+              <a:rPr lang="en-US" altLang="en-US" sz="3200">
                 <a:latin typeface="Arial" panose="020B0604020202020204" pitchFamily="34" charset="0"/>
                 <a:cs typeface="Arial" panose="020B0604020202020204" pitchFamily="34" charset="0"/>
               </a:rPr>
-              <a:t>Kết quả</a:t>
+              <a:t>Demo</a:t>
             </a:r>
             <a:endParaRPr lang="en-US" altLang="en-US" sz="3200">
               <a:latin typeface="Arial" panose="020B0604020202020204" pitchFamily="34" charset="0"/>
-              <a:cs typeface="Arial" panose="020B0604020202020204" pitchFamily="34" charset="0"/>
-            </a:endParaRPr>
-          </a:p>
-        </p:txBody>
-      </p:sp>
-      <p:sp>
-        <p:nvSpPr>
-          <p:cNvPr id="6" name="Content Placeholder 2"/>
-          <p:cNvSpPr txBox="true"/>
-          <p:nvPr/>
-        </p:nvSpPr>
-        <p:spPr>
-          <a:xfrm>
-            <a:off x="0" y="4823226"/>
-            <a:ext cx="12192000" cy="622293"/>
-          </a:xfrm>
-          <a:prstGeom prst="rect">
-            <a:avLst/>
-          </a:prstGeom>
-        </p:spPr>
-        <p:txBody>
-          <a:bodyPr vert="horz" lIns="91440" tIns="45720" rIns="91440" bIns="45720" rtlCol="0">
-            <a:normAutofit/>
-          </a:bodyPr>
-          <a:lstStyle>
-            <a:lvl1pPr marL="228600" indent="-228600" algn="l" defTabSz="914400" rtl="0" eaLnBrk="1" latinLnBrk="0" hangingPunct="1">
-              <a:lnSpc>
-                <a:spcPct val="90000"/>
-              </a:lnSpc>
-              <a:spcBef>
-                <a:spcPts val="1000"/>
-              </a:spcBef>
-              <a:buFont typeface="Arial" panose="020B0604020202020204" pitchFamily="34" charset="0"/>
-              <a:buChar char="•"/>
-              <a:defRPr sz="2800" kern="1200">
-                <a:solidFill>
-                  <a:schemeClr val="tx1"/>
-                </a:solidFill>
-                <a:latin typeface="+mn-lt"/>
-                <a:ea typeface="+mn-ea"/>
-                <a:cs typeface="+mn-cs"/>
-              </a:defRPr>
-            </a:lvl1pPr>
-            <a:lvl2pPr marL="685800" indent="-228600" algn="l" defTabSz="914400" rtl="0" eaLnBrk="1" latinLnBrk="0" hangingPunct="1">
-              <a:lnSpc>
-                <a:spcPct val="90000"/>
-              </a:lnSpc>
-              <a:spcBef>
-                <a:spcPts val="500"/>
-              </a:spcBef>
-              <a:buFont typeface="Arial" panose="020B0604020202020204" pitchFamily="34" charset="0"/>
-              <a:buChar char="•"/>
-              <a:defRPr sz="2400" kern="1200">
-                <a:solidFill>
-                  <a:schemeClr val="tx1"/>
-                </a:solidFill>
-                <a:latin typeface="+mn-lt"/>
-                <a:ea typeface="+mn-ea"/>
-                <a:cs typeface="+mn-cs"/>
-              </a:defRPr>
-            </a:lvl2pPr>
-            <a:lvl3pPr marL="1143000" indent="-228600" algn="l" defTabSz="914400" rtl="0" eaLnBrk="1" latinLnBrk="0" hangingPunct="1">
-              <a:lnSpc>
-                <a:spcPct val="90000"/>
-              </a:lnSpc>
-              <a:spcBef>
-                <a:spcPts val="500"/>
-              </a:spcBef>
-              <a:buFont typeface="Arial" panose="020B0604020202020204" pitchFamily="34" charset="0"/>
-              <a:buChar char="•"/>
-              <a:defRPr sz="2000" kern="1200">
-                <a:solidFill>
-                  <a:schemeClr val="tx1"/>
-                </a:solidFill>
-                <a:latin typeface="+mn-lt"/>
-                <a:ea typeface="+mn-ea"/>
-                <a:cs typeface="+mn-cs"/>
-              </a:defRPr>
-            </a:lvl3pPr>
-            <a:lvl4pPr marL="1600200" indent="-228600" algn="l" defTabSz="914400" rtl="0" eaLnBrk="1" latinLnBrk="0" hangingPunct="1">
-              <a:lnSpc>
-                <a:spcPct val="90000"/>
-              </a:lnSpc>
-              <a:spcBef>
-                <a:spcPts val="500"/>
-              </a:spcBef>
-              <a:buFont typeface="Arial" panose="020B0604020202020204" pitchFamily="34" charset="0"/>
-              <a:buChar char="•"/>
-              <a:defRPr sz="1800" kern="1200">
-                <a:solidFill>
-                  <a:schemeClr val="tx1"/>
-                </a:solidFill>
-                <a:latin typeface="+mn-lt"/>
-                <a:ea typeface="+mn-ea"/>
-                <a:cs typeface="+mn-cs"/>
-              </a:defRPr>
-            </a:lvl4pPr>
-            <a:lvl5pPr marL="2057400" indent="-228600" algn="l" defTabSz="914400" rtl="0" eaLnBrk="1" latinLnBrk="0" hangingPunct="1">
-              <a:lnSpc>
-                <a:spcPct val="90000"/>
-              </a:lnSpc>
-              <a:spcBef>
-                <a:spcPts val="500"/>
-              </a:spcBef>
-              <a:buFont typeface="Arial" panose="020B0604020202020204" pitchFamily="34" charset="0"/>
-              <a:buChar char="•"/>
-              <a:defRPr sz="1800" kern="1200">
-                <a:solidFill>
-                  <a:schemeClr val="tx1"/>
-                </a:solidFill>
-                <a:latin typeface="+mn-lt"/>
-                <a:ea typeface="+mn-ea"/>
-                <a:cs typeface="+mn-cs"/>
-              </a:defRPr>
-            </a:lvl5pPr>
-            <a:lvl6pPr marL="2514600" indent="-228600" algn="l" defTabSz="914400" rtl="0" eaLnBrk="1" latinLnBrk="0" hangingPunct="1">
-              <a:lnSpc>
-                <a:spcPct val="90000"/>
-              </a:lnSpc>
-              <a:spcBef>
-                <a:spcPts val="500"/>
-              </a:spcBef>
-              <a:buFont typeface="Arial" panose="020B0604020202020204" pitchFamily="34" charset="0"/>
-              <a:buChar char="•"/>
-              <a:defRPr sz="1800" kern="1200">
-                <a:solidFill>
-                  <a:schemeClr val="tx1"/>
-                </a:solidFill>
-                <a:latin typeface="+mn-lt"/>
-                <a:ea typeface="+mn-ea"/>
-                <a:cs typeface="+mn-cs"/>
-              </a:defRPr>
-            </a:lvl6pPr>
-            <a:lvl7pPr marL="2971800" indent="-228600" algn="l" defTabSz="914400" rtl="0" eaLnBrk="1" latinLnBrk="0" hangingPunct="1">
-              <a:lnSpc>
-                <a:spcPct val="90000"/>
-              </a:lnSpc>
-              <a:spcBef>
-                <a:spcPts val="500"/>
-              </a:spcBef>
-              <a:buFont typeface="Arial" panose="020B0604020202020204" pitchFamily="34" charset="0"/>
-              <a:buChar char="•"/>
-              <a:defRPr sz="1800" kern="1200">
-                <a:solidFill>
-                  <a:schemeClr val="tx1"/>
-                </a:solidFill>
-                <a:latin typeface="+mn-lt"/>
-                <a:ea typeface="+mn-ea"/>
-                <a:cs typeface="+mn-cs"/>
-              </a:defRPr>
-            </a:lvl7pPr>
-            <a:lvl8pPr marL="3429000" indent="-228600" algn="l" defTabSz="914400" rtl="0" eaLnBrk="1" latinLnBrk="0" hangingPunct="1">
-              <a:lnSpc>
-                <a:spcPct val="90000"/>
-              </a:lnSpc>
-              <a:spcBef>
-                <a:spcPts val="500"/>
-              </a:spcBef>
-              <a:buFont typeface="Arial" panose="020B0604020202020204" pitchFamily="34" charset="0"/>
-              <a:buChar char="•"/>
-              <a:defRPr sz="1800" kern="1200">
-                <a:solidFill>
-                  <a:schemeClr val="tx1"/>
-                </a:solidFill>
-                <a:latin typeface="+mn-lt"/>
-                <a:ea typeface="+mn-ea"/>
-                <a:cs typeface="+mn-cs"/>
-              </a:defRPr>
-            </a:lvl8pPr>
-            <a:lvl9pPr marL="3886200" indent="-228600" algn="l" defTabSz="914400" rtl="0" eaLnBrk="1" latinLnBrk="0" hangingPunct="1">
-              <a:lnSpc>
-                <a:spcPct val="90000"/>
-              </a:lnSpc>
-              <a:spcBef>
-                <a:spcPts val="500"/>
-              </a:spcBef>
-              <a:buFont typeface="Arial" panose="020B0604020202020204" pitchFamily="34" charset="0"/>
-              <a:buChar char="•"/>
-              <a:defRPr sz="1800" kern="1200">
-                <a:solidFill>
-                  <a:schemeClr val="tx1"/>
-                </a:solidFill>
-                <a:latin typeface="+mn-lt"/>
-                <a:ea typeface="+mn-ea"/>
-                <a:cs typeface="+mn-cs"/>
-              </a:defRPr>
-            </a:lvl9pPr>
-          </a:lstStyle>
-          <a:p>
-            <a:pPr marL="0" indent="0">
-              <a:buNone/>
-            </a:pPr>
-            <a:r>
-              <a:rPr lang="en-US"/>
-              <a:t>	</a:t>
-            </a:r>
-            <a:r>
-              <a:rPr lang="en-US" sz="3200">
-                <a:latin typeface="Arial" panose="020B0604020202020204" pitchFamily="34" charset="0"/>
-                <a:cs typeface="Arial" panose="020B0604020202020204" pitchFamily="34" charset="0"/>
-              </a:rPr>
-              <a:t>4. </a:t>
-            </a:r>
-            <a:r>
-              <a:rPr lang="vi-VN" sz="3200">
-                <a:cs typeface="Arial" panose="020B0604020202020204" pitchFamily="34" charset="0"/>
-              </a:rPr>
-              <a:t>Kết luận</a:t>
-            </a:r>
-            <a:endParaRPr lang="vi-VN" sz="3200">
               <a:cs typeface="Arial" panose="020B0604020202020204" pitchFamily="34" charset="0"/>
             </a:endParaRPr>
           </a:p>
@@ -9618,48 +8511,19 @@
                 <a:latin typeface="Arial" panose="020B0604020202020204" pitchFamily="34" charset="0"/>
                 <a:cs typeface="Arial" panose="020B0604020202020204" pitchFamily="34" charset="0"/>
               </a:rPr>
-              <a:t>THỐNG TÌM KIẾM PHIM </a:t>
-            </a:r>
-            <a:br>
-              <a:rPr lang="en-US" sz="3200" b="1" smtClean="0">
+              <a:t>THỐNG</a:t>
+            </a:r>
+            <a:r>
+              <a:rPr lang="en-US" altLang="en-US" sz="3200" b="1">
                 <a:solidFill>
                   <a:schemeClr val="bg1"/>
                 </a:solidFill>
                 <a:latin typeface="Arial" panose="020B0604020202020204" pitchFamily="34" charset="0"/>
                 <a:cs typeface="Arial" panose="020B0604020202020204" pitchFamily="34" charset="0"/>
               </a:rPr>
-            </a:br>
-            <a:r>
-              <a:rPr lang="en-US" sz="3200" b="1" smtClean="0">
-                <a:solidFill>
-                  <a:schemeClr val="bg1"/>
-                </a:solidFill>
-                <a:latin typeface="Arial" panose="020B0604020202020204" pitchFamily="34" charset="0"/>
-                <a:cs typeface="Arial" panose="020B0604020202020204" pitchFamily="34" charset="0"/>
-              </a:rPr>
-              <a:t>TRÊN </a:t>
-            </a:r>
-            <a:r>
-              <a:rPr lang="en-US" sz="3200" b="1">
-                <a:solidFill>
-                  <a:schemeClr val="bg1"/>
-                </a:solidFill>
-                <a:latin typeface="Arial" panose="020B0604020202020204" pitchFamily="34" charset="0"/>
-                <a:cs typeface="Arial" panose="020B0604020202020204" pitchFamily="34" charset="0"/>
-              </a:rPr>
-              <a:t>DỮ LIỆU </a:t>
-            </a:r>
-            <a:r>
-              <a:rPr lang="en-US" sz="3200" b="1" smtClean="0">
-                <a:solidFill>
-                  <a:schemeClr val="bg1"/>
-                </a:solidFill>
-                <a:latin typeface="Arial" panose="020B0604020202020204" pitchFamily="34" charset="0"/>
-                <a:cs typeface="Arial" panose="020B0604020202020204" pitchFamily="34" charset="0"/>
-              </a:rPr>
-              <a:t>DBPEDIA</a:t>
-            </a:r>
-            <a:endParaRPr lang="en-US" sz="3200" b="1">
+              <a:t> QUẢN LÝ KHU TRỌ QUẬN CÁI RĂNG</a:t>
+            </a:r>
+            <a:endParaRPr lang="en-US" altLang="en-US" sz="3200" b="1">
               <a:solidFill>
                 <a:schemeClr val="bg1"/>
               </a:solidFill>
@@ -9704,9 +8568,16 @@
                 <a:latin typeface="Arial" panose="020B0604020202020204" pitchFamily="34" charset="0"/>
                 <a:cs typeface="Arial" panose="020B0604020202020204" pitchFamily="34" charset="0"/>
               </a:rPr>
-              <a:t>. Xây dựng ontology schema (Tbox)</a:t>
-            </a:r>
-            <a:endParaRPr lang="en-US" sz="3200" b="1">
+              <a:t>. </a:t>
+            </a:r>
+            <a:r>
+              <a:rPr lang="en-US" altLang="en-US" sz="3200" b="1">
+                <a:latin typeface="Arial" panose="020B0604020202020204" pitchFamily="34" charset="0"/>
+                <a:cs typeface="Arial" panose="020B0604020202020204" pitchFamily="34" charset="0"/>
+              </a:rPr>
+              <a:t>Mô tả hệ thống (1)</a:t>
+            </a:r>
+            <a:endParaRPr lang="en-US" altLang="en-US" sz="3200" b="1">
               <a:latin typeface="Arial" panose="020B0604020202020204" pitchFamily="34" charset="0"/>
               <a:cs typeface="Arial" panose="020B0604020202020204" pitchFamily="34" charset="0"/>
             </a:endParaRPr>
@@ -9758,40 +8629,24 @@
             </a:lvl1pPr>
           </a:lstStyle>
           <a:p>
-            <a:pPr marL="342900" indent="-342900">
+            <a:pPr marL="342900" indent="-342900" algn="l">
+              <a:buClrTx/>
+              <a:buSzTx/>
+              <a:buFontTx/>
               <a:buAutoNum type="arabicPeriod"/>
             </a:pPr>
             <a:r>
-              <a:rPr lang="en-US" sz="1800" b="1">
+              <a:rPr lang="en-US" altLang="en-US" sz="1800" b="1">
                 <a:solidFill>
                   <a:schemeClr val="bg1"/>
                 </a:solidFill>
                 <a:latin typeface="Arial" panose="020B0604020202020204" pitchFamily="34" charset="0"/>
                 <a:cs typeface="Arial" panose="020B0604020202020204" pitchFamily="34" charset="0"/>
-              </a:rPr>
-              <a:t>Mô tả yêu cầu</a:t>
-            </a:r>
-            <a:r>
-              <a:rPr lang="en-US" sz="1800" b="1" smtClean="0">
-                <a:solidFill>
-                  <a:schemeClr val="bg1"/>
-                </a:solidFill>
-                <a:latin typeface="Arial" panose="020B0604020202020204" pitchFamily="34" charset="0"/>
-                <a:cs typeface="Arial" panose="020B0604020202020204" pitchFamily="34" charset="0"/>
-              </a:rPr>
-              <a:t> </a:t>
-            </a:r>
-            <a:r>
-              <a:rPr lang="vi-VN" sz="1800" b="1" smtClean="0">
-                <a:solidFill>
-                  <a:schemeClr val="bg1"/>
-                </a:solidFill>
-                <a:latin typeface="Arial" panose="020B0604020202020204" pitchFamily="34" charset="0"/>
-                <a:cs typeface="Arial" panose="020B0604020202020204" pitchFamily="34" charset="0"/>
-              </a:rPr>
-              <a:t> </a:t>
-            </a:r>
-            <a:endParaRPr lang="en-US" sz="1800" b="1" smtClean="0">
+                <a:sym typeface="+mn-ea"/>
+              </a:rPr>
+              <a:t>Mô tả hệ thống </a:t>
+            </a:r>
+            <a:endParaRPr lang="en-US" altLang="en-US" sz="1800" b="1">
               <a:solidFill>
                 <a:schemeClr val="bg1"/>
               </a:solidFill>
@@ -9804,7 +8659,7 @@
               <a:buAutoNum type="arabicPeriod"/>
             </a:pPr>
             <a:r>
-              <a:rPr lang="en-US" sz="1800" b="1" smtClean="0">
+              <a:rPr lang="en-US" sz="1800" b="1">
                 <a:solidFill>
                   <a:schemeClr val="bg2">
                     <a:lumMod val="50000"/>
@@ -9812,46 +8667,11 @@
                 </a:solidFill>
                 <a:latin typeface="Arial" panose="020B0604020202020204" pitchFamily="34" charset="0"/>
                 <a:cs typeface="Arial" panose="020B0604020202020204" pitchFamily="34" charset="0"/>
-              </a:rPr>
-              <a:t>I</a:t>
-            </a:r>
-            <a:r>
-              <a:rPr lang="en-US" altLang="en-US" sz="1800" b="1" smtClean="0">
-                <a:solidFill>
-                  <a:schemeClr val="bg2">
-                    <a:lumMod val="50000"/>
-                  </a:schemeClr>
-                </a:solidFill>
-                <a:latin typeface="Arial" panose="020B0604020202020204" pitchFamily="34" charset="0"/>
-                <a:cs typeface="Arial" panose="020B0604020202020204" pitchFamily="34" charset="0"/>
-              </a:rPr>
-              <a:t>m</a:t>
-            </a:r>
-            <a:r>
-              <a:rPr lang="en-US" sz="1800" b="1" smtClean="0">
-                <a:solidFill>
-                  <a:schemeClr val="bg2">
-                    <a:lumMod val="50000"/>
-                  </a:schemeClr>
-                </a:solidFill>
-                <a:latin typeface="Arial" panose="020B0604020202020204" pitchFamily="34" charset="0"/>
-                <a:cs typeface="Arial" panose="020B0604020202020204" pitchFamily="34" charset="0"/>
-              </a:rPr>
-              <a:t>port KB từ </a:t>
-            </a:r>
-            <a:r>
-              <a:rPr lang="vi-VN" sz="1800" b="1" smtClean="0">
-                <a:solidFill>
-                  <a:schemeClr val="bg2">
-                    <a:lumMod val="50000"/>
-                  </a:schemeClr>
-                </a:solidFill>
-                <a:latin typeface="Arial" panose="020B0604020202020204" pitchFamily="34" charset="0"/>
-                <a:cs typeface="Arial" panose="020B0604020202020204" pitchFamily="34" charset="0"/>
-              </a:rPr>
-              <a:t>DBPedia vào Abox</a:t>
-            </a:r>
-            <a:endParaRPr lang="en-US" sz="1800" b="1" smtClean="0">
+                <a:sym typeface="+mn-ea"/>
+              </a:rPr>
+              <a:t>Công nghệ sử dụng</a:t>
+            </a:r>
+            <a:endParaRPr lang="en-US" sz="1800" b="1">
               <a:solidFill>
                 <a:schemeClr val="bg2">
                   <a:lumMod val="50000"/>
@@ -9866,7 +8686,7 @@
               <a:buAutoNum type="arabicPeriod"/>
             </a:pPr>
             <a:r>
-              <a:rPr lang="en-US" sz="1800" b="1" smtClean="0">
+              <a:rPr lang="en-US" sz="1800" b="1">
                 <a:solidFill>
                   <a:schemeClr val="bg2">
                     <a:lumMod val="50000"/>
@@ -9874,36 +8694,11 @@
                 </a:solidFill>
                 <a:latin typeface="Arial" panose="020B0604020202020204" pitchFamily="34" charset="0"/>
                 <a:cs typeface="Arial" panose="020B0604020202020204" pitchFamily="34" charset="0"/>
-              </a:rPr>
-              <a:t>Xây dựng ứng dụng tìm kiếm phim</a:t>
-            </a:r>
-            <a:endParaRPr lang="en-US" sz="1800" b="1" smtClean="0">
-              <a:solidFill>
-                <a:schemeClr val="bg2">
-                  <a:lumMod val="50000"/>
-                </a:schemeClr>
-              </a:solidFill>
-              <a:latin typeface="Arial" panose="020B0604020202020204" pitchFamily="34" charset="0"/>
-              <a:cs typeface="Arial" panose="020B0604020202020204" pitchFamily="34" charset="0"/>
-            </a:endParaRPr>
-          </a:p>
-          <a:p>
-            <a:pPr marL="342900" indent="-342900">
-              <a:buAutoNum type="arabicPeriod"/>
-            </a:pPr>
-            <a:r>
-              <a:rPr lang="vi-VN" sz="1800" b="1" smtClean="0">
-                <a:solidFill>
-                  <a:schemeClr val="bg2">
-                    <a:lumMod val="50000"/>
-                  </a:schemeClr>
-                </a:solidFill>
-                <a:latin typeface="Arial" panose="020B0604020202020204" pitchFamily="34" charset="0"/>
-                <a:cs typeface="Arial" panose="020B0604020202020204" pitchFamily="34" charset="0"/>
-              </a:rPr>
-              <a:t>Kết luận</a:t>
-            </a:r>
-            <a:endParaRPr lang="vi-VN" sz="1800" b="1">
+                <a:sym typeface="+mn-ea"/>
+              </a:rPr>
+              <a:t>Demo</a:t>
+            </a:r>
+            <a:endParaRPr lang="en-US" sz="1800" b="1">
               <a:solidFill>
                 <a:schemeClr val="bg2">
                   <a:lumMod val="50000"/>
@@ -10151,7 +8946,7 @@
         </p:nvSpPr>
         <p:spPr>
           <a:xfrm>
-            <a:off x="430306" y="2110863"/>
+            <a:off x="443641" y="2111498"/>
             <a:ext cx="11304494" cy="4095384"/>
           </a:xfrm>
           <a:prstGeom prst="rect">
@@ -10341,43 +9136,48 @@
               <a:buChar char="-"/>
             </a:pPr>
             <a:r>
-              <a:rPr lang="en-US" sz="3200" smtClean="0">
+              <a:rPr lang="en-US" altLang="en-US" sz="2400" smtClean="0">
                 <a:latin typeface="Arial" panose="020B0604020202020204" pitchFamily="34" charset="0"/>
                 <a:cs typeface="Arial" panose="020B0604020202020204" pitchFamily="34" charset="0"/>
               </a:rPr>
-              <a:t>Khai thác nguồn </a:t>
-            </a:r>
-            <a:r>
-              <a:rPr lang="en-US" sz="3200">
+              <a:t>Hệ thống quản lý khu trọ quận Cái Răng là một hệ thống thông tin địa lý</a:t>
+            </a:r>
+            <a:r>
+              <a:rPr lang="" altLang="en-US" sz="2400" smtClean="0">
                 <a:latin typeface="Arial" panose="020B0604020202020204" pitchFamily="34" charset="0"/>
                 <a:cs typeface="Arial" panose="020B0604020202020204" pitchFamily="34" charset="0"/>
               </a:rPr>
-              <a:t>dữ liệu ontology schema từ nguồn DBpedia Film: </a:t>
-            </a:r>
-            <a:r>
-              <a:rPr lang="en-US" sz="3200">
+              <a:t> </a:t>
+            </a:r>
+            <a:r>
+              <a:rPr lang="" sz="2400" smtClean="0">
                 <a:latin typeface="Arial" panose="020B0604020202020204" pitchFamily="34" charset="0"/>
                 <a:cs typeface="Arial" panose="020B0604020202020204" pitchFamily="34" charset="0"/>
-                <a:hlinkClick r:id="rId1"/>
-              </a:rPr>
-              <a:t>http://</a:t>
-            </a:r>
-            <a:r>
-              <a:rPr lang="en-US" sz="3200" smtClean="0">
+              </a:rPr>
+              <a:t>gồm</a:t>
+            </a:r>
+            <a:r>
+              <a:rPr lang="en-US" altLang="en-US" sz="2400" smtClean="0">
                 <a:latin typeface="Arial" panose="020B0604020202020204" pitchFamily="34" charset="0"/>
                 <a:cs typeface="Arial" panose="020B0604020202020204" pitchFamily="34" charset="0"/>
-                <a:hlinkClick r:id="rId1"/>
-              </a:rPr>
-              <a:t>dbpedia.org/page/Film</a:t>
-            </a:r>
-            <a:r>
-              <a:rPr lang="en-US" sz="3200" smtClean="0">
+              </a:rPr>
+              <a:t> các chứ năng</a:t>
+            </a:r>
+            <a:r>
+              <a:rPr lang="" altLang="en-US" sz="2400" smtClean="0">
                 <a:latin typeface="Arial" panose="020B0604020202020204" pitchFamily="34" charset="0"/>
                 <a:cs typeface="Arial" panose="020B0604020202020204" pitchFamily="34" charset="0"/>
               </a:rPr>
               <a:t> </a:t>
             </a:r>
-            <a:endParaRPr lang="en-US" sz="3200">
+            <a:r>
+              <a:rPr lang="en-US" altLang="en-US" sz="2400" smtClean="0">
+                <a:latin typeface="Arial" panose="020B0604020202020204" pitchFamily="34" charset="0"/>
+                <a:cs typeface="Arial" panose="020B0604020202020204" pitchFamily="34" charset="0"/>
+              </a:rPr>
+              <a:t>phục vụ quản lý thông tin các khu trọ trên địa bàn quận Cái Răng, Thành Phố Cần Thơ.</a:t>
+            </a:r>
+            <a:endParaRPr lang="en-US" altLang="en-US" sz="2400" smtClean="0">
               <a:latin typeface="Arial" panose="020B0604020202020204" pitchFamily="34" charset="0"/>
               <a:cs typeface="Arial" panose="020B0604020202020204" pitchFamily="34" charset="0"/>
             </a:endParaRPr>
@@ -10397,138 +9197,14 @@
               <a:buChar char="-"/>
             </a:pPr>
             <a:r>
-              <a:rPr lang="en-US" sz="3200" smtClean="0">
+              <a:rPr lang="en-US" altLang="en-US" sz="2400" smtClean="0">
                 <a:latin typeface="Arial" panose="020B0604020202020204" pitchFamily="34" charset="0"/>
                 <a:cs typeface="Arial" panose="020B0604020202020204" pitchFamily="34" charset="0"/>
               </a:rPr>
-              <a:t>Rút trích các thuộc tính đặc trưng của phim, để x</a:t>
-            </a:r>
-            <a:r>
-              <a:rPr lang="vi-VN" sz="3200" smtClean="0">
-                <a:latin typeface="Arial" panose="020B0604020202020204" pitchFamily="34" charset="0"/>
-                <a:cs typeface="Arial" panose="020B0604020202020204" pitchFamily="34" charset="0"/>
-              </a:rPr>
-              <a:t>ây </a:t>
-            </a:r>
-            <a:r>
-              <a:rPr lang="vi-VN" sz="3200">
-                <a:latin typeface="Arial" panose="020B0604020202020204" pitchFamily="34" charset="0"/>
-                <a:cs typeface="Arial" panose="020B0604020202020204" pitchFamily="34" charset="0"/>
-              </a:rPr>
-              <a:t>dựng lượt đồ </a:t>
-            </a:r>
-            <a:r>
-              <a:rPr lang="vi-VN" sz="3200">
-                <a:cs typeface="Arial" panose="020B0604020202020204" pitchFamily="34" charset="0"/>
-              </a:rPr>
-              <a:t>thể hiện tên các bộ </a:t>
-            </a:r>
-            <a:r>
-              <a:rPr lang="vi-VN" sz="3200" smtClean="0">
-                <a:cs typeface="Arial" panose="020B0604020202020204" pitchFamily="34" charset="0"/>
-              </a:rPr>
-              <a:t>phim</a:t>
-            </a:r>
-            <a:r>
-              <a:rPr lang="en-US" sz="3200" smtClean="0">
-                <a:cs typeface="Arial" panose="020B0604020202020204" pitchFamily="34" charset="0"/>
-              </a:rPr>
-              <a:t> </a:t>
-            </a:r>
-            <a:r>
-              <a:rPr lang="en-US" sz="3200" smtClean="0">
-                <a:latin typeface="Arial (Body)"/>
-                <a:cs typeface="Arial" panose="020B0604020202020204" pitchFamily="34" charset="0"/>
-              </a:rPr>
-              <a:t>(Tbox)</a:t>
-            </a:r>
-            <a:r>
-              <a:rPr lang="vi-VN" sz="3200" smtClean="0">
-                <a:cs typeface="Arial" panose="020B0604020202020204" pitchFamily="34" charset="0"/>
-              </a:rPr>
-              <a:t>. </a:t>
-            </a:r>
-            <a:r>
-              <a:rPr lang="vi-VN" sz="3200">
-                <a:cs typeface="Arial" panose="020B0604020202020204" pitchFamily="34" charset="0"/>
-              </a:rPr>
-              <a:t>Các thuộc tín</a:t>
-            </a:r>
-            <a:r>
-              <a:rPr lang="en-US" altLang="vi-VN" sz="3200">
-                <a:cs typeface="Arial" panose="020B0604020202020204" pitchFamily="34" charset="0"/>
-              </a:rPr>
-              <a:t>h cần rút trích gồm</a:t>
-            </a:r>
-            <a:r>
-              <a:rPr lang="vi-VN" sz="3200" smtClean="0">
-                <a:latin typeface="Arial (Body)"/>
-                <a:cs typeface="Arial" panose="020B0604020202020204" pitchFamily="34" charset="0"/>
-              </a:rPr>
-              <a:t>:</a:t>
-            </a:r>
-            <a:r>
-              <a:rPr lang="en-US" sz="3200" smtClean="0">
-                <a:latin typeface="Arial (Body)"/>
-                <a:cs typeface="Arial" panose="020B0604020202020204" pitchFamily="34" charset="0"/>
-              </a:rPr>
-              <a:t> </a:t>
-            </a:r>
-            <a:r>
-              <a:rPr lang="en-US" sz="3200" b="1" i="1" smtClean="0">
-                <a:solidFill>
-                  <a:srgbClr val="0070C0"/>
-                </a:solidFill>
-                <a:latin typeface="Arial (Body)"/>
-                <a:cs typeface="Arial" panose="020B0604020202020204" pitchFamily="34" charset="0"/>
-              </a:rPr>
-              <a:t>Country</a:t>
-            </a:r>
-            <a:r>
-              <a:rPr lang="en-US" altLang="en-US" sz="3200" b="1" i="1" smtClean="0">
-                <a:solidFill>
-                  <a:srgbClr val="0070C0"/>
-                </a:solidFill>
-                <a:latin typeface="Arial (Body)"/>
-                <a:cs typeface="Arial" panose="020B0604020202020204" pitchFamily="34" charset="0"/>
-              </a:rPr>
-              <a:t>,</a:t>
-            </a:r>
-            <a:r>
-              <a:rPr lang="en-US" sz="3200" b="1" i="1">
-                <a:solidFill>
-                  <a:srgbClr val="0070C0"/>
-                </a:solidFill>
-                <a:latin typeface="Arial (Body)"/>
-                <a:cs typeface="Arial" panose="020B0604020202020204" pitchFamily="34" charset="0"/>
-              </a:rPr>
-              <a:t> </a:t>
-            </a:r>
-            <a:r>
-              <a:rPr lang="en-US" altLang="en-US" sz="3200" b="1" i="1">
-                <a:solidFill>
-                  <a:srgbClr val="0070C0"/>
-                </a:solidFill>
-                <a:latin typeface="Arial (Body)"/>
-                <a:cs typeface="Arial" panose="020B0604020202020204" pitchFamily="34" charset="0"/>
-              </a:rPr>
-              <a:t>Starring, label, wikipageID</a:t>
-            </a:r>
-            <a:r>
-              <a:rPr lang="en-US" sz="3200" b="1" i="1" smtClean="0">
-                <a:solidFill>
-                  <a:srgbClr val="0070C0"/>
-                </a:solidFill>
-                <a:latin typeface="Arial (Body)"/>
-                <a:cs typeface="Arial" panose="020B0604020202020204" pitchFamily="34" charset="0"/>
-              </a:rPr>
-              <a:t>.</a:t>
-            </a:r>
-            <a:endParaRPr lang="en-US" sz="3200" b="1" i="1">
-              <a:solidFill>
-                <a:srgbClr val="0070C0"/>
-              </a:solidFill>
-              <a:latin typeface="Arial (Body)"/>
+              <a:t>Các chức năng đã xây dựng gồm 4 phân hệ: Bản đồ, khu trọ, loại phòng, tài khoản.</a:t>
+            </a:r>
+            <a:endParaRPr lang="en-US" altLang="en-US" sz="2400" smtClean="0">
+              <a:latin typeface="Arial" panose="020B0604020202020204" pitchFamily="34" charset="0"/>
               <a:cs typeface="Arial" panose="020B0604020202020204" pitchFamily="34" charset="0"/>
             </a:endParaRPr>
           </a:p>
@@ -10614,48 +9290,19 @@
                 <a:latin typeface="Arial" panose="020B0604020202020204" pitchFamily="34" charset="0"/>
                 <a:cs typeface="Arial" panose="020B0604020202020204" pitchFamily="34" charset="0"/>
               </a:rPr>
-              <a:t>THỐNG TÌM KIẾM PHIM </a:t>
-            </a:r>
-            <a:br>
-              <a:rPr lang="en-US" sz="3200" b="1" smtClean="0">
+              <a:t>THỐNG</a:t>
+            </a:r>
+            <a:r>
+              <a:rPr lang="en-US" altLang="en-US" sz="3200" b="1">
                 <a:solidFill>
                   <a:schemeClr val="bg1"/>
                 </a:solidFill>
                 <a:latin typeface="Arial" panose="020B0604020202020204" pitchFamily="34" charset="0"/>
                 <a:cs typeface="Arial" panose="020B0604020202020204" pitchFamily="34" charset="0"/>
               </a:rPr>
-            </a:br>
-            <a:r>
-              <a:rPr lang="en-US" sz="3200" b="1" smtClean="0">
-                <a:solidFill>
-                  <a:schemeClr val="bg1"/>
-                </a:solidFill>
-                <a:latin typeface="Arial" panose="020B0604020202020204" pitchFamily="34" charset="0"/>
-                <a:cs typeface="Arial" panose="020B0604020202020204" pitchFamily="34" charset="0"/>
-              </a:rPr>
-              <a:t>TRÊN </a:t>
-            </a:r>
-            <a:r>
-              <a:rPr lang="en-US" sz="3200" b="1">
-                <a:solidFill>
-                  <a:schemeClr val="bg1"/>
-                </a:solidFill>
-                <a:latin typeface="Arial" panose="020B0604020202020204" pitchFamily="34" charset="0"/>
-                <a:cs typeface="Arial" panose="020B0604020202020204" pitchFamily="34" charset="0"/>
-              </a:rPr>
-              <a:t>DỮ LIỆU </a:t>
-            </a:r>
-            <a:r>
-              <a:rPr lang="en-US" sz="3200" b="1" smtClean="0">
-                <a:solidFill>
-                  <a:schemeClr val="bg1"/>
-                </a:solidFill>
-                <a:latin typeface="Arial" panose="020B0604020202020204" pitchFamily="34" charset="0"/>
-                <a:cs typeface="Arial" panose="020B0604020202020204" pitchFamily="34" charset="0"/>
-              </a:rPr>
-              <a:t>DBPEDIA</a:t>
-            </a:r>
-            <a:endParaRPr lang="en-US" sz="3200" b="1">
+              <a:t> QUẢN LÝ KHU TRỌ QUẬN CÁI RĂNG</a:t>
+            </a:r>
+            <a:endParaRPr lang="en-US" altLang="en-US" sz="3200" b="1">
               <a:solidFill>
                 <a:schemeClr val="bg1"/>
               </a:solidFill>
@@ -10700,9 +9347,16 @@
                 <a:latin typeface="Arial" panose="020B0604020202020204" pitchFamily="34" charset="0"/>
                 <a:cs typeface="Arial" panose="020B0604020202020204" pitchFamily="34" charset="0"/>
               </a:rPr>
-              <a:t>. Xây dựng ontology schema (Tbox)</a:t>
-            </a:r>
-            <a:endParaRPr lang="en-US" sz="3200" b="1">
+              <a:t>. </a:t>
+            </a:r>
+            <a:r>
+              <a:rPr lang="en-US" altLang="en-US" sz="3200" b="1">
+                <a:latin typeface="Arial" panose="020B0604020202020204" pitchFamily="34" charset="0"/>
+                <a:cs typeface="Arial" panose="020B0604020202020204" pitchFamily="34" charset="0"/>
+              </a:rPr>
+              <a:t>Mô tả hệ thống (2)</a:t>
+            </a:r>
+            <a:endParaRPr lang="en-US" altLang="en-US" sz="3200" b="1">
               <a:latin typeface="Arial" panose="020B0604020202020204" pitchFamily="34" charset="0"/>
               <a:cs typeface="Arial" panose="020B0604020202020204" pitchFamily="34" charset="0"/>
             </a:endParaRPr>
@@ -10754,70 +9408,24 @@
             </a:lvl1pPr>
           </a:lstStyle>
           <a:p>
-            <a:pPr marL="342900" indent="-342900">
+            <a:pPr marL="342900" indent="-342900" algn="l">
+              <a:buClrTx/>
+              <a:buSzTx/>
+              <a:buFontTx/>
               <a:buAutoNum type="arabicPeriod"/>
             </a:pPr>
             <a:r>
-              <a:rPr lang="vi-VN" sz="1800" b="1">
+              <a:rPr lang="en-US" altLang="en-US" sz="1800" b="1">
                 <a:solidFill>
                   <a:schemeClr val="bg1"/>
                 </a:solidFill>
                 <a:latin typeface="Arial" panose="020B0604020202020204" pitchFamily="34" charset="0"/>
                 <a:cs typeface="Arial" panose="020B0604020202020204" pitchFamily="34" charset="0"/>
-              </a:rPr>
-              <a:t>Xây dựng ontology </a:t>
-            </a:r>
-            <a:r>
-              <a:rPr lang="vi-VN" sz="1800" b="1" smtClean="0">
-                <a:solidFill>
-                  <a:schemeClr val="bg1"/>
-                </a:solidFill>
-                <a:latin typeface="Arial" panose="020B0604020202020204" pitchFamily="34" charset="0"/>
-                <a:cs typeface="Arial" panose="020B0604020202020204" pitchFamily="34" charset="0"/>
-              </a:rPr>
-              <a:t>schem</a:t>
-            </a:r>
-            <a:r>
-              <a:rPr lang="en-US" sz="1800" b="1" smtClean="0">
-                <a:solidFill>
-                  <a:schemeClr val="bg1"/>
-                </a:solidFill>
-                <a:latin typeface="Arial" panose="020B0604020202020204" pitchFamily="34" charset="0"/>
-                <a:cs typeface="Arial" panose="020B0604020202020204" pitchFamily="34" charset="0"/>
-              </a:rPr>
-              <a:t>a </a:t>
-            </a:r>
-            <a:r>
-              <a:rPr lang="vi-VN" sz="1800" b="1" smtClean="0">
-                <a:solidFill>
-                  <a:schemeClr val="bg1"/>
-                </a:solidFill>
-                <a:latin typeface="Arial" panose="020B0604020202020204" pitchFamily="34" charset="0"/>
-                <a:cs typeface="Arial" panose="020B0604020202020204" pitchFamily="34" charset="0"/>
-              </a:rPr>
-              <a:t>(Tbox)</a:t>
-            </a:r>
-            <a:r>
-              <a:rPr lang="en-US" sz="1800" b="1" smtClean="0">
-                <a:solidFill>
-                  <a:schemeClr val="bg1"/>
-                </a:solidFill>
-                <a:latin typeface="Arial" panose="020B0604020202020204" pitchFamily="34" charset="0"/>
-                <a:cs typeface="Arial" panose="020B0604020202020204" pitchFamily="34" charset="0"/>
-              </a:rPr>
-              <a:t>  </a:t>
-            </a:r>
-            <a:r>
-              <a:rPr lang="vi-VN" sz="1800" b="1" smtClean="0">
-                <a:solidFill>
-                  <a:schemeClr val="bg1"/>
-                </a:solidFill>
-                <a:latin typeface="Arial" panose="020B0604020202020204" pitchFamily="34" charset="0"/>
-                <a:cs typeface="Arial" panose="020B0604020202020204" pitchFamily="34" charset="0"/>
-              </a:rPr>
-              <a:t> </a:t>
-            </a:r>
-            <a:endParaRPr lang="en-US" sz="1800" b="1" smtClean="0">
+                <a:sym typeface="+mn-ea"/>
+              </a:rPr>
+              <a:t>Mô tả hệ thống </a:t>
+            </a:r>
+            <a:endParaRPr lang="en-US" altLang="en-US" sz="1800" b="1">
               <a:solidFill>
                 <a:schemeClr val="bg1"/>
               </a:solidFill>
@@ -10830,7 +9438,7 @@
               <a:buAutoNum type="arabicPeriod"/>
             </a:pPr>
             <a:r>
-              <a:rPr lang="en-US" sz="1800" b="1" smtClean="0">
+              <a:rPr lang="en-US" sz="1800" b="1">
                 <a:solidFill>
                   <a:schemeClr val="bg2">
                     <a:lumMod val="50000"/>
@@ -10838,46 +9446,11 @@
                 </a:solidFill>
                 <a:latin typeface="Arial" panose="020B0604020202020204" pitchFamily="34" charset="0"/>
                 <a:cs typeface="Arial" panose="020B0604020202020204" pitchFamily="34" charset="0"/>
-              </a:rPr>
-              <a:t>I</a:t>
-            </a:r>
-            <a:r>
-              <a:rPr lang="en-US" altLang="en-US" sz="1800" b="1" smtClean="0">
-                <a:solidFill>
-                  <a:schemeClr val="bg2">
-                    <a:lumMod val="50000"/>
-                  </a:schemeClr>
-                </a:solidFill>
-                <a:latin typeface="Arial" panose="020B0604020202020204" pitchFamily="34" charset="0"/>
-                <a:cs typeface="Arial" panose="020B0604020202020204" pitchFamily="34" charset="0"/>
-              </a:rPr>
-              <a:t>m</a:t>
-            </a:r>
-            <a:r>
-              <a:rPr lang="en-US" sz="1800" b="1" smtClean="0">
-                <a:solidFill>
-                  <a:schemeClr val="bg2">
-                    <a:lumMod val="50000"/>
-                  </a:schemeClr>
-                </a:solidFill>
-                <a:latin typeface="Arial" panose="020B0604020202020204" pitchFamily="34" charset="0"/>
-                <a:cs typeface="Arial" panose="020B0604020202020204" pitchFamily="34" charset="0"/>
-              </a:rPr>
-              <a:t>port KB từ </a:t>
-            </a:r>
-            <a:r>
-              <a:rPr lang="vi-VN" sz="1800" b="1" smtClean="0">
-                <a:solidFill>
-                  <a:schemeClr val="bg2">
-                    <a:lumMod val="50000"/>
-                  </a:schemeClr>
-                </a:solidFill>
-                <a:latin typeface="Arial" panose="020B0604020202020204" pitchFamily="34" charset="0"/>
-                <a:cs typeface="Arial" panose="020B0604020202020204" pitchFamily="34" charset="0"/>
-              </a:rPr>
-              <a:t>DBPedia vào Abox</a:t>
-            </a:r>
-            <a:endParaRPr lang="en-US" sz="1800" b="1" smtClean="0">
+                <a:sym typeface="+mn-ea"/>
+              </a:rPr>
+              <a:t>Công nghệ sử dụng</a:t>
+            </a:r>
+            <a:endParaRPr lang="en-US" sz="1800" b="1">
               <a:solidFill>
                 <a:schemeClr val="bg2">
                   <a:lumMod val="50000"/>
@@ -10892,7 +9465,7 @@
               <a:buAutoNum type="arabicPeriod"/>
             </a:pPr>
             <a:r>
-              <a:rPr lang="en-US" sz="1800" b="1" smtClean="0">
+              <a:rPr lang="en-US" sz="1800" b="1">
                 <a:solidFill>
                   <a:schemeClr val="bg2">
                     <a:lumMod val="50000"/>
@@ -10900,10 +9473,11 @@
                 </a:solidFill>
                 <a:latin typeface="Arial" panose="020B0604020202020204" pitchFamily="34" charset="0"/>
                 <a:cs typeface="Arial" panose="020B0604020202020204" pitchFamily="34" charset="0"/>
-              </a:rPr>
-              <a:t>Xây dựng ứng dụng tìm kiếm phim</a:t>
-            </a:r>
-            <a:endParaRPr lang="en-US" sz="1800" b="1" smtClean="0">
+                <a:sym typeface="+mn-ea"/>
+              </a:rPr>
+              <a:t>Demo</a:t>
+            </a:r>
+            <a:endParaRPr lang="en-US" sz="1800" b="1">
               <a:solidFill>
                 <a:schemeClr val="bg2">
                   <a:lumMod val="50000"/>
@@ -10913,70 +9487,18 @@
               <a:cs typeface="Arial" panose="020B0604020202020204" pitchFamily="34" charset="0"/>
             </a:endParaRPr>
           </a:p>
-          <a:p>
-            <a:pPr marL="342900" indent="-342900">
-              <a:buAutoNum type="arabicPeriod"/>
-            </a:pPr>
-            <a:r>
-              <a:rPr lang="vi-VN" sz="1800" b="1" smtClean="0">
-                <a:solidFill>
-                  <a:schemeClr val="bg2">
-                    <a:lumMod val="50000"/>
-                  </a:schemeClr>
-                </a:solidFill>
-                <a:latin typeface="Arial" panose="020B0604020202020204" pitchFamily="34" charset="0"/>
-                <a:cs typeface="Arial" panose="020B0604020202020204" pitchFamily="34" charset="0"/>
-              </a:rPr>
-              <a:t>Kết luận</a:t>
-            </a:r>
-            <a:endParaRPr lang="vi-VN" sz="1800" b="1">
-              <a:solidFill>
-                <a:schemeClr val="bg2">
-                  <a:lumMod val="50000"/>
-                </a:schemeClr>
-              </a:solidFill>
-              <a:latin typeface="Arial" panose="020B0604020202020204" pitchFamily="34" charset="0"/>
-              <a:cs typeface="Arial" panose="020B0604020202020204" pitchFamily="34" charset="0"/>
-            </a:endParaRPr>
-          </a:p>
-        </p:txBody>
-      </p:sp>
-      <p:sp>
-        <p:nvSpPr>
-          <p:cNvPr id="4" name="Slide Number Placeholder 3"/>
-          <p:cNvSpPr>
-            <a:spLocks noGrp="true"/>
-          </p:cNvSpPr>
-          <p:nvPr>
-            <p:ph type="sldNum" sz="quarter" idx="12"/>
-          </p:nvPr>
-        </p:nvSpPr>
-        <p:spPr/>
-        <p:txBody>
-          <a:bodyPr/>
-          <a:lstStyle/>
-          <a:p>
-            <a:fld id="{1F57CBCC-0EFC-4EA7-A71B-8F9B02880562}" type="slidenum">
-              <a:rPr lang="en-US" sz="1400" smtClean="0">
-                <a:latin typeface="Arial (Body)"/>
-              </a:rPr>
-            </a:fld>
-            <a:endParaRPr lang="en-US" sz="1400">
-              <a:latin typeface="Arial (Body)"/>
-            </a:endParaRPr>
-          </a:p>
-        </p:txBody>
-      </p:sp>
-      <p:sp>
-        <p:nvSpPr>
-          <p:cNvPr id="9" name="Content Placeholder 2"/>
+        </p:txBody>
+      </p:sp>
+      <p:sp>
+        <p:nvSpPr>
+          <p:cNvPr id="8" name="Content Placeholder 2"/>
           <p:cNvSpPr txBox="true"/>
           <p:nvPr/>
         </p:nvSpPr>
         <p:spPr>
           <a:xfrm>
-            <a:off x="443641" y="2120388"/>
-            <a:ext cx="11304494" cy="4095384"/>
+            <a:off x="0" y="2395855"/>
+            <a:ext cx="6132830" cy="3810635"/>
           </a:xfrm>
           <a:prstGeom prst="rect">
             <a:avLst/>
@@ -11153,17 +9675,16 @@
           <a:p>
             <a:pPr marL="0" indent="0" algn="just">
               <a:lnSpc>
-                <a:spcPct val="114000"/>
-              </a:lnSpc>
-              <a:spcBef>
-                <a:spcPts val="600"/>
-              </a:spcBef>
-              <a:spcAft>
-                <a:spcPts val="600"/>
-              </a:spcAft>
+                <a:spcPct val="200000"/>
+              </a:lnSpc>
+              <a:buFont typeface="Arial" panose="020B0604020202020204" pitchFamily="34" charset="0"/>
               <a:buNone/>
             </a:pPr>
-            <a:endParaRPr lang="en-US" sz="3200">
+            <a:r>
+              <a:rPr lang="en-US" sz="3000"/>
+              <a:t>	</a:t>
+            </a:r>
+            <a:endParaRPr lang="en-US" sz="3000">
               <a:latin typeface="Arial" panose="020B0604020202020204" pitchFamily="34" charset="0"/>
               <a:cs typeface="Arial" panose="020B0604020202020204" pitchFamily="34" charset="0"/>
             </a:endParaRPr>
@@ -11172,14 +9693,40 @@
       </p:sp>
       <p:sp>
         <p:nvSpPr>
-          <p:cNvPr id="10" name="Content Placeholder 2"/>
+          <p:cNvPr id="4" name="Slide Number Placeholder 3"/>
+          <p:cNvSpPr>
+            <a:spLocks noGrp="true"/>
+          </p:cNvSpPr>
+          <p:nvPr>
+            <p:ph type="sldNum" sz="quarter" idx="12"/>
+          </p:nvPr>
+        </p:nvSpPr>
+        <p:spPr/>
+        <p:txBody>
+          <a:bodyPr/>
+          <a:lstStyle/>
+          <a:p>
+            <a:fld id="{1F57CBCC-0EFC-4EA7-A71B-8F9B02880562}" type="slidenum">
+              <a:rPr lang="en-US" sz="1400" smtClean="0">
+                <a:latin typeface="Arial (Body)"/>
+              </a:rPr>
+            </a:fld>
+            <a:endParaRPr lang="en-US" sz="1400">
+              <a:latin typeface="Arial (Body)"/>
+            </a:endParaRPr>
+          </a:p>
+        </p:txBody>
+      </p:sp>
+      <p:sp>
+        <p:nvSpPr>
+          <p:cNvPr id="9" name="Content Placeholder 2"/>
           <p:cNvSpPr txBox="true"/>
           <p:nvPr/>
         </p:nvSpPr>
         <p:spPr>
           <a:xfrm>
-            <a:off x="622300" y="2378075"/>
-            <a:ext cx="4597400" cy="2280285"/>
+            <a:off x="443865" y="2111375"/>
+            <a:ext cx="5151120" cy="4095115"/>
           </a:xfrm>
           <a:prstGeom prst="rect">
             <a:avLst/>
@@ -11364,51 +9911,137 @@
               <a:spcAft>
                 <a:spcPts val="600"/>
               </a:spcAft>
+              <a:buFontTx/>
               <a:buNone/>
             </a:pPr>
             <a:r>
-              <a:rPr lang="en-US" sz="3200" smtClean="0">
-                <a:latin typeface="Arial (Body)"/>
+              <a:rPr lang="" altLang="en-US" sz="2400" b="1" smtClean="0">
+                <a:latin typeface="Arial" panose="020B0604020202020204" pitchFamily="34" charset="0"/>
                 <a:cs typeface="Arial" panose="020B0604020202020204" pitchFamily="34" charset="0"/>
               </a:rPr>
-              <a:t>Sử dụng phần mềm </a:t>
-            </a:r>
-            <a:r>
-              <a:rPr lang="en-US" sz="3200" b="1">
-                <a:latin typeface="Arial (Body)"/>
-                <a:ea typeface="Times New Roman" panose="02020603050405020304"/>
-                <a:cs typeface="Times New Roman" panose="02020603050405020304"/>
-                <a:sym typeface="Times New Roman" panose="02020603050405020304"/>
-              </a:rPr>
-              <a:t>Protégé </a:t>
-            </a:r>
-            <a:r>
-              <a:rPr lang="en-US" sz="3200" smtClean="0">
-                <a:latin typeface="Arial (Body)"/>
+              <a:t> </a:t>
+            </a:r>
+            <a:r>
+              <a:rPr lang="en-US" altLang="en-US" sz="2400" b="1" smtClean="0">
+                <a:latin typeface="Arial" panose="020B0604020202020204" pitchFamily="34" charset="0"/>
                 <a:cs typeface="Arial" panose="020B0604020202020204" pitchFamily="34" charset="0"/>
-                <a:sym typeface="Times New Roman" panose="02020603050405020304"/>
-              </a:rPr>
-              <a:t>để xây dựng Tbox</a:t>
-            </a:r>
-            <a:r>
-              <a:rPr lang="en-US" altLang="en-US" sz="3200" smtClean="0">
-                <a:latin typeface="Arial (Body)"/>
+              </a:rPr>
+              <a:t>Phân hệ bản đồ:</a:t>
+            </a:r>
+            <a:endParaRPr lang="en-US" altLang="en-US" sz="2400" smtClean="0">
+              <a:latin typeface="Arial" panose="020B0604020202020204" pitchFamily="34" charset="0"/>
+              <a:cs typeface="Arial" panose="020B0604020202020204" pitchFamily="34" charset="0"/>
+            </a:endParaRPr>
+          </a:p>
+          <a:p>
+            <a:pPr lvl="1" algn="l">
+              <a:lnSpc>
+                <a:spcPct val="114000"/>
+              </a:lnSpc>
+              <a:spcBef>
+                <a:spcPts val="600"/>
+              </a:spcBef>
+              <a:spcAft>
+                <a:spcPts val="600"/>
+              </a:spcAft>
+              <a:buFont typeface="Arial" panose="020B0604020202020204" pitchFamily="34" charset="0"/>
+              <a:buChar char="•"/>
+            </a:pPr>
+            <a:r>
+              <a:rPr lang="en-US" altLang="en-US" sz="2000" smtClean="0">
+                <a:latin typeface="Arial" panose="020B0604020202020204" pitchFamily="34" charset="0"/>
                 <a:cs typeface="Arial" panose="020B0604020202020204" pitchFamily="34" charset="0"/>
-                <a:sym typeface="Times New Roman" panose="02020603050405020304"/>
-              </a:rPr>
-              <a:t> gồm các class và thuộc tính.</a:t>
-            </a:r>
-            <a:endParaRPr lang="en-US" altLang="en-US" sz="3200" smtClean="0">
-              <a:latin typeface="Arial (Body)"/>
+              </a:rPr>
+              <a:t>Thống kê mật độ khu trọ theo phường</a:t>
+            </a:r>
+            <a:endParaRPr lang="en-US" altLang="en-US" sz="2000" smtClean="0">
+              <a:latin typeface="Arial" panose="020B0604020202020204" pitchFamily="34" charset="0"/>
               <a:cs typeface="Arial" panose="020B0604020202020204" pitchFamily="34" charset="0"/>
-              <a:sym typeface="Times New Roman" panose="02020603050405020304"/>
+            </a:endParaRPr>
+          </a:p>
+          <a:p>
+            <a:pPr lvl="1" algn="l">
+              <a:lnSpc>
+                <a:spcPct val="114000"/>
+              </a:lnSpc>
+              <a:spcBef>
+                <a:spcPts val="600"/>
+              </a:spcBef>
+              <a:spcAft>
+                <a:spcPts val="600"/>
+              </a:spcAft>
+              <a:buFont typeface="Arial" panose="020B0604020202020204" pitchFamily="34" charset="0"/>
+              <a:buChar char="•"/>
+            </a:pPr>
+            <a:r>
+              <a:rPr lang="en-US" altLang="en-US" sz="2000" smtClean="0">
+                <a:latin typeface="Arial" panose="020B0604020202020204" pitchFamily="34" charset="0"/>
+                <a:cs typeface="Arial" panose="020B0604020202020204" pitchFamily="34" charset="0"/>
+              </a:rPr>
+              <a:t> Hiển thị bản đồ khu trọ, trường học</a:t>
+            </a:r>
+            <a:endParaRPr lang="en-US" altLang="en-US" sz="2000" smtClean="0">
+              <a:latin typeface="Arial" panose="020B0604020202020204" pitchFamily="34" charset="0"/>
+              <a:cs typeface="Arial" panose="020B0604020202020204" pitchFamily="34" charset="0"/>
+            </a:endParaRPr>
+          </a:p>
+          <a:p>
+            <a:pPr lvl="1" algn="l">
+              <a:lnSpc>
+                <a:spcPct val="114000"/>
+              </a:lnSpc>
+              <a:spcBef>
+                <a:spcPts val="600"/>
+              </a:spcBef>
+              <a:spcAft>
+                <a:spcPts val="600"/>
+              </a:spcAft>
+              <a:buFont typeface="Arial" panose="020B0604020202020204" pitchFamily="34" charset="0"/>
+              <a:buChar char="•"/>
+            </a:pPr>
+            <a:r>
+              <a:rPr lang="en-US" altLang="en-US" sz="2000" smtClean="0">
+                <a:latin typeface="Arial" panose="020B0604020202020204" pitchFamily="34" charset="0"/>
+                <a:cs typeface="Arial" panose="020B0604020202020204" pitchFamily="34" charset="0"/>
+              </a:rPr>
+              <a:t>Tìm kiếm khu trọ theo tên trọ hoặc tên chủ trọ</a:t>
+            </a:r>
+            <a:endParaRPr lang="en-US" altLang="en-US" sz="2000" smtClean="0">
+              <a:latin typeface="Arial" panose="020B0604020202020204" pitchFamily="34" charset="0"/>
+              <a:cs typeface="Arial" panose="020B0604020202020204" pitchFamily="34" charset="0"/>
+            </a:endParaRPr>
+          </a:p>
+          <a:p>
+            <a:pPr lvl="1" algn="l">
+              <a:lnSpc>
+                <a:spcPct val="114000"/>
+              </a:lnSpc>
+              <a:spcBef>
+                <a:spcPts val="600"/>
+              </a:spcBef>
+              <a:spcAft>
+                <a:spcPts val="600"/>
+              </a:spcAft>
+              <a:buFont typeface="Arial" panose="020B0604020202020204" pitchFamily="34" charset="0"/>
+              <a:buChar char="•"/>
+            </a:pPr>
+            <a:r>
+              <a:rPr lang="en-US" altLang="en-US" sz="2000" smtClean="0">
+                <a:latin typeface="Arial" panose="020B0604020202020204" pitchFamily="34" charset="0"/>
+                <a:cs typeface="Arial" panose="020B0604020202020204" pitchFamily="34" charset="0"/>
+              </a:rPr>
+              <a:t>Tìm đường đi từ vị trí hiện tại đến khu trọ đã tìm</a:t>
+            </a:r>
+            <a:endParaRPr lang="en-US" altLang="en-US" sz="2000" smtClean="0">
+              <a:latin typeface="Arial" panose="020B0604020202020204" pitchFamily="34" charset="0"/>
+              <a:cs typeface="Arial" panose="020B0604020202020204" pitchFamily="34" charset="0"/>
             </a:endParaRPr>
           </a:p>
         </p:txBody>
       </p:sp>
       <p:pic>
         <p:nvPicPr>
-          <p:cNvPr id="5" name="Picture 4"/>
+          <p:cNvPr id="5" name="Picture 1"/>
           <p:cNvPicPr>
             <a:picLocks noChangeAspect="true"/>
           </p:cNvPicPr>
@@ -11422,73 +10055,16 @@
         </p:blipFill>
         <p:spPr>
           <a:xfrm>
-            <a:off x="5408295" y="2362200"/>
-            <a:ext cx="2314575" cy="2133600"/>
+            <a:off x="5523548" y="1516380"/>
+            <a:ext cx="6597015" cy="4839970"/>
           </a:xfrm>
           <a:prstGeom prst="rect">
             <a:avLst/>
           </a:prstGeom>
+          <a:noFill/>
           <a:ln>
             <a:solidFill>
-              <a:schemeClr val="tx1"/>
-            </a:solidFill>
-          </a:ln>
-        </p:spPr>
-      </p:pic>
-      <p:pic>
-        <p:nvPicPr>
-          <p:cNvPr id="6" name="Picture 5"/>
-          <p:cNvPicPr>
-            <a:picLocks noChangeAspect="true"/>
-          </p:cNvPicPr>
-          <p:nvPr/>
-        </p:nvPicPr>
-        <p:blipFill>
-          <a:blip r:embed="rId2"/>
-          <a:stretch>
-            <a:fillRect/>
-          </a:stretch>
-        </p:blipFill>
-        <p:spPr>
-          <a:xfrm>
-            <a:off x="8190865" y="2299970"/>
-            <a:ext cx="2714625" cy="1619250"/>
-          </a:xfrm>
-          <a:prstGeom prst="rect">
-            <a:avLst/>
-          </a:prstGeom>
-          <a:ln>
-            <a:solidFill>
-              <a:schemeClr val="tx1"/>
-            </a:solidFill>
-          </a:ln>
-        </p:spPr>
-      </p:pic>
-      <p:pic>
-        <p:nvPicPr>
-          <p:cNvPr id="11" name="Picture 10"/>
-          <p:cNvPicPr>
-            <a:picLocks noChangeAspect="true"/>
-          </p:cNvPicPr>
-          <p:nvPr/>
-        </p:nvPicPr>
-        <p:blipFill>
-          <a:blip r:embed="rId3"/>
-          <a:stretch>
-            <a:fillRect/>
-          </a:stretch>
-        </p:blipFill>
-        <p:spPr>
-          <a:xfrm>
-            <a:off x="8190865" y="4232910"/>
-            <a:ext cx="2514600" cy="1438275"/>
-          </a:xfrm>
-          <a:prstGeom prst="rect">
-            <a:avLst/>
-          </a:prstGeom>
-          <a:ln>
-            <a:solidFill>
-              <a:schemeClr val="tx1"/>
+              <a:schemeClr val="accent1"/>
             </a:solidFill>
           </a:ln>
         </p:spPr>
@@ -11573,48 +10149,19 @@
                 <a:latin typeface="Arial" panose="020B0604020202020204" pitchFamily="34" charset="0"/>
                 <a:cs typeface="Arial" panose="020B0604020202020204" pitchFamily="34" charset="0"/>
               </a:rPr>
-              <a:t>THỐNG TÌM KIẾM PHIM </a:t>
-            </a:r>
-            <a:br>
-              <a:rPr lang="en-US" sz="3200" b="1" smtClean="0">
+              <a:t>THỐNG</a:t>
+            </a:r>
+            <a:r>
+              <a:rPr lang="en-US" altLang="en-US" sz="3200" b="1">
                 <a:solidFill>
                   <a:schemeClr val="bg1"/>
                 </a:solidFill>
                 <a:latin typeface="Arial" panose="020B0604020202020204" pitchFamily="34" charset="0"/>
                 <a:cs typeface="Arial" panose="020B0604020202020204" pitchFamily="34" charset="0"/>
               </a:rPr>
-            </a:br>
-            <a:r>
-              <a:rPr lang="en-US" sz="3200" b="1" smtClean="0">
-                <a:solidFill>
-                  <a:schemeClr val="bg1"/>
-                </a:solidFill>
-                <a:latin typeface="Arial" panose="020B0604020202020204" pitchFamily="34" charset="0"/>
-                <a:cs typeface="Arial" panose="020B0604020202020204" pitchFamily="34" charset="0"/>
-              </a:rPr>
-              <a:t>TRÊN </a:t>
-            </a:r>
-            <a:r>
-              <a:rPr lang="en-US" sz="3200" b="1">
-                <a:solidFill>
-                  <a:schemeClr val="bg1"/>
-                </a:solidFill>
-                <a:latin typeface="Arial" panose="020B0604020202020204" pitchFamily="34" charset="0"/>
-                <a:cs typeface="Arial" panose="020B0604020202020204" pitchFamily="34" charset="0"/>
-              </a:rPr>
-              <a:t>DỮ LIỆU </a:t>
-            </a:r>
-            <a:r>
-              <a:rPr lang="en-US" sz="3200" b="1" smtClean="0">
-                <a:solidFill>
-                  <a:schemeClr val="bg1"/>
-                </a:solidFill>
-                <a:latin typeface="Arial" panose="020B0604020202020204" pitchFamily="34" charset="0"/>
-                <a:cs typeface="Arial" panose="020B0604020202020204" pitchFamily="34" charset="0"/>
-              </a:rPr>
-              <a:t>DBPEDIA</a:t>
-            </a:r>
-            <a:endParaRPr lang="en-US" sz="3200" b="1">
+              <a:t> QUẢN LÝ KHU TRỌ QUẬN CÁI RĂNG</a:t>
+            </a:r>
+            <a:endParaRPr lang="en-US" altLang="en-US" sz="3200" b="1">
               <a:solidFill>
                 <a:schemeClr val="bg1"/>
               </a:solidFill>
@@ -11652,23 +10199,23 @@
                 <a:latin typeface="Arial" panose="020B0604020202020204" pitchFamily="34" charset="0"/>
                 <a:cs typeface="Arial" panose="020B0604020202020204" pitchFamily="34" charset="0"/>
               </a:rPr>
-              <a:t>2. </a:t>
+              <a:t>1</a:t>
             </a:r>
             <a:r>
               <a:rPr lang="en-US" sz="3200" b="1">
                 <a:latin typeface="Arial" panose="020B0604020202020204" pitchFamily="34" charset="0"/>
                 <a:cs typeface="Arial" panose="020B0604020202020204" pitchFamily="34" charset="0"/>
               </a:rPr>
-              <a:t>Inport KB từ DBPedia vào </a:t>
-            </a:r>
-            <a:r>
-              <a:rPr lang="en-US" sz="3200" b="1" smtClean="0">
+              <a:t>. </a:t>
+            </a:r>
+            <a:r>
+              <a:rPr lang="en-US" altLang="en-US" sz="3200" b="1">
                 <a:latin typeface="Arial" panose="020B0604020202020204" pitchFamily="34" charset="0"/>
                 <a:cs typeface="Arial" panose="020B0604020202020204" pitchFamily="34" charset="0"/>
               </a:rPr>
-              <a:t>Abox</a:t>
-            </a:r>
-            <a:endParaRPr lang="en-US" sz="3200" b="1">
+              <a:t>Mô tả hệ thống (3)</a:t>
+            </a:r>
+            <a:endParaRPr lang="en-US" altLang="en-US" sz="3200" b="1">
               <a:latin typeface="Arial" panose="020B0604020202020204" pitchFamily="34" charset="0"/>
               <a:cs typeface="Arial" panose="020B0604020202020204" pitchFamily="34" charset="0"/>
             </a:endParaRPr>
@@ -11720,11 +10267,37 @@
             </a:lvl1pPr>
           </a:lstStyle>
           <a:p>
+            <a:pPr marL="342900" indent="-342900" algn="l">
+              <a:buClrTx/>
+              <a:buSzTx/>
+              <a:buFontTx/>
+              <a:buAutoNum type="arabicPeriod"/>
+            </a:pPr>
+            <a:r>
+              <a:rPr lang="en-US" altLang="en-US" sz="1800" b="1">
+                <a:solidFill>
+                  <a:schemeClr val="bg1"/>
+                </a:solidFill>
+                <a:latin typeface="Arial" panose="020B0604020202020204" pitchFamily="34" charset="0"/>
+                <a:cs typeface="Arial" panose="020B0604020202020204" pitchFamily="34" charset="0"/>
+                <a:sym typeface="+mn-ea"/>
+              </a:rPr>
+              <a:t>Mô tả hệ thống </a:t>
+            </a:r>
+            <a:endParaRPr lang="en-US" altLang="en-US" sz="1800" b="1">
+              <a:solidFill>
+                <a:schemeClr val="bg1"/>
+              </a:solidFill>
+              <a:latin typeface="Arial" panose="020B0604020202020204" pitchFamily="34" charset="0"/>
+              <a:cs typeface="Arial" panose="020B0604020202020204" pitchFamily="34" charset="0"/>
+            </a:endParaRPr>
+          </a:p>
+          <a:p>
             <a:pPr marL="342900" indent="-342900">
               <a:buAutoNum type="arabicPeriod"/>
             </a:pPr>
             <a:r>
-              <a:rPr lang="vi-VN" sz="1800" b="1">
+              <a:rPr lang="en-US" sz="1800" b="1">
                 <a:solidFill>
                   <a:schemeClr val="bg2">
                     <a:lumMod val="50000"/>
@@ -11732,56 +10305,9 @@
                 </a:solidFill>
                 <a:latin typeface="Arial" panose="020B0604020202020204" pitchFamily="34" charset="0"/>
                 <a:cs typeface="Arial" panose="020B0604020202020204" pitchFamily="34" charset="0"/>
-              </a:rPr>
-              <a:t>Xây dựng ontology schem</a:t>
-            </a:r>
-            <a:r>
-              <a:rPr lang="en-US" sz="1800" b="1">
-                <a:solidFill>
-                  <a:schemeClr val="bg2">
-                    <a:lumMod val="50000"/>
-                  </a:schemeClr>
-                </a:solidFill>
-                <a:latin typeface="Arial" panose="020B0604020202020204" pitchFamily="34" charset="0"/>
-                <a:cs typeface="Arial" panose="020B0604020202020204" pitchFamily="34" charset="0"/>
-              </a:rPr>
-              <a:t>a </a:t>
-            </a:r>
-            <a:r>
-              <a:rPr lang="vi-VN" sz="1800" b="1">
-                <a:solidFill>
-                  <a:schemeClr val="bg2">
-                    <a:lumMod val="50000"/>
-                  </a:schemeClr>
-                </a:solidFill>
-                <a:latin typeface="Arial" panose="020B0604020202020204" pitchFamily="34" charset="0"/>
-                <a:cs typeface="Arial" panose="020B0604020202020204" pitchFamily="34" charset="0"/>
-              </a:rPr>
-              <a:t>(Tbox)</a:t>
-            </a:r>
-            <a:r>
-              <a:rPr lang="en-US" sz="1800" b="1">
-                <a:solidFill>
-                  <a:schemeClr val="bg2">
-                    <a:lumMod val="50000"/>
-                  </a:schemeClr>
-                </a:solidFill>
-                <a:latin typeface="Arial" panose="020B0604020202020204" pitchFamily="34" charset="0"/>
-                <a:cs typeface="Arial" panose="020B0604020202020204" pitchFamily="34" charset="0"/>
-              </a:rPr>
-              <a:t>  </a:t>
-            </a:r>
-            <a:r>
-              <a:rPr lang="vi-VN" sz="1800" b="1">
-                <a:solidFill>
-                  <a:schemeClr val="bg2">
-                    <a:lumMod val="50000"/>
-                  </a:schemeClr>
-                </a:solidFill>
-                <a:latin typeface="Arial" panose="020B0604020202020204" pitchFamily="34" charset="0"/>
-                <a:cs typeface="Arial" panose="020B0604020202020204" pitchFamily="34" charset="0"/>
-              </a:rPr>
-              <a:t> </a:t>
+                <a:sym typeface="+mn-ea"/>
+              </a:rPr>
+              <a:t>Công nghệ sử dụng</a:t>
             </a:r>
             <a:endParaRPr lang="en-US" sz="1800" b="1">
               <a:solidFill>
@@ -11800,68 +10326,17 @@
             <a:r>
               <a:rPr lang="en-US" sz="1800" b="1">
                 <a:solidFill>
-                  <a:schemeClr val="bg1"/>
-                </a:solidFill>
-                <a:latin typeface="Arial" panose="020B0604020202020204" pitchFamily="34" charset="0"/>
-                <a:cs typeface="Arial" panose="020B0604020202020204" pitchFamily="34" charset="0"/>
-              </a:rPr>
-              <a:t>I</a:t>
-            </a:r>
-            <a:r>
-              <a:rPr lang="en-US" altLang="en-US" sz="1800" b="1">
-                <a:solidFill>
-                  <a:schemeClr val="bg1"/>
-                </a:solidFill>
-                <a:latin typeface="Arial" panose="020B0604020202020204" pitchFamily="34" charset="0"/>
-                <a:cs typeface="Arial" panose="020B0604020202020204" pitchFamily="34" charset="0"/>
-              </a:rPr>
-              <a:t>m</a:t>
-            </a:r>
-            <a:r>
-              <a:rPr lang="en-US" sz="1800" b="1">
-                <a:solidFill>
-                  <a:schemeClr val="bg1"/>
-                </a:solidFill>
-                <a:latin typeface="Arial" panose="020B0604020202020204" pitchFamily="34" charset="0"/>
-                <a:cs typeface="Arial" panose="020B0604020202020204" pitchFamily="34" charset="0"/>
-              </a:rPr>
-              <a:t>port KB từ </a:t>
-            </a:r>
-            <a:r>
-              <a:rPr lang="vi-VN" sz="1800" b="1">
-                <a:solidFill>
-                  <a:schemeClr val="bg1"/>
-                </a:solidFill>
-                <a:latin typeface="Arial" panose="020B0604020202020204" pitchFamily="34" charset="0"/>
-                <a:cs typeface="Arial" panose="020B0604020202020204" pitchFamily="34" charset="0"/>
-              </a:rPr>
-              <a:t>DBPedia vào Abox</a:t>
-            </a:r>
-            <a:endParaRPr lang="en-US" sz="1800" b="1">
-              <a:solidFill>
-                <a:schemeClr val="bg1"/>
-              </a:solidFill>
-              <a:latin typeface="Arial" panose="020B0604020202020204" pitchFamily="34" charset="0"/>
-              <a:cs typeface="Arial" panose="020B0604020202020204" pitchFamily="34" charset="0"/>
-            </a:endParaRPr>
-          </a:p>
-          <a:p>
-            <a:pPr marL="342900" indent="-342900">
-              <a:buAutoNum type="arabicPeriod"/>
-            </a:pPr>
-            <a:r>
-              <a:rPr lang="en-US" sz="1800" b="1" smtClean="0">
-                <a:solidFill>
                   <a:schemeClr val="bg2">
                     <a:lumMod val="50000"/>
                   </a:schemeClr>
                 </a:solidFill>
                 <a:latin typeface="Arial" panose="020B0604020202020204" pitchFamily="34" charset="0"/>
                 <a:cs typeface="Arial" panose="020B0604020202020204" pitchFamily="34" charset="0"/>
-              </a:rPr>
-              <a:t>Xây dựng ứng dụng tìm kiếm phim</a:t>
-            </a:r>
-            <a:endParaRPr lang="en-US" sz="1800" b="1" smtClean="0">
+                <a:sym typeface="+mn-ea"/>
+              </a:rPr>
+              <a:t>Demo</a:t>
+            </a:r>
+            <a:endParaRPr lang="en-US" sz="1800" b="1">
               <a:solidFill>
                 <a:schemeClr val="bg2">
                   <a:lumMod val="50000"/>
@@ -11871,32 +10346,6 @@
               <a:cs typeface="Arial" panose="020B0604020202020204" pitchFamily="34" charset="0"/>
             </a:endParaRPr>
           </a:p>
-          <a:p>
-            <a:pPr marL="342900" indent="-342900">
-              <a:buAutoNum type="arabicPeriod"/>
-            </a:pPr>
-            <a:r>
-              <a:rPr lang="vi-VN" sz="1800" b="1" smtClean="0">
-                <a:solidFill>
-                  <a:schemeClr val="bg2">
-                    <a:lumMod val="50000"/>
-                  </a:schemeClr>
-                </a:solidFill>
-                <a:latin typeface="Arial" panose="020B0604020202020204" pitchFamily="34" charset="0"/>
-                <a:cs typeface="Arial" panose="020B0604020202020204" pitchFamily="34" charset="0"/>
-              </a:rPr>
-              <a:t>Kết luận</a:t>
-            </a:r>
-            <a:endParaRPr lang="vi-VN" sz="1800" b="1">
-              <a:solidFill>
-                <a:schemeClr val="bg2">
-                  <a:lumMod val="50000"/>
-                </a:schemeClr>
-              </a:solidFill>
-              <a:latin typeface="Arial" panose="020B0604020202020204" pitchFamily="34" charset="0"/>
-              <a:cs typeface="Arial" panose="020B0604020202020204" pitchFamily="34" charset="0"/>
-            </a:endParaRPr>
-          </a:p>
         </p:txBody>
       </p:sp>
       <p:sp>
@@ -11907,8 +10356,8 @@
         </p:nvSpPr>
         <p:spPr>
           <a:xfrm>
-            <a:off x="0" y="2395643"/>
-            <a:ext cx="12192000" cy="3810604"/>
+            <a:off x="0" y="2395855"/>
+            <a:ext cx="6132830" cy="3810635"/>
           </a:xfrm>
           <a:prstGeom prst="rect">
             <a:avLst/>
@@ -12135,8 +10584,8 @@
         </p:nvSpPr>
         <p:spPr>
           <a:xfrm>
-            <a:off x="430306" y="2110863"/>
-            <a:ext cx="11304494" cy="4095384"/>
+            <a:off x="443865" y="2111375"/>
+            <a:ext cx="5151120" cy="4095115"/>
           </a:xfrm>
           <a:prstGeom prst="rect">
             <a:avLst/>
@@ -12311,7 +10760,7 @@
             </a:lvl9pPr>
           </a:lstStyle>
           <a:p>
-            <a:pPr algn="just">
+            <a:pPr marL="0" indent="0" algn="l">
               <a:lnSpc>
                 <a:spcPct val="114000"/>
               </a:lnSpc>
@@ -12322,36 +10771,29 @@
                 <a:spcPts val="600"/>
               </a:spcAft>
               <a:buFontTx/>
-              <a:buChar char="-"/>
+              <a:buNone/>
             </a:pPr>
             <a:r>
-              <a:rPr lang="en-US" altLang="vi-VN" sz="3200">
+              <a:rPr lang="" altLang="en-US" sz="2400" smtClean="0">
                 <a:latin typeface="Arial" panose="020B0604020202020204" pitchFamily="34" charset="0"/>
                 <a:cs typeface="Arial" panose="020B0604020202020204" pitchFamily="34" charset="0"/>
               </a:rPr>
-              <a:t>Tìm hiểu scheme </a:t>
-            </a:r>
-            <a:r>
-              <a:rPr lang="vi-VN" sz="3200">
+              <a:t> </a:t>
+            </a:r>
+            <a:r>
+              <a:rPr lang="en-US" altLang="en-US" sz="2400" b="1" smtClean="0">
                 <a:latin typeface="Arial" panose="020B0604020202020204" pitchFamily="34" charset="0"/>
                 <a:cs typeface="Arial" panose="020B0604020202020204" pitchFamily="34" charset="0"/>
               </a:rPr>
-              <a:t>dữ liệu DBPedia</a:t>
-            </a:r>
-            <a:r>
-              <a:rPr lang="vi-VN" sz="3200" smtClean="0">
-                <a:latin typeface="Arial" panose="020B0604020202020204" pitchFamily="34" charset="0"/>
-                <a:cs typeface="Arial" panose="020B0604020202020204" pitchFamily="34" charset="0"/>
-              </a:rPr>
-              <a:t>:</a:t>
-            </a:r>
-            <a:endParaRPr lang="en-US" sz="3200" smtClean="0">
+              <a:t>Phân hệ khu trọ:</a:t>
+            </a:r>
+            <a:endParaRPr lang="en-US" altLang="en-US" sz="2400" b="1" smtClean="0">
               <a:latin typeface="Arial" panose="020B0604020202020204" pitchFamily="34" charset="0"/>
               <a:cs typeface="Arial" panose="020B0604020202020204" pitchFamily="34" charset="0"/>
             </a:endParaRPr>
           </a:p>
           <a:p>
-            <a:pPr marL="0" indent="0" algn="just">
+            <a:pPr lvl="1" algn="l">
               <a:lnSpc>
                 <a:spcPct val="114000"/>
               </a:lnSpc>
@@ -12361,53 +10803,23 @@
               <a:spcAft>
                 <a:spcPts val="600"/>
               </a:spcAft>
-              <a:buNone/>
+              <a:buFont typeface="Arial" panose="020B0604020202020204" pitchFamily="34" charset="0"/>
+              <a:buChar char="•"/>
             </a:pPr>
             <a:r>
-              <a:rPr lang="en-US" sz="3200">
+              <a:rPr lang="en-US" altLang="en-US" sz="2000" smtClean="0">
                 <a:latin typeface="Arial" panose="020B0604020202020204" pitchFamily="34" charset="0"/>
                 <a:cs typeface="Arial" panose="020B0604020202020204" pitchFamily="34" charset="0"/>
               </a:rPr>
-              <a:t> </a:t>
-            </a:r>
-            <a:r>
-              <a:rPr lang="vi-VN" sz="3200" smtClean="0">
-                <a:latin typeface="Arial" panose="020B0604020202020204" pitchFamily="34" charset="0"/>
-                <a:cs typeface="Arial" panose="020B0604020202020204" pitchFamily="34" charset="0"/>
-                <a:hlinkClick r:id="rId1"/>
-              </a:rPr>
-              <a:t>http</a:t>
-            </a:r>
-            <a:r>
-              <a:rPr lang="vi-VN" sz="3200">
-                <a:latin typeface="Arial" panose="020B0604020202020204" pitchFamily="34" charset="0"/>
-                <a:cs typeface="Arial" panose="020B0604020202020204" pitchFamily="34" charset="0"/>
-                <a:hlinkClick r:id="rId1"/>
-              </a:rPr>
-              <a:t>://downloads.dbpedia.org/2016-10</a:t>
-            </a:r>
-            <a:r>
-              <a:rPr lang="vi-VN" sz="3200" smtClean="0">
-                <a:latin typeface="Arial" panose="020B0604020202020204" pitchFamily="34" charset="0"/>
-                <a:cs typeface="Arial" panose="020B0604020202020204" pitchFamily="34" charset="0"/>
-                <a:hlinkClick r:id="rId1"/>
-              </a:rPr>
-              <a:t>/</a:t>
-            </a:r>
-            <a:r>
-              <a:rPr lang="en-US" sz="3200" smtClean="0">
-                <a:latin typeface="Arial" panose="020B0604020202020204" pitchFamily="34" charset="0"/>
-                <a:cs typeface="Arial" panose="020B0604020202020204" pitchFamily="34" charset="0"/>
-              </a:rPr>
-              <a:t> </a:t>
-            </a:r>
-            <a:endParaRPr lang="en-US" sz="3200">
+              <a:t>Hiển thị danh sách khu trọ hiện có, cập nhật thông tin khu trọ, thêm khu trọ mới</a:t>
+            </a:r>
+            <a:endParaRPr lang="en-US" altLang="en-US" sz="2000" smtClean="0">
               <a:latin typeface="Arial" panose="020B0604020202020204" pitchFamily="34" charset="0"/>
               <a:cs typeface="Arial" panose="020B0604020202020204" pitchFamily="34" charset="0"/>
             </a:endParaRPr>
           </a:p>
           <a:p>
-            <a:pPr algn="just">
+            <a:pPr lvl="1" algn="l">
               <a:lnSpc>
                 <a:spcPct val="114000"/>
               </a:lnSpc>
@@ -12417,152 +10829,53 @@
               <a:spcAft>
                 <a:spcPts val="600"/>
               </a:spcAft>
-              <a:buFontTx/>
-              <a:buChar char="-"/>
+              <a:buFont typeface="Arial" panose="020B0604020202020204" pitchFamily="34" charset="0"/>
+              <a:buChar char="•"/>
             </a:pPr>
             <a:r>
-              <a:rPr lang="en-US" sz="3200" smtClean="0">
+              <a:rPr lang="en-US" altLang="en-US" sz="2000" smtClean="0">
                 <a:latin typeface="Arial" panose="020B0604020202020204" pitchFamily="34" charset="0"/>
                 <a:cs typeface="Arial" panose="020B0604020202020204" pitchFamily="34" charset="0"/>
               </a:rPr>
-              <a:t>Xây </a:t>
-            </a:r>
-            <a:r>
-              <a:rPr lang="en-US" sz="3200">
-                <a:latin typeface="Arial" panose="020B0604020202020204" pitchFamily="34" charset="0"/>
-                <a:cs typeface="Arial" panose="020B0604020202020204" pitchFamily="34" charset="0"/>
-              </a:rPr>
-              <a:t>dựng công cụ truy xuất dữ liệu từ DBPedia, </a:t>
-            </a:r>
-            <a:r>
-              <a:rPr lang="en-US" sz="3200" smtClean="0">
-                <a:latin typeface="Arial" panose="020B0604020202020204" pitchFamily="34" charset="0"/>
-                <a:cs typeface="Arial" panose="020B0604020202020204" pitchFamily="34" charset="0"/>
-              </a:rPr>
-              <a:t>và trích dữ liệu thêm </a:t>
-            </a:r>
-            <a:r>
-              <a:rPr lang="en-US" sz="3200">
-                <a:latin typeface="Arial" panose="020B0604020202020204" pitchFamily="34" charset="0"/>
-                <a:cs typeface="Arial" panose="020B0604020202020204" pitchFamily="34" charset="0"/>
-              </a:rPr>
-              <a:t>vào </a:t>
-            </a:r>
-            <a:r>
-              <a:rPr lang="en-US" sz="3200" smtClean="0">
-                <a:latin typeface="Arial" panose="020B0604020202020204" pitchFamily="34" charset="0"/>
-                <a:cs typeface="Arial" panose="020B0604020202020204" pitchFamily="34" charset="0"/>
-              </a:rPr>
-              <a:t>Abox:</a:t>
-            </a:r>
-            <a:endParaRPr lang="en-US" sz="3200" smtClean="0">
+              <a:t>Xem danh sách phòng của khu trọ, cập nhật thông tin phòng</a:t>
+            </a:r>
+            <a:endParaRPr lang="en-US" altLang="en-US" sz="2000" smtClean="0">
               <a:latin typeface="Arial" panose="020B0604020202020204" pitchFamily="34" charset="0"/>
               <a:cs typeface="Arial" panose="020B0604020202020204" pitchFamily="34" charset="0"/>
             </a:endParaRPr>
           </a:p>
-          <a:p>
-            <a:pPr marL="914400" lvl="2" indent="0" algn="just">
-              <a:lnSpc>
-                <a:spcPct val="114000"/>
-              </a:lnSpc>
-              <a:spcBef>
-                <a:spcPts val="600"/>
-              </a:spcBef>
-              <a:spcAft>
-                <a:spcPts val="600"/>
-              </a:spcAft>
-              <a:buNone/>
-            </a:pPr>
-            <a:r>
-              <a:rPr lang="en-US" sz="2400" smtClean="0">
-                <a:latin typeface="Arial (Body)"/>
-              </a:rPr>
-              <a:t>+</a:t>
-            </a:r>
-            <a:r>
-              <a:rPr lang="en-US" sz="3200" smtClean="0">
-                <a:latin typeface="Arial (Body)"/>
-              </a:rPr>
-              <a:t> </a:t>
-            </a:r>
-            <a:r>
-              <a:rPr lang="en-US" sz="2400" smtClean="0">
-                <a:latin typeface="Arial (Body)"/>
-              </a:rPr>
-              <a:t>Sử </a:t>
-            </a:r>
-            <a:r>
-              <a:rPr lang="en-US" sz="2400">
-                <a:latin typeface="Arial (Body)"/>
-              </a:rPr>
-              <a:t>dụng thư viện hỗ trợ RDFLib, </a:t>
-            </a:r>
-            <a:r>
-              <a:rPr lang="en-US" sz="2400" smtClean="0">
-                <a:latin typeface="Arial (Body)"/>
-              </a:rPr>
-              <a:t>SPARQLWrapper. </a:t>
-            </a:r>
-            <a:endParaRPr lang="en-US" sz="2400" smtClean="0">
-              <a:latin typeface="Arial (Body)"/>
-            </a:endParaRPr>
-          </a:p>
-          <a:p>
-            <a:pPr marL="914400" lvl="2" indent="0" algn="just">
-              <a:lnSpc>
-                <a:spcPct val="114000"/>
-              </a:lnSpc>
-              <a:spcBef>
-                <a:spcPts val="600"/>
-              </a:spcBef>
-              <a:spcAft>
-                <a:spcPts val="600"/>
-              </a:spcAft>
-              <a:buNone/>
-            </a:pPr>
-            <a:r>
-              <a:rPr lang="en-US" sz="2400" smtClean="0">
-                <a:latin typeface="Arial (Body)"/>
-              </a:rPr>
-              <a:t>+ Ngôn </a:t>
-            </a:r>
-            <a:r>
-              <a:rPr lang="en-US" sz="2400">
-                <a:latin typeface="Arial (Body)"/>
-              </a:rPr>
-              <a:t>ngữ lập trình </a:t>
-            </a:r>
-            <a:r>
-              <a:rPr lang="en-US" sz="2400" smtClean="0">
-                <a:latin typeface="Arial (Body)"/>
-              </a:rPr>
-              <a:t>Python.</a:t>
-            </a:r>
-            <a:endParaRPr lang="en-US" altLang="en-US" sz="1800" smtClean="0">
-              <a:latin typeface="Arial (Body)"/>
-            </a:endParaRPr>
-          </a:p>
-          <a:p>
-            <a:pPr marL="0" lvl="2" indent="0" algn="just">
-              <a:lnSpc>
-                <a:spcPct val="114000"/>
-              </a:lnSpc>
-              <a:spcBef>
-                <a:spcPts val="600"/>
-              </a:spcBef>
-              <a:spcAft>
-                <a:spcPts val="600"/>
-              </a:spcAft>
-              <a:buNone/>
-            </a:pPr>
-            <a:endParaRPr lang="en-US" altLang="en-US" sz="2400" smtClean="0">
-              <a:latin typeface="Arial" panose="020B0604020202020204" pitchFamily="34" charset="0"/>
-              <a:cs typeface="Arial" panose="020B0604020202020204" pitchFamily="34" charset="0"/>
-              <a:sym typeface="+mn-ea"/>
-            </a:endParaRPr>
-          </a:p>
-        </p:txBody>
-      </p:sp>
+        </p:txBody>
+      </p:sp>
+      <p:pic>
+        <p:nvPicPr>
+          <p:cNvPr id="20" name="Picture 10"/>
+          <p:cNvPicPr>
+            <a:picLocks noChangeAspect="true"/>
+          </p:cNvPicPr>
+          <p:nvPr/>
+        </p:nvPicPr>
+        <p:blipFill>
+          <a:blip r:embed="rId1"/>
+          <a:stretch>
+            <a:fillRect/>
+          </a:stretch>
+        </p:blipFill>
+        <p:spPr>
+          <a:xfrm>
+            <a:off x="5703253" y="2111058"/>
+            <a:ext cx="6271895" cy="3319145"/>
+          </a:xfrm>
+          <a:prstGeom prst="rect">
+            <a:avLst/>
+          </a:prstGeom>
+          <a:noFill/>
+          <a:ln>
+            <a:solidFill>
+              <a:schemeClr val="accent1"/>
+            </a:solidFill>
+          </a:ln>
+        </p:spPr>
+      </p:pic>
     </p:spTree>
   </p:cSld>
   <p:clrMapOvr>
@@ -12643,48 +10956,19 @@
                 <a:latin typeface="Arial" panose="020B0604020202020204" pitchFamily="34" charset="0"/>
                 <a:cs typeface="Arial" panose="020B0604020202020204" pitchFamily="34" charset="0"/>
               </a:rPr>
-              <a:t>THỐNG TÌM KIẾM PHIM </a:t>
-            </a:r>
-            <a:br>
-              <a:rPr lang="en-US" sz="3200" b="1" smtClean="0">
+              <a:t>THỐNG</a:t>
+            </a:r>
+            <a:r>
+              <a:rPr lang="en-US" altLang="en-US" sz="3200" b="1">
                 <a:solidFill>
                   <a:schemeClr val="bg1"/>
                 </a:solidFill>
                 <a:latin typeface="Arial" panose="020B0604020202020204" pitchFamily="34" charset="0"/>
                 <a:cs typeface="Arial" panose="020B0604020202020204" pitchFamily="34" charset="0"/>
               </a:rPr>
-            </a:br>
-            <a:r>
-              <a:rPr lang="en-US" sz="3200" b="1" smtClean="0">
-                <a:solidFill>
-                  <a:schemeClr val="bg1"/>
-                </a:solidFill>
-                <a:latin typeface="Arial" panose="020B0604020202020204" pitchFamily="34" charset="0"/>
-                <a:cs typeface="Arial" panose="020B0604020202020204" pitchFamily="34" charset="0"/>
-              </a:rPr>
-              <a:t>TRÊN </a:t>
-            </a:r>
-            <a:r>
-              <a:rPr lang="en-US" sz="3200" b="1">
-                <a:solidFill>
-                  <a:schemeClr val="bg1"/>
-                </a:solidFill>
-                <a:latin typeface="Arial" panose="020B0604020202020204" pitchFamily="34" charset="0"/>
-                <a:cs typeface="Arial" panose="020B0604020202020204" pitchFamily="34" charset="0"/>
-              </a:rPr>
-              <a:t>DỮ LIỆU </a:t>
-            </a:r>
-            <a:r>
-              <a:rPr lang="en-US" sz="3200" b="1" smtClean="0">
-                <a:solidFill>
-                  <a:schemeClr val="bg1"/>
-                </a:solidFill>
-                <a:latin typeface="Arial" panose="020B0604020202020204" pitchFamily="34" charset="0"/>
-                <a:cs typeface="Arial" panose="020B0604020202020204" pitchFamily="34" charset="0"/>
-              </a:rPr>
-              <a:t>DBPEDIA</a:t>
-            </a:r>
-            <a:endParaRPr lang="en-US" sz="3200" b="1">
+              <a:t> QUẢN LÝ KHU TRỌ QUẬN CÁI RĂNG</a:t>
+            </a:r>
+            <a:endParaRPr lang="en-US" altLang="en-US" sz="3200" b="1">
               <a:solidFill>
                 <a:schemeClr val="bg1"/>
               </a:solidFill>
@@ -12722,23 +11006,23 @@
                 <a:latin typeface="Arial" panose="020B0604020202020204" pitchFamily="34" charset="0"/>
                 <a:cs typeface="Arial" panose="020B0604020202020204" pitchFamily="34" charset="0"/>
               </a:rPr>
-              <a:t>2. </a:t>
+              <a:t>1</a:t>
             </a:r>
             <a:r>
               <a:rPr lang="en-US" sz="3200" b="1">
                 <a:latin typeface="Arial" panose="020B0604020202020204" pitchFamily="34" charset="0"/>
                 <a:cs typeface="Arial" panose="020B0604020202020204" pitchFamily="34" charset="0"/>
               </a:rPr>
-              <a:t>Inport KB từ DBPedia vào </a:t>
-            </a:r>
-            <a:r>
-              <a:rPr lang="en-US" sz="3200" b="1" smtClean="0">
+              <a:t>. </a:t>
+            </a:r>
+            <a:r>
+              <a:rPr lang="en-US" altLang="en-US" sz="3200" b="1">
                 <a:latin typeface="Arial" panose="020B0604020202020204" pitchFamily="34" charset="0"/>
                 <a:cs typeface="Arial" panose="020B0604020202020204" pitchFamily="34" charset="0"/>
               </a:rPr>
-              <a:t>Abox</a:t>
-            </a:r>
-            <a:endParaRPr lang="en-US" sz="3200" b="1">
+              <a:t>Mô tả hệ thống (4)</a:t>
+            </a:r>
+            <a:endParaRPr lang="en-US" altLang="en-US" sz="3200" b="1">
               <a:latin typeface="Arial" panose="020B0604020202020204" pitchFamily="34" charset="0"/>
               <a:cs typeface="Arial" panose="020B0604020202020204" pitchFamily="34" charset="0"/>
             </a:endParaRPr>
@@ -12790,11 +11074,37 @@
             </a:lvl1pPr>
           </a:lstStyle>
           <a:p>
+            <a:pPr marL="342900" indent="-342900" algn="l">
+              <a:buClrTx/>
+              <a:buSzTx/>
+              <a:buFontTx/>
+              <a:buAutoNum type="arabicPeriod"/>
+            </a:pPr>
+            <a:r>
+              <a:rPr lang="en-US" altLang="en-US" sz="1800" b="1">
+                <a:solidFill>
+                  <a:schemeClr val="bg1"/>
+                </a:solidFill>
+                <a:latin typeface="Arial" panose="020B0604020202020204" pitchFamily="34" charset="0"/>
+                <a:cs typeface="Arial" panose="020B0604020202020204" pitchFamily="34" charset="0"/>
+                <a:sym typeface="+mn-ea"/>
+              </a:rPr>
+              <a:t>Mô tả hệ thống </a:t>
+            </a:r>
+            <a:endParaRPr lang="en-US" altLang="en-US" sz="1800" b="1">
+              <a:solidFill>
+                <a:schemeClr val="bg1"/>
+              </a:solidFill>
+              <a:latin typeface="Arial" panose="020B0604020202020204" pitchFamily="34" charset="0"/>
+              <a:cs typeface="Arial" panose="020B0604020202020204" pitchFamily="34" charset="0"/>
+            </a:endParaRPr>
+          </a:p>
+          <a:p>
             <a:pPr marL="342900" indent="-342900">
               <a:buAutoNum type="arabicPeriod"/>
             </a:pPr>
             <a:r>
-              <a:rPr lang="vi-VN" sz="1800" b="1">
+              <a:rPr lang="en-US" sz="1800" b="1">
                 <a:solidFill>
                   <a:schemeClr val="bg2">
                     <a:lumMod val="50000"/>
@@ -12802,56 +11112,9 @@
                 </a:solidFill>
                 <a:latin typeface="Arial" panose="020B0604020202020204" pitchFamily="34" charset="0"/>
                 <a:cs typeface="Arial" panose="020B0604020202020204" pitchFamily="34" charset="0"/>
-              </a:rPr>
-              <a:t>Xây dựng ontology schem</a:t>
-            </a:r>
-            <a:r>
-              <a:rPr lang="en-US" sz="1800" b="1">
-                <a:solidFill>
-                  <a:schemeClr val="bg2">
-                    <a:lumMod val="50000"/>
-                  </a:schemeClr>
-                </a:solidFill>
-                <a:latin typeface="Arial" panose="020B0604020202020204" pitchFamily="34" charset="0"/>
-                <a:cs typeface="Arial" panose="020B0604020202020204" pitchFamily="34" charset="0"/>
-              </a:rPr>
-              <a:t>a </a:t>
-            </a:r>
-            <a:r>
-              <a:rPr lang="vi-VN" sz="1800" b="1">
-                <a:solidFill>
-                  <a:schemeClr val="bg2">
-                    <a:lumMod val="50000"/>
-                  </a:schemeClr>
-                </a:solidFill>
-                <a:latin typeface="Arial" panose="020B0604020202020204" pitchFamily="34" charset="0"/>
-                <a:cs typeface="Arial" panose="020B0604020202020204" pitchFamily="34" charset="0"/>
-              </a:rPr>
-              <a:t>(Tbox)</a:t>
-            </a:r>
-            <a:r>
-              <a:rPr lang="en-US" sz="1800" b="1">
-                <a:solidFill>
-                  <a:schemeClr val="bg2">
-                    <a:lumMod val="50000"/>
-                  </a:schemeClr>
-                </a:solidFill>
-                <a:latin typeface="Arial" panose="020B0604020202020204" pitchFamily="34" charset="0"/>
-                <a:cs typeface="Arial" panose="020B0604020202020204" pitchFamily="34" charset="0"/>
-              </a:rPr>
-              <a:t>  </a:t>
-            </a:r>
-            <a:r>
-              <a:rPr lang="vi-VN" sz="1800" b="1">
-                <a:solidFill>
-                  <a:schemeClr val="bg2">
-                    <a:lumMod val="50000"/>
-                  </a:schemeClr>
-                </a:solidFill>
-                <a:latin typeface="Arial" panose="020B0604020202020204" pitchFamily="34" charset="0"/>
-                <a:cs typeface="Arial" panose="020B0604020202020204" pitchFamily="34" charset="0"/>
-              </a:rPr>
-              <a:t> </a:t>
+                <a:sym typeface="+mn-ea"/>
+              </a:rPr>
+              <a:t>Công nghệ sử dụng</a:t>
             </a:r>
             <a:endParaRPr lang="en-US" sz="1800" b="1">
               <a:solidFill>
@@ -12870,68 +11133,17 @@
             <a:r>
               <a:rPr lang="en-US" sz="1800" b="1">
                 <a:solidFill>
-                  <a:schemeClr val="bg1"/>
-                </a:solidFill>
-                <a:latin typeface="Arial" panose="020B0604020202020204" pitchFamily="34" charset="0"/>
-                <a:cs typeface="Arial" panose="020B0604020202020204" pitchFamily="34" charset="0"/>
-              </a:rPr>
-              <a:t>I</a:t>
-            </a:r>
-            <a:r>
-              <a:rPr lang="en-US" altLang="en-US" sz="1800" b="1">
-                <a:solidFill>
-                  <a:schemeClr val="bg1"/>
-                </a:solidFill>
-                <a:latin typeface="Arial" panose="020B0604020202020204" pitchFamily="34" charset="0"/>
-                <a:cs typeface="Arial" panose="020B0604020202020204" pitchFamily="34" charset="0"/>
-              </a:rPr>
-              <a:t>m</a:t>
-            </a:r>
-            <a:r>
-              <a:rPr lang="en-US" sz="1800" b="1">
-                <a:solidFill>
-                  <a:schemeClr val="bg1"/>
-                </a:solidFill>
-                <a:latin typeface="Arial" panose="020B0604020202020204" pitchFamily="34" charset="0"/>
-                <a:cs typeface="Arial" panose="020B0604020202020204" pitchFamily="34" charset="0"/>
-              </a:rPr>
-              <a:t>port KB từ </a:t>
-            </a:r>
-            <a:r>
-              <a:rPr lang="vi-VN" sz="1800" b="1">
-                <a:solidFill>
-                  <a:schemeClr val="bg1"/>
-                </a:solidFill>
-                <a:latin typeface="Arial" panose="020B0604020202020204" pitchFamily="34" charset="0"/>
-                <a:cs typeface="Arial" panose="020B0604020202020204" pitchFamily="34" charset="0"/>
-              </a:rPr>
-              <a:t>DBPedia vào Abox</a:t>
-            </a:r>
-            <a:endParaRPr lang="en-US" sz="1800" b="1">
-              <a:solidFill>
-                <a:schemeClr val="bg1"/>
-              </a:solidFill>
-              <a:latin typeface="Arial" panose="020B0604020202020204" pitchFamily="34" charset="0"/>
-              <a:cs typeface="Arial" panose="020B0604020202020204" pitchFamily="34" charset="0"/>
-            </a:endParaRPr>
-          </a:p>
-          <a:p>
-            <a:pPr marL="342900" indent="-342900">
-              <a:buAutoNum type="arabicPeriod"/>
-            </a:pPr>
-            <a:r>
-              <a:rPr lang="en-US" sz="1800" b="1" smtClean="0">
-                <a:solidFill>
                   <a:schemeClr val="bg2">
                     <a:lumMod val="50000"/>
                   </a:schemeClr>
                 </a:solidFill>
                 <a:latin typeface="Arial" panose="020B0604020202020204" pitchFamily="34" charset="0"/>
                 <a:cs typeface="Arial" panose="020B0604020202020204" pitchFamily="34" charset="0"/>
-              </a:rPr>
-              <a:t>Xây dựng ứng dụng tìm kiếm phim</a:t>
-            </a:r>
-            <a:endParaRPr lang="en-US" sz="1800" b="1" smtClean="0">
+                <a:sym typeface="+mn-ea"/>
+              </a:rPr>
+              <a:t>Demo</a:t>
+            </a:r>
+            <a:endParaRPr lang="en-US" sz="1800" b="1">
               <a:solidFill>
                 <a:schemeClr val="bg2">
                   <a:lumMod val="50000"/>
@@ -12941,32 +11153,6 @@
               <a:cs typeface="Arial" panose="020B0604020202020204" pitchFamily="34" charset="0"/>
             </a:endParaRPr>
           </a:p>
-          <a:p>
-            <a:pPr marL="342900" indent="-342900">
-              <a:buAutoNum type="arabicPeriod"/>
-            </a:pPr>
-            <a:r>
-              <a:rPr lang="vi-VN" sz="1800" b="1" smtClean="0">
-                <a:solidFill>
-                  <a:schemeClr val="bg2">
-                    <a:lumMod val="50000"/>
-                  </a:schemeClr>
-                </a:solidFill>
-                <a:latin typeface="Arial" panose="020B0604020202020204" pitchFamily="34" charset="0"/>
-                <a:cs typeface="Arial" panose="020B0604020202020204" pitchFamily="34" charset="0"/>
-              </a:rPr>
-              <a:t>Kết luận</a:t>
-            </a:r>
-            <a:endParaRPr lang="vi-VN" sz="1800" b="1">
-              <a:solidFill>
-                <a:schemeClr val="bg2">
-                  <a:lumMod val="50000"/>
-                </a:schemeClr>
-              </a:solidFill>
-              <a:latin typeface="Arial" panose="020B0604020202020204" pitchFamily="34" charset="0"/>
-              <a:cs typeface="Arial" panose="020B0604020202020204" pitchFamily="34" charset="0"/>
-            </a:endParaRPr>
-          </a:p>
         </p:txBody>
       </p:sp>
       <p:sp>
@@ -12977,8 +11163,8 @@
         </p:nvSpPr>
         <p:spPr>
           <a:xfrm>
-            <a:off x="0" y="2396278"/>
-            <a:ext cx="12192000" cy="3810604"/>
+            <a:off x="0" y="2395855"/>
+            <a:ext cx="6132830" cy="3810635"/>
           </a:xfrm>
           <a:prstGeom prst="rect">
             <a:avLst/>
@@ -13199,26 +11385,189 @@
       </p:sp>
       <p:sp>
         <p:nvSpPr>
-          <p:cNvPr id="5" name="Rectangle 4"/>
-          <p:cNvSpPr/>
+          <p:cNvPr id="9" name="Content Placeholder 2"/>
+          <p:cNvSpPr txBox="true"/>
           <p:nvPr/>
         </p:nvSpPr>
         <p:spPr>
           <a:xfrm>
-            <a:off x="429260" y="2125345"/>
-            <a:ext cx="2620010" cy="2335530"/>
+            <a:off x="443865" y="2111375"/>
+            <a:ext cx="5151120" cy="4095115"/>
           </a:xfrm>
           <a:prstGeom prst="rect">
             <a:avLst/>
           </a:prstGeom>
         </p:spPr>
         <p:txBody>
-          <a:bodyPr wrap="square">
-            <a:spAutoFit/>
+          <a:bodyPr vert="horz" lIns="91440" tIns="45720" rIns="91440" bIns="45720" rtlCol="0">
+            <a:noAutofit/>
           </a:bodyPr>
-          <a:lstStyle/>
-          <a:p>
-            <a:pPr>
+          <a:lstStyle>
+            <a:lvl1pPr marL="228600" indent="-228600" algn="l" defTabSz="914400" rtl="0" eaLnBrk="1" latinLnBrk="0" hangingPunct="1">
+              <a:lnSpc>
+                <a:spcPct val="90000"/>
+              </a:lnSpc>
+              <a:spcBef>
+                <a:spcPts val="1000"/>
+              </a:spcBef>
+              <a:buFont typeface="Arial" panose="020B0604020202020204" pitchFamily="34" charset="0"/>
+              <a:buChar char="•"/>
+              <a:defRPr sz="2800" kern="1200">
+                <a:solidFill>
+                  <a:schemeClr val="tx1"/>
+                </a:solidFill>
+                <a:latin typeface="+mn-lt"/>
+                <a:ea typeface="+mn-ea"/>
+                <a:cs typeface="+mn-cs"/>
+              </a:defRPr>
+            </a:lvl1pPr>
+            <a:lvl2pPr marL="685800" indent="-228600" algn="l" defTabSz="914400" rtl="0" eaLnBrk="1" latinLnBrk="0" hangingPunct="1">
+              <a:lnSpc>
+                <a:spcPct val="90000"/>
+              </a:lnSpc>
+              <a:spcBef>
+                <a:spcPts val="500"/>
+              </a:spcBef>
+              <a:buFont typeface="Arial" panose="020B0604020202020204" pitchFamily="34" charset="0"/>
+              <a:buChar char="•"/>
+              <a:defRPr sz="2400" kern="1200">
+                <a:solidFill>
+                  <a:schemeClr val="tx1"/>
+                </a:solidFill>
+                <a:latin typeface="+mn-lt"/>
+                <a:ea typeface="+mn-ea"/>
+                <a:cs typeface="+mn-cs"/>
+              </a:defRPr>
+            </a:lvl2pPr>
+            <a:lvl3pPr marL="1143000" indent="-228600" algn="l" defTabSz="914400" rtl="0" eaLnBrk="1" latinLnBrk="0" hangingPunct="1">
+              <a:lnSpc>
+                <a:spcPct val="90000"/>
+              </a:lnSpc>
+              <a:spcBef>
+                <a:spcPts val="500"/>
+              </a:spcBef>
+              <a:buFont typeface="Arial" panose="020B0604020202020204" pitchFamily="34" charset="0"/>
+              <a:buChar char="•"/>
+              <a:defRPr sz="2000" kern="1200">
+                <a:solidFill>
+                  <a:schemeClr val="tx1"/>
+                </a:solidFill>
+                <a:latin typeface="+mn-lt"/>
+                <a:ea typeface="+mn-ea"/>
+                <a:cs typeface="+mn-cs"/>
+              </a:defRPr>
+            </a:lvl3pPr>
+            <a:lvl4pPr marL="1600200" indent="-228600" algn="l" defTabSz="914400" rtl="0" eaLnBrk="1" latinLnBrk="0" hangingPunct="1">
+              <a:lnSpc>
+                <a:spcPct val="90000"/>
+              </a:lnSpc>
+              <a:spcBef>
+                <a:spcPts val="500"/>
+              </a:spcBef>
+              <a:buFont typeface="Arial" panose="020B0604020202020204" pitchFamily="34" charset="0"/>
+              <a:buChar char="•"/>
+              <a:defRPr sz="1800" kern="1200">
+                <a:solidFill>
+                  <a:schemeClr val="tx1"/>
+                </a:solidFill>
+                <a:latin typeface="+mn-lt"/>
+                <a:ea typeface="+mn-ea"/>
+                <a:cs typeface="+mn-cs"/>
+              </a:defRPr>
+            </a:lvl4pPr>
+            <a:lvl5pPr marL="2057400" indent="-228600" algn="l" defTabSz="914400" rtl="0" eaLnBrk="1" latinLnBrk="0" hangingPunct="1">
+              <a:lnSpc>
+                <a:spcPct val="90000"/>
+              </a:lnSpc>
+              <a:spcBef>
+                <a:spcPts val="500"/>
+              </a:spcBef>
+              <a:buFont typeface="Arial" panose="020B0604020202020204" pitchFamily="34" charset="0"/>
+              <a:buChar char="•"/>
+              <a:defRPr sz="1800" kern="1200">
+                <a:solidFill>
+                  <a:schemeClr val="tx1"/>
+                </a:solidFill>
+                <a:latin typeface="+mn-lt"/>
+                <a:ea typeface="+mn-ea"/>
+                <a:cs typeface="+mn-cs"/>
+              </a:defRPr>
+            </a:lvl5pPr>
+            <a:lvl6pPr marL="2514600" indent="-228600" algn="l" defTabSz="914400" rtl="0" eaLnBrk="1" latinLnBrk="0" hangingPunct="1">
+              <a:lnSpc>
+                <a:spcPct val="90000"/>
+              </a:lnSpc>
+              <a:spcBef>
+                <a:spcPts val="500"/>
+              </a:spcBef>
+              <a:buFont typeface="Arial" panose="020B0604020202020204" pitchFamily="34" charset="0"/>
+              <a:buChar char="•"/>
+              <a:defRPr sz="1800" kern="1200">
+                <a:solidFill>
+                  <a:schemeClr val="tx1"/>
+                </a:solidFill>
+                <a:latin typeface="+mn-lt"/>
+                <a:ea typeface="+mn-ea"/>
+                <a:cs typeface="+mn-cs"/>
+              </a:defRPr>
+            </a:lvl6pPr>
+            <a:lvl7pPr marL="2971800" indent="-228600" algn="l" defTabSz="914400" rtl="0" eaLnBrk="1" latinLnBrk="0" hangingPunct="1">
+              <a:lnSpc>
+                <a:spcPct val="90000"/>
+              </a:lnSpc>
+              <a:spcBef>
+                <a:spcPts val="500"/>
+              </a:spcBef>
+              <a:buFont typeface="Arial" panose="020B0604020202020204" pitchFamily="34" charset="0"/>
+              <a:buChar char="•"/>
+              <a:defRPr sz="1800" kern="1200">
+                <a:solidFill>
+                  <a:schemeClr val="tx1"/>
+                </a:solidFill>
+                <a:latin typeface="+mn-lt"/>
+                <a:ea typeface="+mn-ea"/>
+                <a:cs typeface="+mn-cs"/>
+              </a:defRPr>
+            </a:lvl7pPr>
+            <a:lvl8pPr marL="3429000" indent="-228600" algn="l" defTabSz="914400" rtl="0" eaLnBrk="1" latinLnBrk="0" hangingPunct="1">
+              <a:lnSpc>
+                <a:spcPct val="90000"/>
+              </a:lnSpc>
+              <a:spcBef>
+                <a:spcPts val="500"/>
+              </a:spcBef>
+              <a:buFont typeface="Arial" panose="020B0604020202020204" pitchFamily="34" charset="0"/>
+              <a:buChar char="•"/>
+              <a:defRPr sz="1800" kern="1200">
+                <a:solidFill>
+                  <a:schemeClr val="tx1"/>
+                </a:solidFill>
+                <a:latin typeface="+mn-lt"/>
+                <a:ea typeface="+mn-ea"/>
+                <a:cs typeface="+mn-cs"/>
+              </a:defRPr>
+            </a:lvl8pPr>
+            <a:lvl9pPr marL="3886200" indent="-228600" algn="l" defTabSz="914400" rtl="0" eaLnBrk="1" latinLnBrk="0" hangingPunct="1">
+              <a:lnSpc>
+                <a:spcPct val="90000"/>
+              </a:lnSpc>
+              <a:spcBef>
+                <a:spcPts val="500"/>
+              </a:spcBef>
+              <a:buFont typeface="Arial" panose="020B0604020202020204" pitchFamily="34" charset="0"/>
+              <a:buChar char="•"/>
+              <a:defRPr sz="1800" kern="1200">
+                <a:solidFill>
+                  <a:schemeClr val="tx1"/>
+                </a:solidFill>
+                <a:latin typeface="+mn-lt"/>
+                <a:ea typeface="+mn-ea"/>
+                <a:cs typeface="+mn-cs"/>
+              </a:defRPr>
+            </a:lvl9pPr>
+          </a:lstStyle>
+          <a:p>
+            <a:pPr marL="0" indent="0" algn="l">
               <a:lnSpc>
                 <a:spcPct val="114000"/>
               </a:lnSpc>
@@ -13228,31 +11577,85 @@
               <a:spcAft>
                 <a:spcPts val="600"/>
               </a:spcAft>
+              <a:buFontTx/>
+              <a:buNone/>
             </a:pPr>
             <a:r>
-              <a:rPr lang="en-US" sz="3200" smtClean="0">
+              <a:rPr lang="" altLang="en-US" sz="2400" smtClean="0">
                 <a:latin typeface="Arial" panose="020B0604020202020204" pitchFamily="34" charset="0"/>
                 <a:cs typeface="Arial" panose="020B0604020202020204" pitchFamily="34" charset="0"/>
               </a:rPr>
-              <a:t>Dữ liệu phim được lưu trữ vào file </a:t>
-            </a:r>
-            <a:r>
-              <a:rPr lang="en-US" sz="3200" b="1" i="1" smtClean="0">
+              <a:t> </a:t>
+            </a:r>
+            <a:r>
+              <a:rPr lang="en-US" altLang="en-US" sz="2400" b="1" smtClean="0">
                 <a:latin typeface="Arial" panose="020B0604020202020204" pitchFamily="34" charset="0"/>
                 <a:cs typeface="Arial" panose="020B0604020202020204" pitchFamily="34" charset="0"/>
               </a:rPr>
-              <a:t>Abox.rfd</a:t>
-            </a:r>
-            <a:endParaRPr lang="en-US" sz="3200" b="1" i="1">
+              <a:t>Phân hệ loại phòng:</a:t>
+            </a:r>
+            <a:endParaRPr lang="en-US" altLang="en-US" sz="2400" b="1" smtClean="0">
               <a:latin typeface="Arial" panose="020B0604020202020204" pitchFamily="34" charset="0"/>
               <a:cs typeface="Arial" panose="020B0604020202020204" pitchFamily="34" charset="0"/>
             </a:endParaRPr>
           </a:p>
+          <a:p>
+            <a:pPr lvl="1" algn="l">
+              <a:lnSpc>
+                <a:spcPct val="114000"/>
+              </a:lnSpc>
+              <a:spcBef>
+                <a:spcPts val="600"/>
+              </a:spcBef>
+              <a:spcAft>
+                <a:spcPts val="600"/>
+              </a:spcAft>
+              <a:buFont typeface="Arial" panose="020B0604020202020204" pitchFamily="34" charset="0"/>
+              <a:buChar char="•"/>
+            </a:pPr>
+            <a:r>
+              <a:rPr lang="en-US" altLang="en-US" sz="2000" smtClean="0">
+                <a:latin typeface="Arial" panose="020B0604020202020204" pitchFamily="34" charset="0"/>
+                <a:cs typeface="Arial" panose="020B0604020202020204" pitchFamily="34" charset="0"/>
+              </a:rPr>
+              <a:t>Thông tin các loại phòng và mức giá</a:t>
+            </a:r>
+            <a:endParaRPr lang="en-US" altLang="en-US" sz="2000" smtClean="0">
+              <a:latin typeface="Arial" panose="020B0604020202020204" pitchFamily="34" charset="0"/>
+              <a:cs typeface="Arial" panose="020B0604020202020204" pitchFamily="34" charset="0"/>
+            </a:endParaRPr>
+          </a:p>
+          <a:p>
+            <a:pPr lvl="1" algn="l">
+              <a:lnSpc>
+                <a:spcPct val="114000"/>
+              </a:lnSpc>
+              <a:spcBef>
+                <a:spcPts val="600"/>
+              </a:spcBef>
+              <a:spcAft>
+                <a:spcPts val="600"/>
+              </a:spcAft>
+              <a:buFont typeface="Arial" panose="020B0604020202020204" pitchFamily="34" charset="0"/>
+              <a:buChar char="•"/>
+            </a:pPr>
+            <a:r>
+              <a:rPr lang="en-US" altLang="en-US" sz="2000" smtClean="0">
+                <a:latin typeface="Arial" panose="020B0604020202020204" pitchFamily="34" charset="0"/>
+                <a:cs typeface="Arial" panose="020B0604020202020204" pitchFamily="34" charset="0"/>
+              </a:rPr>
+              <a:t>Thêm, sửa, xóa thông tin loại phòng</a:t>
+            </a:r>
+            <a:endParaRPr lang="en-US" altLang="en-US" sz="2000" smtClean="0">
+              <a:latin typeface="Arial" panose="020B0604020202020204" pitchFamily="34" charset="0"/>
+              <a:cs typeface="Arial" panose="020B0604020202020204" pitchFamily="34" charset="0"/>
+            </a:endParaRPr>
+          </a:p>
         </p:txBody>
       </p:sp>
       <p:pic>
         <p:nvPicPr>
-          <p:cNvPr id="11" name="Picture 10"/>
+          <p:cNvPr id="22" name="Picture 12"/>
           <p:cNvPicPr>
             <a:picLocks noChangeAspect="true"/>
           </p:cNvPicPr>
@@ -13266,15 +11669,16 @@
         </p:blipFill>
         <p:spPr>
           <a:xfrm>
-            <a:off x="3049270" y="1923415"/>
-            <a:ext cx="7692390" cy="4902200"/>
+            <a:off x="5798185" y="1440815"/>
+            <a:ext cx="6137910" cy="4537710"/>
           </a:xfrm>
           <a:prstGeom prst="rect">
             <a:avLst/>
           </a:prstGeom>
+          <a:noFill/>
           <a:ln>
             <a:solidFill>
-              <a:schemeClr val="tx1"/>
+              <a:schemeClr val="accent1"/>
             </a:solidFill>
           </a:ln>
         </p:spPr>
@@ -13359,48 +11763,19 @@
                 <a:latin typeface="Arial" panose="020B0604020202020204" pitchFamily="34" charset="0"/>
                 <a:cs typeface="Arial" panose="020B0604020202020204" pitchFamily="34" charset="0"/>
               </a:rPr>
-              <a:t>THỐNG TÌM KIẾM PHIM </a:t>
-            </a:r>
-            <a:br>
-              <a:rPr lang="en-US" sz="3200" b="1" smtClean="0">
+              <a:t>THỐNG</a:t>
+            </a:r>
+            <a:r>
+              <a:rPr lang="en-US" altLang="en-US" sz="3200" b="1">
                 <a:solidFill>
                   <a:schemeClr val="bg1"/>
                 </a:solidFill>
                 <a:latin typeface="Arial" panose="020B0604020202020204" pitchFamily="34" charset="0"/>
                 <a:cs typeface="Arial" panose="020B0604020202020204" pitchFamily="34" charset="0"/>
               </a:rPr>
-            </a:br>
-            <a:r>
-              <a:rPr lang="en-US" sz="3200" b="1" smtClean="0">
-                <a:solidFill>
-                  <a:schemeClr val="bg1"/>
-                </a:solidFill>
-                <a:latin typeface="Arial" panose="020B0604020202020204" pitchFamily="34" charset="0"/>
-                <a:cs typeface="Arial" panose="020B0604020202020204" pitchFamily="34" charset="0"/>
-              </a:rPr>
-              <a:t>TRÊN </a:t>
-            </a:r>
-            <a:r>
-              <a:rPr lang="en-US" sz="3200" b="1">
-                <a:solidFill>
-                  <a:schemeClr val="bg1"/>
-                </a:solidFill>
-                <a:latin typeface="Arial" panose="020B0604020202020204" pitchFamily="34" charset="0"/>
-                <a:cs typeface="Arial" panose="020B0604020202020204" pitchFamily="34" charset="0"/>
-              </a:rPr>
-              <a:t>DỮ LIỆU </a:t>
-            </a:r>
-            <a:r>
-              <a:rPr lang="en-US" sz="3200" b="1" smtClean="0">
-                <a:solidFill>
-                  <a:schemeClr val="bg1"/>
-                </a:solidFill>
-                <a:latin typeface="Arial" panose="020B0604020202020204" pitchFamily="34" charset="0"/>
-                <a:cs typeface="Arial" panose="020B0604020202020204" pitchFamily="34" charset="0"/>
-              </a:rPr>
-              <a:t>DBPEDIA</a:t>
-            </a:r>
-            <a:endParaRPr lang="en-US" sz="3200" b="1">
+              <a:t> QUẢN LÝ KHU TRỌ QUẬN CÁI RĂNG</a:t>
+            </a:r>
+            <a:endParaRPr lang="en-US" altLang="en-US" sz="3200" b="1">
               <a:solidFill>
                 <a:schemeClr val="bg1"/>
               </a:solidFill>
@@ -13434,27 +11809,27 @@
               <a:buNone/>
             </a:pPr>
             <a:r>
+              <a:rPr lang="en-US" sz="3200" b="1" smtClean="0">
+                <a:latin typeface="Arial" panose="020B0604020202020204" pitchFamily="34" charset="0"/>
+                <a:cs typeface="Arial" panose="020B0604020202020204" pitchFamily="34" charset="0"/>
+              </a:rPr>
+              <a:t>1</a:t>
+            </a:r>
+            <a:r>
               <a:rPr lang="en-US" sz="3200" b="1">
                 <a:latin typeface="Arial" panose="020B0604020202020204" pitchFamily="34" charset="0"/>
                 <a:cs typeface="Arial" panose="020B0604020202020204" pitchFamily="34" charset="0"/>
               </a:rPr>
-              <a:t>3</a:t>
-            </a:r>
-            <a:r>
-              <a:rPr lang="en-US" sz="3200" b="1" smtClean="0">
+              <a:t>. </a:t>
+            </a:r>
+            <a:r>
+              <a:rPr lang="en-US" altLang="en-US" sz="3200" b="1">
                 <a:latin typeface="Arial" panose="020B0604020202020204" pitchFamily="34" charset="0"/>
                 <a:cs typeface="Arial" panose="020B0604020202020204" pitchFamily="34" charset="0"/>
               </a:rPr>
-              <a:t>. </a:t>
-            </a:r>
-            <a:r>
-              <a:rPr lang="en-US" sz="3200" b="1">
-                <a:latin typeface="Arial" panose="020B0604020202020204" pitchFamily="34" charset="0"/>
-                <a:cs typeface="Arial" panose="020B0604020202020204" pitchFamily="34" charset="0"/>
-              </a:rPr>
-              <a:t>Xây dựng ứng dụng tìm kiếm phim</a:t>
-            </a:r>
-            <a:endParaRPr lang="en-US" sz="3200" b="1">
+              <a:t>Mô tả hệ thống (5)</a:t>
+            </a:r>
+            <a:endParaRPr lang="en-US" altLang="en-US" sz="3200" b="1">
               <a:latin typeface="Arial" panose="020B0604020202020204" pitchFamily="34" charset="0"/>
               <a:cs typeface="Arial" panose="020B0604020202020204" pitchFamily="34" charset="0"/>
             </a:endParaRPr>
@@ -13506,11 +11881,37 @@
             </a:lvl1pPr>
           </a:lstStyle>
           <a:p>
+            <a:pPr marL="342900" indent="-342900" algn="l">
+              <a:buClrTx/>
+              <a:buSzTx/>
+              <a:buFontTx/>
+              <a:buAutoNum type="arabicPeriod"/>
+            </a:pPr>
+            <a:r>
+              <a:rPr lang="en-US" altLang="en-US" sz="1800" b="1">
+                <a:solidFill>
+                  <a:schemeClr val="bg1"/>
+                </a:solidFill>
+                <a:latin typeface="Arial" panose="020B0604020202020204" pitchFamily="34" charset="0"/>
+                <a:cs typeface="Arial" panose="020B0604020202020204" pitchFamily="34" charset="0"/>
+                <a:sym typeface="+mn-ea"/>
+              </a:rPr>
+              <a:t>Mô tả hệ thống </a:t>
+            </a:r>
+            <a:endParaRPr lang="en-US" altLang="en-US" sz="1800" b="1">
+              <a:solidFill>
+                <a:schemeClr val="bg1"/>
+              </a:solidFill>
+              <a:latin typeface="Arial" panose="020B0604020202020204" pitchFamily="34" charset="0"/>
+              <a:cs typeface="Arial" panose="020B0604020202020204" pitchFamily="34" charset="0"/>
+            </a:endParaRPr>
+          </a:p>
+          <a:p>
             <a:pPr marL="342900" indent="-342900">
               <a:buAutoNum type="arabicPeriod"/>
             </a:pPr>
             <a:r>
-              <a:rPr lang="vi-VN" sz="1800" b="1">
+              <a:rPr lang="en-US" sz="1800" b="1">
                 <a:solidFill>
                   <a:schemeClr val="bg2">
                     <a:lumMod val="50000"/>
@@ -13518,56 +11919,9 @@
                 </a:solidFill>
                 <a:latin typeface="Arial" panose="020B0604020202020204" pitchFamily="34" charset="0"/>
                 <a:cs typeface="Arial" panose="020B0604020202020204" pitchFamily="34" charset="0"/>
-              </a:rPr>
-              <a:t>Xây dựng ontology schem</a:t>
-            </a:r>
-            <a:r>
-              <a:rPr lang="en-US" sz="1800" b="1">
-                <a:solidFill>
-                  <a:schemeClr val="bg2">
-                    <a:lumMod val="50000"/>
-                  </a:schemeClr>
-                </a:solidFill>
-                <a:latin typeface="Arial" panose="020B0604020202020204" pitchFamily="34" charset="0"/>
-                <a:cs typeface="Arial" panose="020B0604020202020204" pitchFamily="34" charset="0"/>
-              </a:rPr>
-              <a:t>a </a:t>
-            </a:r>
-            <a:r>
-              <a:rPr lang="vi-VN" sz="1800" b="1">
-                <a:solidFill>
-                  <a:schemeClr val="bg2">
-                    <a:lumMod val="50000"/>
-                  </a:schemeClr>
-                </a:solidFill>
-                <a:latin typeface="Arial" panose="020B0604020202020204" pitchFamily="34" charset="0"/>
-                <a:cs typeface="Arial" panose="020B0604020202020204" pitchFamily="34" charset="0"/>
-              </a:rPr>
-              <a:t>(Tbox)</a:t>
-            </a:r>
-            <a:r>
-              <a:rPr lang="en-US" sz="1800" b="1">
-                <a:solidFill>
-                  <a:schemeClr val="bg2">
-                    <a:lumMod val="50000"/>
-                  </a:schemeClr>
-                </a:solidFill>
-                <a:latin typeface="Arial" panose="020B0604020202020204" pitchFamily="34" charset="0"/>
-                <a:cs typeface="Arial" panose="020B0604020202020204" pitchFamily="34" charset="0"/>
-              </a:rPr>
-              <a:t>  </a:t>
-            </a:r>
-            <a:r>
-              <a:rPr lang="vi-VN" sz="1800" b="1">
-                <a:solidFill>
-                  <a:schemeClr val="bg2">
-                    <a:lumMod val="50000"/>
-                  </a:schemeClr>
-                </a:solidFill>
-                <a:latin typeface="Arial" panose="020B0604020202020204" pitchFamily="34" charset="0"/>
-                <a:cs typeface="Arial" panose="020B0604020202020204" pitchFamily="34" charset="0"/>
-              </a:rPr>
-              <a:t> </a:t>
+                <a:sym typeface="+mn-ea"/>
+              </a:rPr>
+              <a:t>Công nghệ sử dụng</a:t>
             </a:r>
             <a:endParaRPr lang="en-US" sz="1800" b="1">
               <a:solidFill>
@@ -13592,44 +11946,9 @@
                 </a:solidFill>
                 <a:latin typeface="Arial" panose="020B0604020202020204" pitchFamily="34" charset="0"/>
                 <a:cs typeface="Arial" panose="020B0604020202020204" pitchFamily="34" charset="0"/>
-              </a:rPr>
-              <a:t>I</a:t>
-            </a:r>
-            <a:r>
-              <a:rPr lang="en-US" altLang="en-US" sz="1800" b="1">
-                <a:solidFill>
-                  <a:schemeClr val="bg2">
-                    <a:lumMod val="50000"/>
-                  </a:schemeClr>
-                </a:solidFill>
-                <a:latin typeface="Arial" panose="020B0604020202020204" pitchFamily="34" charset="0"/>
-                <a:cs typeface="Arial" panose="020B0604020202020204" pitchFamily="34" charset="0"/>
-              </a:rPr>
-              <a:t>m</a:t>
-            </a:r>
-            <a:r>
-              <a:rPr lang="en-US" sz="1800" b="1">
-                <a:solidFill>
-                  <a:schemeClr val="bg2">
-                    <a:lumMod val="50000"/>
-                  </a:schemeClr>
-                </a:solidFill>
-                <a:latin typeface="Arial" panose="020B0604020202020204" pitchFamily="34" charset="0"/>
-                <a:cs typeface="Arial" panose="020B0604020202020204" pitchFamily="34" charset="0"/>
-              </a:rPr>
-              <a:t>port KB từ </a:t>
-            </a:r>
-            <a:r>
-              <a:rPr lang="vi-VN" sz="1800" b="1">
-                <a:solidFill>
-                  <a:schemeClr val="bg2">
-                    <a:lumMod val="50000"/>
-                  </a:schemeClr>
-                </a:solidFill>
-                <a:latin typeface="Arial" panose="020B0604020202020204" pitchFamily="34" charset="0"/>
-                <a:cs typeface="Arial" panose="020B0604020202020204" pitchFamily="34" charset="0"/>
-              </a:rPr>
-              <a:t>DBPedia vào Abox</a:t>
+                <a:sym typeface="+mn-ea"/>
+              </a:rPr>
+              <a:t>Demo</a:t>
             </a:r>
             <a:endParaRPr lang="en-US" sz="1800" b="1">
               <a:solidFill>
@@ -13641,54 +11960,6 @@
               <a:cs typeface="Arial" panose="020B0604020202020204" pitchFamily="34" charset="0"/>
             </a:endParaRPr>
           </a:p>
-          <a:p>
-            <a:pPr marL="342900" indent="-342900">
-              <a:buAutoNum type="arabicPeriod"/>
-            </a:pPr>
-            <a:r>
-              <a:rPr lang="en-US" sz="1800" b="1">
-                <a:solidFill>
-                  <a:schemeClr val="bg1"/>
-                </a:solidFill>
-                <a:latin typeface="Arial" panose="020B0604020202020204" pitchFamily="34" charset="0"/>
-                <a:cs typeface="Arial" panose="020B0604020202020204" pitchFamily="34" charset="0"/>
-              </a:rPr>
-              <a:t>Xây dựng ứng dụng tìm kiếm phim</a:t>
-            </a:r>
-            <a:endParaRPr lang="en-US" sz="1800" b="1">
-              <a:solidFill>
-                <a:schemeClr val="bg1"/>
-              </a:solidFill>
-              <a:latin typeface="Arial" panose="020B0604020202020204" pitchFamily="34" charset="0"/>
-              <a:cs typeface="Arial" panose="020B0604020202020204" pitchFamily="34" charset="0"/>
-            </a:endParaRPr>
-          </a:p>
-          <a:p>
-            <a:pPr marL="342900" indent="-342900">
-              <a:buAutoNum type="arabicPeriod"/>
-            </a:pPr>
-            <a:r>
-              <a:rPr lang="vi-VN" sz="1800" b="1" smtClean="0">
-                <a:solidFill>
-                  <a:schemeClr val="bg2">
-                    <a:lumMod val="50000"/>
-                  </a:schemeClr>
-                </a:solidFill>
-                <a:latin typeface="Arial" panose="020B0604020202020204" pitchFamily="34" charset="0"/>
-                <a:cs typeface="Arial" panose="020B0604020202020204" pitchFamily="34" charset="0"/>
-              </a:rPr>
-              <a:t>Kết luận</a:t>
-            </a:r>
-            <a:endParaRPr lang="vi-VN" sz="1800" b="1">
-              <a:solidFill>
-                <a:schemeClr val="bg2">
-                  <a:lumMod val="50000"/>
-                </a:schemeClr>
-              </a:solidFill>
-              <a:latin typeface="Arial" panose="020B0604020202020204" pitchFamily="34" charset="0"/>
-              <a:cs typeface="Arial" panose="020B0604020202020204" pitchFamily="34" charset="0"/>
-            </a:endParaRPr>
-          </a:p>
         </p:txBody>
       </p:sp>
       <p:sp>
@@ -13699,8 +11970,8 @@
         </p:nvSpPr>
         <p:spPr>
           <a:xfrm>
-            <a:off x="0" y="2395643"/>
-            <a:ext cx="12192000" cy="3810604"/>
+            <a:off x="0" y="2395855"/>
+            <a:ext cx="6132830" cy="3810635"/>
           </a:xfrm>
           <a:prstGeom prst="rect">
             <a:avLst/>
@@ -13927,8 +12198,8 @@
         </p:nvSpPr>
         <p:spPr>
           <a:xfrm>
-            <a:off x="430306" y="2110863"/>
-            <a:ext cx="11304494" cy="4095384"/>
+            <a:off x="443865" y="2111375"/>
+            <a:ext cx="5151120" cy="4095115"/>
           </a:xfrm>
           <a:prstGeom prst="rect">
             <a:avLst/>
@@ -14103,7 +12374,7 @@
             </a:lvl9pPr>
           </a:lstStyle>
           <a:p>
-            <a:pPr algn="just">
+            <a:pPr marL="0" indent="0" algn="l">
               <a:lnSpc>
                 <a:spcPct val="114000"/>
               </a:lnSpc>
@@ -14114,22 +12385,29 @@
                 <a:spcPts val="600"/>
               </a:spcAft>
               <a:buFontTx/>
-              <a:buChar char="-"/>
+              <a:buNone/>
             </a:pPr>
             <a:r>
-              <a:rPr lang="en-US" sz="2400" smtClean="0">
+              <a:rPr lang="" altLang="en-US" sz="2400" smtClean="0">
                 <a:latin typeface="Arial" panose="020B0604020202020204" pitchFamily="34" charset="0"/>
                 <a:cs typeface="Arial" panose="020B0604020202020204" pitchFamily="34" charset="0"/>
               </a:rPr>
-              <a:t>Xây dựng ứng dụng tìm kiếm phim trên trên nền web.</a:t>
-            </a:r>
-            <a:endParaRPr lang="en-US" sz="2400" smtClean="0">
+              <a:t> </a:t>
+            </a:r>
+            <a:r>
+              <a:rPr lang="en-US" altLang="en-US" sz="2400" b="1" smtClean="0">
+                <a:latin typeface="Arial" panose="020B0604020202020204" pitchFamily="34" charset="0"/>
+                <a:cs typeface="Arial" panose="020B0604020202020204" pitchFamily="34" charset="0"/>
+              </a:rPr>
+              <a:t>Phân hệ tài khoản:</a:t>
+            </a:r>
+            <a:endParaRPr lang="en-US" altLang="en-US" sz="2400" b="1" smtClean="0">
               <a:latin typeface="Arial" panose="020B0604020202020204" pitchFamily="34" charset="0"/>
               <a:cs typeface="Arial" panose="020B0604020202020204" pitchFamily="34" charset="0"/>
             </a:endParaRPr>
           </a:p>
           <a:p>
-            <a:pPr algn="just">
+            <a:pPr lvl="1" algn="l">
               <a:lnSpc>
                 <a:spcPct val="114000"/>
               </a:lnSpc>
@@ -14139,269 +12417,53 @@
               <a:spcAft>
                 <a:spcPts val="600"/>
               </a:spcAft>
-              <a:buFontTx/>
-              <a:buChar char="-"/>
+              <a:buFont typeface="Arial" panose="020B0604020202020204" pitchFamily="34" charset="0"/>
+              <a:buChar char="•"/>
             </a:pPr>
             <a:r>
-              <a:rPr lang="en-US" sz="2400" smtClean="0">
+              <a:rPr lang="en-US" altLang="en-US" sz="2000" smtClean="0">
                 <a:latin typeface="Arial" panose="020B0604020202020204" pitchFamily="34" charset="0"/>
                 <a:cs typeface="Arial" panose="020B0604020202020204" pitchFamily="34" charset="0"/>
               </a:rPr>
-              <a:t>Phần mềm tìm kiếm thông tin</a:t>
-            </a:r>
-            <a:r>
-              <a:rPr lang="vi-VN" sz="2400">
-                <a:latin typeface="Arial" panose="020B0604020202020204" pitchFamily="34" charset="0"/>
-                <a:cs typeface="Arial" panose="020B0604020202020204" pitchFamily="34" charset="0"/>
-              </a:rPr>
-              <a:t> một bộ </a:t>
-            </a:r>
-            <a:r>
-              <a:rPr lang="vi-VN" sz="2400" smtClean="0">
-                <a:latin typeface="Arial" panose="020B0604020202020204" pitchFamily="34" charset="0"/>
-                <a:cs typeface="Arial" panose="020B0604020202020204" pitchFamily="34" charset="0"/>
-              </a:rPr>
-              <a:t>phim</a:t>
-            </a:r>
-            <a:r>
-              <a:rPr lang="en-US" altLang="vi-VN" sz="2400" smtClean="0">
-                <a:latin typeface="Arial" panose="020B0604020202020204" pitchFamily="34" charset="0"/>
-                <a:cs typeface="Arial" panose="020B0604020202020204" pitchFamily="34" charset="0"/>
-              </a:rPr>
-              <a:t> chứa từ khóa ở một trong các thuộc tính</a:t>
-            </a:r>
-            <a:r>
-              <a:rPr lang="en-US" sz="2400" smtClean="0">
-                <a:latin typeface="Arial" panose="020B0604020202020204" pitchFamily="34" charset="0"/>
-                <a:cs typeface="Arial" panose="020B0604020202020204" pitchFamily="34" charset="0"/>
-              </a:rPr>
-              <a:t>:</a:t>
-            </a:r>
-            <a:endParaRPr lang="en-US" sz="2400" smtClean="0">
+              <a:t>Dùng thêm, thay đổi thông tin các quản trị viên đang có trong hệ thống</a:t>
+            </a:r>
+            <a:endParaRPr lang="en-US" altLang="en-US" sz="2000" smtClean="0">
               <a:latin typeface="Arial" panose="020B0604020202020204" pitchFamily="34" charset="0"/>
               <a:cs typeface="Arial" panose="020B0604020202020204" pitchFamily="34" charset="0"/>
             </a:endParaRPr>
           </a:p>
-          <a:p>
-            <a:pPr marL="914400" lvl="2" indent="0" algn="just">
-              <a:lnSpc>
-                <a:spcPct val="114000"/>
-              </a:lnSpc>
-              <a:spcBef>
-                <a:spcPts val="600"/>
-              </a:spcBef>
-              <a:spcAft>
-                <a:spcPts val="600"/>
-              </a:spcAft>
-              <a:buNone/>
-            </a:pPr>
-            <a:r>
-              <a:rPr lang="en-US">
-                <a:latin typeface="Arial" panose="020B0604020202020204" pitchFamily="34" charset="0"/>
-                <a:cs typeface="Arial" panose="020B0604020202020204" pitchFamily="34" charset="0"/>
-              </a:rPr>
-              <a:t>+</a:t>
-            </a:r>
-            <a:r>
-              <a:rPr lang="vi-VN" smtClean="0">
-                <a:latin typeface="Arial" panose="020B0604020202020204" pitchFamily="34" charset="0"/>
-                <a:cs typeface="Arial" panose="020B0604020202020204" pitchFamily="34" charset="0"/>
-              </a:rPr>
-              <a:t> </a:t>
-            </a:r>
-            <a:r>
-              <a:rPr lang="en-US" smtClean="0">
-                <a:latin typeface="Arial" panose="020B0604020202020204" pitchFamily="34" charset="0"/>
-                <a:cs typeface="Arial" panose="020B0604020202020204" pitchFamily="34" charset="0"/>
-              </a:rPr>
-              <a:t>T</a:t>
-            </a:r>
-            <a:r>
-              <a:rPr lang="vi-VN">
-                <a:latin typeface="Arial" panose="020B0604020202020204" pitchFamily="34" charset="0"/>
-                <a:cs typeface="Arial" panose="020B0604020202020204" pitchFamily="34" charset="0"/>
-              </a:rPr>
-              <a:t>ên </a:t>
-            </a:r>
-            <a:r>
-              <a:rPr lang="vi-VN" smtClean="0">
-                <a:latin typeface="Arial" panose="020B0604020202020204" pitchFamily="34" charset="0"/>
-                <a:cs typeface="Arial" panose="020B0604020202020204" pitchFamily="34" charset="0"/>
-              </a:rPr>
-              <a:t>phim</a:t>
-            </a:r>
-            <a:r>
-              <a:rPr lang="en-US">
-                <a:latin typeface="Arial" panose="020B0604020202020204" pitchFamily="34" charset="0"/>
-                <a:cs typeface="Arial" panose="020B0604020202020204" pitchFamily="34" charset="0"/>
-              </a:rPr>
-              <a:t>.</a:t>
-            </a:r>
-            <a:endParaRPr lang="en-US" smtClean="0">
-              <a:latin typeface="Arial" panose="020B0604020202020204" pitchFamily="34" charset="0"/>
-              <a:cs typeface="Arial" panose="020B0604020202020204" pitchFamily="34" charset="0"/>
-            </a:endParaRPr>
-          </a:p>
-          <a:p>
-            <a:pPr marL="914400" lvl="2" indent="0" algn="just">
-              <a:lnSpc>
-                <a:spcPct val="114000"/>
-              </a:lnSpc>
-              <a:spcBef>
-                <a:spcPts val="600"/>
-              </a:spcBef>
-              <a:spcAft>
-                <a:spcPts val="600"/>
-              </a:spcAft>
-              <a:buNone/>
-            </a:pPr>
-            <a:r>
-              <a:rPr lang="en-US" smtClean="0">
-                <a:latin typeface="Arial" panose="020B0604020202020204" pitchFamily="34" charset="0"/>
-                <a:cs typeface="Arial" panose="020B0604020202020204" pitchFamily="34" charset="0"/>
-              </a:rPr>
-              <a:t>+ T</a:t>
-            </a:r>
-            <a:r>
-              <a:rPr lang="vi-VN" smtClean="0">
-                <a:latin typeface="Arial" panose="020B0604020202020204" pitchFamily="34" charset="0"/>
-                <a:cs typeface="Arial" panose="020B0604020202020204" pitchFamily="34" charset="0"/>
-              </a:rPr>
-              <a:t>ên </a:t>
-            </a:r>
-            <a:r>
-              <a:rPr lang="vi-VN">
-                <a:latin typeface="Arial" panose="020B0604020202020204" pitchFamily="34" charset="0"/>
-                <a:cs typeface="Arial" panose="020B0604020202020204" pitchFamily="34" charset="0"/>
-              </a:rPr>
-              <a:t>diễn </a:t>
-            </a:r>
-            <a:r>
-              <a:rPr lang="vi-VN" smtClean="0">
-                <a:latin typeface="Arial" panose="020B0604020202020204" pitchFamily="34" charset="0"/>
-                <a:cs typeface="Arial" panose="020B0604020202020204" pitchFamily="34" charset="0"/>
-              </a:rPr>
-              <a:t>viên</a:t>
-            </a:r>
-            <a:r>
-              <a:rPr lang="en-US" smtClean="0">
-                <a:latin typeface="Arial" panose="020B0604020202020204" pitchFamily="34" charset="0"/>
-                <a:cs typeface="Arial" panose="020B0604020202020204" pitchFamily="34" charset="0"/>
-              </a:rPr>
-              <a:t>.</a:t>
-            </a:r>
-            <a:r>
-              <a:rPr lang="vi-VN" smtClean="0">
-                <a:latin typeface="Arial" panose="020B0604020202020204" pitchFamily="34" charset="0"/>
-                <a:cs typeface="Arial" panose="020B0604020202020204" pitchFamily="34" charset="0"/>
-              </a:rPr>
-              <a:t> </a:t>
-            </a:r>
-            <a:endParaRPr lang="en-US" smtClean="0">
-              <a:latin typeface="Arial" panose="020B0604020202020204" pitchFamily="34" charset="0"/>
-              <a:cs typeface="Arial" panose="020B0604020202020204" pitchFamily="34" charset="0"/>
-            </a:endParaRPr>
-          </a:p>
-          <a:p>
-            <a:pPr marL="914400" lvl="2" indent="0" algn="just">
-              <a:lnSpc>
-                <a:spcPct val="114000"/>
-              </a:lnSpc>
-              <a:spcBef>
-                <a:spcPts val="600"/>
-              </a:spcBef>
-              <a:spcAft>
-                <a:spcPts val="600"/>
-              </a:spcAft>
-              <a:buNone/>
-            </a:pPr>
-            <a:r>
-              <a:rPr lang="en-US" smtClean="0">
-                <a:latin typeface="Arial" panose="020B0604020202020204" pitchFamily="34" charset="0"/>
-                <a:cs typeface="Arial" panose="020B0604020202020204" pitchFamily="34" charset="0"/>
-              </a:rPr>
-              <a:t>+ T</a:t>
-            </a:r>
-            <a:r>
-              <a:rPr lang="vi-VN" smtClean="0">
-                <a:latin typeface="Arial" panose="020B0604020202020204" pitchFamily="34" charset="0"/>
-                <a:cs typeface="Arial" panose="020B0604020202020204" pitchFamily="34" charset="0"/>
-              </a:rPr>
-              <a:t>ên </a:t>
-            </a:r>
-            <a:r>
-              <a:rPr lang="vi-VN">
-                <a:latin typeface="Arial" panose="020B0604020202020204" pitchFamily="34" charset="0"/>
-                <a:cs typeface="Arial" panose="020B0604020202020204" pitchFamily="34" charset="0"/>
-              </a:rPr>
-              <a:t>quốc </a:t>
-            </a:r>
-            <a:r>
-              <a:rPr lang="vi-VN" smtClean="0">
-                <a:latin typeface="Arial" panose="020B0604020202020204" pitchFamily="34" charset="0"/>
-                <a:cs typeface="Arial" panose="020B0604020202020204" pitchFamily="34" charset="0"/>
-              </a:rPr>
-              <a:t>gia</a:t>
-            </a:r>
-            <a:r>
-              <a:rPr lang="en-US">
-                <a:latin typeface="Arial" panose="020B0604020202020204" pitchFamily="34" charset="0"/>
-                <a:cs typeface="Arial" panose="020B0604020202020204" pitchFamily="34" charset="0"/>
-              </a:rPr>
-              <a:t>.</a:t>
-            </a:r>
-            <a:endParaRPr lang="en-US">
-              <a:latin typeface="Arial" panose="020B0604020202020204" pitchFamily="34" charset="0"/>
-              <a:cs typeface="Arial" panose="020B0604020202020204" pitchFamily="34" charset="0"/>
-            </a:endParaRPr>
-          </a:p>
-          <a:p>
-            <a:pPr marL="0" lvl="2" indent="0" algn="just">
-              <a:lnSpc>
-                <a:spcPct val="114000"/>
-              </a:lnSpc>
-              <a:spcBef>
-                <a:spcPts val="600"/>
-              </a:spcBef>
-              <a:spcAft>
-                <a:spcPts val="600"/>
-              </a:spcAft>
-              <a:buNone/>
-            </a:pPr>
-            <a:r>
-              <a:rPr lang="en-US" altLang="en-US" sz="2400" smtClean="0">
-                <a:latin typeface="Arial" panose="020B0604020202020204" pitchFamily="34" charset="0"/>
-                <a:cs typeface="Arial" panose="020B0604020202020204" pitchFamily="34" charset="0"/>
-                <a:sym typeface="+mn-ea"/>
-              </a:rPr>
-              <a:t>- Khi hiển thị kết quả phim, tìm kiếm ảnh thu nhỏ của phim dựa trên thuộc tính wikipageid thông qua MediaWiki API.</a:t>
-            </a:r>
-            <a:endParaRPr lang="en-US" sz="3200" smtClean="0">
-              <a:latin typeface="Arial" panose="020B0604020202020204" pitchFamily="34" charset="0"/>
-              <a:cs typeface="Arial" panose="020B0604020202020204" pitchFamily="34" charset="0"/>
-            </a:endParaRPr>
-          </a:p>
-          <a:p>
-            <a:pPr algn="just">
-              <a:lnSpc>
-                <a:spcPct val="114000"/>
-              </a:lnSpc>
-              <a:spcBef>
-                <a:spcPts val="600"/>
-              </a:spcBef>
-              <a:spcAft>
-                <a:spcPts val="600"/>
-              </a:spcAft>
-              <a:buFontTx/>
-              <a:buChar char="-"/>
-            </a:pPr>
-            <a:endParaRPr lang="en-US" sz="3200">
-              <a:latin typeface="Arial" panose="020B0604020202020204" pitchFamily="34" charset="0"/>
-              <a:cs typeface="Arial" panose="020B0604020202020204" pitchFamily="34" charset="0"/>
-            </a:endParaRPr>
-          </a:p>
-        </p:txBody>
-      </p:sp>
+        </p:txBody>
+      </p:sp>
+      <p:pic>
+        <p:nvPicPr>
+          <p:cNvPr id="23" name="Picture 13"/>
+          <p:cNvPicPr>
+            <a:picLocks noChangeAspect="true"/>
+          </p:cNvPicPr>
+          <p:nvPr/>
+        </p:nvPicPr>
+        <p:blipFill>
+          <a:blip r:embed="rId1"/>
+          <a:stretch>
+            <a:fillRect/>
+          </a:stretch>
+        </p:blipFill>
+        <p:spPr>
+          <a:xfrm>
+            <a:off x="5712460" y="1440498"/>
+            <a:ext cx="6252210" cy="4612005"/>
+          </a:xfrm>
+          <a:prstGeom prst="rect">
+            <a:avLst/>
+          </a:prstGeom>
+          <a:noFill/>
+          <a:ln>
+            <a:solidFill>
+              <a:schemeClr val="accent1"/>
+            </a:solidFill>
+          </a:ln>
+        </p:spPr>
+      </p:pic>
     </p:spTree>
   </p:cSld>
   <p:clrMapOvr>
@@ -14482,48 +12544,19 @@
                 <a:latin typeface="Arial" panose="020B0604020202020204" pitchFamily="34" charset="0"/>
                 <a:cs typeface="Arial" panose="020B0604020202020204" pitchFamily="34" charset="0"/>
               </a:rPr>
-              <a:t>THỐNG TÌM KIẾM PHIM </a:t>
-            </a:r>
-            <a:br>
-              <a:rPr lang="en-US" sz="3200" b="1" smtClean="0">
+              <a:t>THỐNG</a:t>
+            </a:r>
+            <a:r>
+              <a:rPr lang="en-US" altLang="en-US" sz="3200" b="1">
                 <a:solidFill>
                   <a:schemeClr val="bg1"/>
                 </a:solidFill>
                 <a:latin typeface="Arial" panose="020B0604020202020204" pitchFamily="34" charset="0"/>
                 <a:cs typeface="Arial" panose="020B0604020202020204" pitchFamily="34" charset="0"/>
               </a:rPr>
-            </a:br>
-            <a:r>
-              <a:rPr lang="en-US" sz="3200" b="1" smtClean="0">
-                <a:solidFill>
-                  <a:schemeClr val="bg1"/>
-                </a:solidFill>
-                <a:latin typeface="Arial" panose="020B0604020202020204" pitchFamily="34" charset="0"/>
-                <a:cs typeface="Arial" panose="020B0604020202020204" pitchFamily="34" charset="0"/>
-              </a:rPr>
-              <a:t>TRÊN </a:t>
-            </a:r>
-            <a:r>
-              <a:rPr lang="en-US" sz="3200" b="1">
-                <a:solidFill>
-                  <a:schemeClr val="bg1"/>
-                </a:solidFill>
-                <a:latin typeface="Arial" panose="020B0604020202020204" pitchFamily="34" charset="0"/>
-                <a:cs typeface="Arial" panose="020B0604020202020204" pitchFamily="34" charset="0"/>
-              </a:rPr>
-              <a:t>DỮ LIỆU </a:t>
-            </a:r>
-            <a:r>
-              <a:rPr lang="en-US" sz="3200" b="1" smtClean="0">
-                <a:solidFill>
-                  <a:schemeClr val="bg1"/>
-                </a:solidFill>
-                <a:latin typeface="Arial" panose="020B0604020202020204" pitchFamily="34" charset="0"/>
-                <a:cs typeface="Arial" panose="020B0604020202020204" pitchFamily="34" charset="0"/>
-              </a:rPr>
-              <a:t>DBPEDIA</a:t>
-            </a:r>
-            <a:endParaRPr lang="en-US" sz="3200" b="1">
+              <a:t> QUẢN LÝ KHU TRỌ QUẬN CÁI RĂNG</a:t>
+            </a:r>
+            <a:endParaRPr lang="en-US" altLang="en-US" sz="3200" b="1">
               <a:solidFill>
                 <a:schemeClr val="bg1"/>
               </a:solidFill>
@@ -14557,27 +12590,27 @@
               <a:buNone/>
             </a:pPr>
             <a:r>
+              <a:rPr lang="en-US" altLang="en-US" sz="3200" b="1">
+                <a:latin typeface="Arial" panose="020B0604020202020204" pitchFamily="34" charset="0"/>
+                <a:cs typeface="Arial" panose="020B0604020202020204" pitchFamily="34" charset="0"/>
+              </a:rPr>
+              <a:t>2</a:t>
+            </a:r>
+            <a:r>
               <a:rPr lang="en-US" sz="3200" b="1">
                 <a:latin typeface="Arial" panose="020B0604020202020204" pitchFamily="34" charset="0"/>
                 <a:cs typeface="Arial" panose="020B0604020202020204" pitchFamily="34" charset="0"/>
               </a:rPr>
-              <a:t>3</a:t>
-            </a:r>
-            <a:r>
-              <a:rPr lang="en-US" sz="3200" b="1" smtClean="0">
+              <a:t>. </a:t>
+            </a:r>
+            <a:r>
+              <a:rPr lang="en-US" altLang="en-US" sz="3200" b="1">
                 <a:latin typeface="Arial" panose="020B0604020202020204" pitchFamily="34" charset="0"/>
                 <a:cs typeface="Arial" panose="020B0604020202020204" pitchFamily="34" charset="0"/>
               </a:rPr>
-              <a:t>. </a:t>
-            </a:r>
-            <a:r>
-              <a:rPr lang="en-US" sz="3200" b="1">
-                <a:latin typeface="Arial" panose="020B0604020202020204" pitchFamily="34" charset="0"/>
-                <a:cs typeface="Arial" panose="020B0604020202020204" pitchFamily="34" charset="0"/>
-              </a:rPr>
-              <a:t>Xây dựng ứng dụng tìm kiếm phim</a:t>
-            </a:r>
-            <a:endParaRPr lang="en-US" sz="3200" b="1">
+              <a:t>Công nghệ sử dụng</a:t>
+            </a:r>
+            <a:endParaRPr lang="en-US" altLang="en-US" sz="3200" b="1">
               <a:latin typeface="Arial" panose="020B0604020202020204" pitchFamily="34" charset="0"/>
               <a:cs typeface="Arial" panose="020B0604020202020204" pitchFamily="34" charset="0"/>
             </a:endParaRPr>
@@ -14629,11 +12662,37 @@
             </a:lvl1pPr>
           </a:lstStyle>
           <a:p>
+            <a:pPr marL="342900" indent="-342900" algn="l">
+              <a:buClrTx/>
+              <a:buSzTx/>
+              <a:buFontTx/>
+              <a:buAutoNum type="arabicPeriod"/>
+            </a:pPr>
+            <a:r>
+              <a:rPr lang="en-US" altLang="en-US" sz="1800" b="1">
+                <a:solidFill>
+                  <a:schemeClr val="bg1"/>
+                </a:solidFill>
+                <a:latin typeface="Arial" panose="020B0604020202020204" pitchFamily="34" charset="0"/>
+                <a:cs typeface="Arial" panose="020B0604020202020204" pitchFamily="34" charset="0"/>
+                <a:sym typeface="+mn-ea"/>
+              </a:rPr>
+              <a:t>Mô tả hệ thống </a:t>
+            </a:r>
+            <a:endParaRPr lang="en-US" altLang="en-US" sz="1800" b="1">
+              <a:solidFill>
+                <a:schemeClr val="bg1"/>
+              </a:solidFill>
+              <a:latin typeface="Arial" panose="020B0604020202020204" pitchFamily="34" charset="0"/>
+              <a:cs typeface="Arial" panose="020B0604020202020204" pitchFamily="34" charset="0"/>
+            </a:endParaRPr>
+          </a:p>
+          <a:p>
             <a:pPr marL="342900" indent="-342900">
               <a:buAutoNum type="arabicPeriod"/>
             </a:pPr>
             <a:r>
-              <a:rPr lang="vi-VN" sz="1800" b="1">
+              <a:rPr lang="en-US" sz="1800" b="1">
                 <a:solidFill>
                   <a:schemeClr val="bg2">
                     <a:lumMod val="50000"/>
@@ -14641,56 +12700,9 @@
                 </a:solidFill>
                 <a:latin typeface="Arial" panose="020B0604020202020204" pitchFamily="34" charset="0"/>
                 <a:cs typeface="Arial" panose="020B0604020202020204" pitchFamily="34" charset="0"/>
-              </a:rPr>
-              <a:t>Xây dựng ontology schem</a:t>
-            </a:r>
-            <a:r>
-              <a:rPr lang="en-US" sz="1800" b="1">
-                <a:solidFill>
-                  <a:schemeClr val="bg2">
-                    <a:lumMod val="50000"/>
-                  </a:schemeClr>
-                </a:solidFill>
-                <a:latin typeface="Arial" panose="020B0604020202020204" pitchFamily="34" charset="0"/>
-                <a:cs typeface="Arial" panose="020B0604020202020204" pitchFamily="34" charset="0"/>
-              </a:rPr>
-              <a:t>a </a:t>
-            </a:r>
-            <a:r>
-              <a:rPr lang="vi-VN" sz="1800" b="1">
-                <a:solidFill>
-                  <a:schemeClr val="bg2">
-                    <a:lumMod val="50000"/>
-                  </a:schemeClr>
-                </a:solidFill>
-                <a:latin typeface="Arial" panose="020B0604020202020204" pitchFamily="34" charset="0"/>
-                <a:cs typeface="Arial" panose="020B0604020202020204" pitchFamily="34" charset="0"/>
-              </a:rPr>
-              <a:t>(Tbox)</a:t>
-            </a:r>
-            <a:r>
-              <a:rPr lang="en-US" sz="1800" b="1">
-                <a:solidFill>
-                  <a:schemeClr val="bg2">
-                    <a:lumMod val="50000"/>
-                  </a:schemeClr>
-                </a:solidFill>
-                <a:latin typeface="Arial" panose="020B0604020202020204" pitchFamily="34" charset="0"/>
-                <a:cs typeface="Arial" panose="020B0604020202020204" pitchFamily="34" charset="0"/>
-              </a:rPr>
-              <a:t>  </a:t>
-            </a:r>
-            <a:r>
-              <a:rPr lang="vi-VN" sz="1800" b="1">
-                <a:solidFill>
-                  <a:schemeClr val="bg2">
-                    <a:lumMod val="50000"/>
-                  </a:schemeClr>
-                </a:solidFill>
-                <a:latin typeface="Arial" panose="020B0604020202020204" pitchFamily="34" charset="0"/>
-                <a:cs typeface="Arial" panose="020B0604020202020204" pitchFamily="34" charset="0"/>
-              </a:rPr>
-              <a:t> </a:t>
+                <a:sym typeface="+mn-ea"/>
+              </a:rPr>
+              <a:t>Công nghệ sử dụng</a:t>
             </a:r>
             <a:endParaRPr lang="en-US" sz="1800" b="1">
               <a:solidFill>
@@ -14715,44 +12727,9 @@
                 </a:solidFill>
                 <a:latin typeface="Arial" panose="020B0604020202020204" pitchFamily="34" charset="0"/>
                 <a:cs typeface="Arial" panose="020B0604020202020204" pitchFamily="34" charset="0"/>
-              </a:rPr>
-              <a:t>I</a:t>
-            </a:r>
-            <a:r>
-              <a:rPr lang="en-US" altLang="en-US" sz="1800" b="1">
-                <a:solidFill>
-                  <a:schemeClr val="bg2">
-                    <a:lumMod val="50000"/>
-                  </a:schemeClr>
-                </a:solidFill>
-                <a:latin typeface="Arial" panose="020B0604020202020204" pitchFamily="34" charset="0"/>
-                <a:cs typeface="Arial" panose="020B0604020202020204" pitchFamily="34" charset="0"/>
-              </a:rPr>
-              <a:t>m</a:t>
-            </a:r>
-            <a:r>
-              <a:rPr lang="en-US" sz="1800" b="1">
-                <a:solidFill>
-                  <a:schemeClr val="bg2">
-                    <a:lumMod val="50000"/>
-                  </a:schemeClr>
-                </a:solidFill>
-                <a:latin typeface="Arial" panose="020B0604020202020204" pitchFamily="34" charset="0"/>
-                <a:cs typeface="Arial" panose="020B0604020202020204" pitchFamily="34" charset="0"/>
-              </a:rPr>
-              <a:t>port KB từ </a:t>
-            </a:r>
-            <a:r>
-              <a:rPr lang="vi-VN" sz="1800" b="1">
-                <a:solidFill>
-                  <a:schemeClr val="bg2">
-                    <a:lumMod val="50000"/>
-                  </a:schemeClr>
-                </a:solidFill>
-                <a:latin typeface="Arial" panose="020B0604020202020204" pitchFamily="34" charset="0"/>
-                <a:cs typeface="Arial" panose="020B0604020202020204" pitchFamily="34" charset="0"/>
-              </a:rPr>
-              <a:t>DBPedia vào Abox</a:t>
+                <a:sym typeface="+mn-ea"/>
+              </a:rPr>
+              <a:t>Demo</a:t>
             </a:r>
             <a:endParaRPr lang="en-US" sz="1800" b="1">
               <a:solidFill>
@@ -14764,54 +12741,6 @@
               <a:cs typeface="Arial" panose="020B0604020202020204" pitchFamily="34" charset="0"/>
             </a:endParaRPr>
           </a:p>
-          <a:p>
-            <a:pPr marL="342900" indent="-342900">
-              <a:buAutoNum type="arabicPeriod"/>
-            </a:pPr>
-            <a:r>
-              <a:rPr lang="en-US" sz="1800" b="1">
-                <a:solidFill>
-                  <a:schemeClr val="bg1"/>
-                </a:solidFill>
-                <a:latin typeface="Arial" panose="020B0604020202020204" pitchFamily="34" charset="0"/>
-                <a:cs typeface="Arial" panose="020B0604020202020204" pitchFamily="34" charset="0"/>
-              </a:rPr>
-              <a:t>Xây dựng ứng dụng tìm kiếm phim</a:t>
-            </a:r>
-            <a:endParaRPr lang="en-US" sz="1800" b="1">
-              <a:solidFill>
-                <a:schemeClr val="bg1"/>
-              </a:solidFill>
-              <a:latin typeface="Arial" panose="020B0604020202020204" pitchFamily="34" charset="0"/>
-              <a:cs typeface="Arial" panose="020B0604020202020204" pitchFamily="34" charset="0"/>
-            </a:endParaRPr>
-          </a:p>
-          <a:p>
-            <a:pPr marL="342900" indent="-342900">
-              <a:buAutoNum type="arabicPeriod"/>
-            </a:pPr>
-            <a:r>
-              <a:rPr lang="vi-VN" sz="1800" b="1" smtClean="0">
-                <a:solidFill>
-                  <a:schemeClr val="bg2">
-                    <a:lumMod val="50000"/>
-                  </a:schemeClr>
-                </a:solidFill>
-                <a:latin typeface="Arial" panose="020B0604020202020204" pitchFamily="34" charset="0"/>
-                <a:cs typeface="Arial" panose="020B0604020202020204" pitchFamily="34" charset="0"/>
-              </a:rPr>
-              <a:t>Kết luận</a:t>
-            </a:r>
-            <a:endParaRPr lang="vi-VN" sz="1800" b="1">
-              <a:solidFill>
-                <a:schemeClr val="bg2">
-                  <a:lumMod val="50000"/>
-                </a:schemeClr>
-              </a:solidFill>
-              <a:latin typeface="Arial" panose="020B0604020202020204" pitchFamily="34" charset="0"/>
-              <a:cs typeface="Arial" panose="020B0604020202020204" pitchFamily="34" charset="0"/>
-            </a:endParaRPr>
-          </a:p>
         </p:txBody>
       </p:sp>
       <p:sp>
@@ -15050,8 +12979,8 @@
         </p:nvSpPr>
         <p:spPr>
           <a:xfrm>
-            <a:off x="430306" y="2110863"/>
-            <a:ext cx="4154394" cy="759337"/>
+            <a:off x="443641" y="2111498"/>
+            <a:ext cx="11304494" cy="4095384"/>
           </a:xfrm>
           <a:prstGeom prst="rect">
             <a:avLst/>
@@ -15236,17 +13165,31 @@
               <a:spcAft>
                 <a:spcPts val="600"/>
               </a:spcAft>
-              <a:buFontTx/>
-              <a:buChar char="-"/>
+              <a:buFont typeface="Arial" panose="020B0604020202020204" pitchFamily="34" charset="0"/>
+              <a:buChar char="•"/>
             </a:pPr>
             <a:r>
-              <a:rPr lang="en-US" sz="3200" smtClean="0">
+              <a:rPr lang="en-US" altLang="en-US" sz="2000" b="1" smtClean="0">
                 <a:latin typeface="Arial" panose="020B0604020202020204" pitchFamily="34" charset="0"/>
                 <a:cs typeface="Arial" panose="020B0604020202020204" pitchFamily="34" charset="0"/>
               </a:rPr>
-              <a:t>Giao diện ứng dụng:</a:t>
-            </a:r>
-            <a:endParaRPr lang="en-US" sz="3200" smtClean="0">
+              <a:t>Diva</a:t>
+            </a:r>
+            <a:r>
+              <a:rPr lang="" altLang="en-US" sz="2000" b="1" smtClean="0">
+                <a:latin typeface="Arial" panose="020B0604020202020204" pitchFamily="34" charset="0"/>
+                <a:cs typeface="Arial" panose="020B0604020202020204" pitchFamily="34" charset="0"/>
+              </a:rPr>
+              <a:t>-Gis: </a:t>
+            </a:r>
+            <a:r>
+              <a:rPr lang="" altLang="en-US" sz="2000" smtClean="0">
+                <a:latin typeface="Arial" panose="020B0604020202020204" pitchFamily="34" charset="0"/>
+                <a:cs typeface="Arial" panose="020B0604020202020204" pitchFamily="34" charset="0"/>
+              </a:rPr>
+              <a:t>Trang cung cấp dữ liệu bản đồ và địa giới. Dùng để truy xuất dữ liệu địa giới Việt Nam</a:t>
+            </a:r>
+            <a:endParaRPr lang="" altLang="en-US" sz="2000" smtClean="0">
               <a:latin typeface="Arial" panose="020B0604020202020204" pitchFamily="34" charset="0"/>
               <a:cs typeface="Arial" panose="020B0604020202020204" pitchFamily="34" charset="0"/>
             </a:endParaRPr>
@@ -15262,10 +13205,24 @@
               <a:spcAft>
                 <a:spcPts val="600"/>
               </a:spcAft>
-              <a:buFontTx/>
-              <a:buChar char="-"/>
+              <a:buFont typeface="Arial" panose="020B0604020202020204" pitchFamily="34" charset="0"/>
+              <a:buChar char="•"/>
             </a:pPr>
-            <a:endParaRPr lang="en-US" sz="3200" smtClean="0">
+            <a:r>
+              <a:rPr lang="" altLang="en-US" sz="2000" b="1" smtClean="0">
+                <a:latin typeface="Arial" panose="020B0604020202020204" pitchFamily="34" charset="0"/>
+                <a:cs typeface="Arial" panose="020B0604020202020204" pitchFamily="34" charset="0"/>
+              </a:rPr>
+              <a:t>QGis:</a:t>
+            </a:r>
+            <a:r>
+              <a:rPr lang="" altLang="en-US" sz="2000" smtClean="0">
+                <a:latin typeface="Arial" panose="020B0604020202020204" pitchFamily="34" charset="0"/>
+                <a:cs typeface="Arial" panose="020B0604020202020204" pitchFamily="34" charset="0"/>
+              </a:rPr>
+              <a:t> Phần mềm tháo tác dữ liệu không gian địa lý. Dùng trích xuất địa giới, bản đồ các phường trong quận Cái Răng</a:t>
+            </a:r>
+            <a:endParaRPr lang="" altLang="en-US" sz="2000" smtClean="0">
               <a:latin typeface="Arial" panose="020B0604020202020204" pitchFamily="34" charset="0"/>
               <a:cs typeface="Arial" panose="020B0604020202020204" pitchFamily="34" charset="0"/>
             </a:endParaRPr>
@@ -15281,104 +13238,115 @@
               <a:spcAft>
                 <a:spcPts val="600"/>
               </a:spcAft>
-              <a:buFontTx/>
-              <a:buChar char="-"/>
+              <a:buFont typeface="Arial" panose="020B0604020202020204" pitchFamily="34" charset="0"/>
+              <a:buChar char="•"/>
             </a:pPr>
-            <a:endParaRPr lang="en-US" sz="3200">
+            <a:r>
+              <a:rPr lang="en-US" altLang="en-US" sz="2000" b="1" smtClean="0">
+                <a:latin typeface="Arial" panose="020B0604020202020204" pitchFamily="34" charset="0"/>
+                <a:cs typeface="Arial" panose="020B0604020202020204" pitchFamily="34" charset="0"/>
+                <a:sym typeface="+mn-ea"/>
+              </a:rPr>
+              <a:t>Google basemap layers</a:t>
+            </a:r>
+            <a:r>
+              <a:rPr lang="en-US" altLang="en-US" sz="2000" smtClean="0">
+                <a:latin typeface="Arial" panose="020B0604020202020204" pitchFamily="34" charset="0"/>
+                <a:cs typeface="Arial" panose="020B0604020202020204" pitchFamily="34" charset="0"/>
+                <a:sym typeface="+mn-ea"/>
+              </a:rPr>
+              <a:t>: </a:t>
+            </a:r>
+            <a:r>
+              <a:rPr lang="" altLang="en-US" sz="2000" smtClean="0">
+                <a:latin typeface="Arial" panose="020B0604020202020204" pitchFamily="34" charset="0"/>
+                <a:cs typeface="Arial" panose="020B0604020202020204" pitchFamily="34" charset="0"/>
+                <a:sym typeface="+mn-ea"/>
+              </a:rPr>
+              <a:t>D</a:t>
+            </a:r>
+            <a:r>
+              <a:rPr lang="en-US" altLang="en-US" sz="2000" smtClean="0">
+                <a:latin typeface="Arial" panose="020B0604020202020204" pitchFamily="34" charset="0"/>
+                <a:cs typeface="Arial" panose="020B0604020202020204" pitchFamily="34" charset="0"/>
+                <a:sym typeface="+mn-ea"/>
+              </a:rPr>
+              <a:t>ùng làm bản đồ nền cho hệ thống</a:t>
+            </a:r>
+            <a:endParaRPr lang="en-US" altLang="en-US" sz="2000" smtClean="0">
+              <a:latin typeface="Arial" panose="020B0604020202020204" pitchFamily="34" charset="0"/>
+              <a:cs typeface="Arial" panose="020B0604020202020204" pitchFamily="34" charset="0"/>
+              <a:sym typeface="+mn-ea"/>
+            </a:endParaRPr>
+          </a:p>
+          <a:p>
+            <a:pPr algn="just">
+              <a:lnSpc>
+                <a:spcPct val="114000"/>
+              </a:lnSpc>
+              <a:spcBef>
+                <a:spcPts val="600"/>
+              </a:spcBef>
+              <a:spcAft>
+                <a:spcPts val="600"/>
+              </a:spcAft>
+              <a:buFont typeface="Arial" panose="020B0604020202020204" pitchFamily="34" charset="0"/>
+              <a:buChar char="•"/>
+            </a:pPr>
+            <a:r>
+              <a:rPr lang="" altLang="en-US" sz="2000" b="1" smtClean="0">
+                <a:latin typeface="Arial" panose="020B0604020202020204" pitchFamily="34" charset="0"/>
+                <a:cs typeface="Arial" panose="020B0604020202020204" pitchFamily="34" charset="0"/>
+              </a:rPr>
+              <a:t>Leaflet: </a:t>
+            </a:r>
+            <a:r>
+              <a:rPr lang="" altLang="en-US" sz="2000" smtClean="0">
+                <a:latin typeface="Arial" panose="020B0604020202020204" pitchFamily="34" charset="0"/>
+                <a:cs typeface="Arial" panose="020B0604020202020204" pitchFamily="34" charset="0"/>
+              </a:rPr>
+              <a:t>Thư viện tương tác bản đồ. Dùng tạo, điều chỉnh, thống kê và hiển thị kết quả lên trang bản đồ.</a:t>
+            </a:r>
+            <a:endParaRPr lang="" altLang="en-US" sz="2000" smtClean="0">
               <a:latin typeface="Arial" panose="020B0604020202020204" pitchFamily="34" charset="0"/>
               <a:cs typeface="Arial" panose="020B0604020202020204" pitchFamily="34" charset="0"/>
             </a:endParaRPr>
           </a:p>
-        </p:txBody>
-      </p:sp>
-      <p:pic>
-        <p:nvPicPr>
-          <p:cNvPr id="3074" name="Picture 2"/>
-          <p:cNvPicPr>
-            <a:picLocks noChangeAspect="true" noChangeArrowheads="true"/>
-          </p:cNvPicPr>
-          <p:nvPr/>
-        </p:nvPicPr>
-        <p:blipFill>
-          <a:blip r:embed="rId1">
-            <a:extLst>
-              <a:ext uri="{28A0092B-C50C-407E-A947-70E740481C1C}">
-                <a14:useLocalDpi xmlns:a14="http://schemas.microsoft.com/office/drawing/2010/main" val="false"/>
-              </a:ext>
-            </a:extLst>
-          </a:blip>
-          <a:srcRect/>
-          <a:stretch>
-            <a:fillRect/>
-          </a:stretch>
-        </p:blipFill>
-        <p:spPr bwMode="auto">
-          <a:xfrm>
-            <a:off x="784225" y="2789555"/>
-            <a:ext cx="4050665" cy="3416935"/>
-          </a:xfrm>
-          <a:prstGeom prst="rect">
-            <a:avLst/>
-          </a:prstGeom>
-          <a:noFill/>
-          <a:ln w="9525">
-            <a:solidFill>
-              <a:schemeClr val="tx1"/>
-            </a:solidFill>
-            <a:miter lim="800000"/>
-            <a:headEnd/>
-            <a:tailEnd/>
-          </a:ln>
-          <a:effectLst/>
-          <a:extLst>
-            <a:ext uri="{909E8E84-426E-40DD-AFC4-6F175D3DCCD1}">
-              <a14:hiddenFill xmlns:a14="http://schemas.microsoft.com/office/drawing/2010/main">
-                <a:solidFill>
-                  <a:schemeClr val="accent1"/>
-                </a:solidFill>
-              </a14:hiddenFill>
-            </a:ext>
-            <a:ext uri="{AF507438-7753-43E0-B8FC-AC1667EBCBE1}">
-              <a14:hiddenEffects xmlns:a14="http://schemas.microsoft.com/office/drawing/2010/main">
-                <a:effectLst>
-                  <a:outerShdw dist="35921" dir="2700000" algn="ctr" rotWithShape="0">
-                    <a:schemeClr val="bg2"/>
-                  </a:outerShdw>
-                </a:effectLst>
-              </a14:hiddenEffects>
-            </a:ext>
-          </a:extLst>
-        </p:spPr>
-      </p:pic>
-      <p:pic>
-        <p:nvPicPr>
-          <p:cNvPr id="5" name="Picture 4"/>
-          <p:cNvPicPr>
-            <a:picLocks noChangeAspect="true"/>
-          </p:cNvPicPr>
-          <p:nvPr/>
-        </p:nvPicPr>
-        <p:blipFill>
-          <a:blip r:embed="rId2"/>
-          <a:stretch>
-            <a:fillRect/>
-          </a:stretch>
-        </p:blipFill>
-        <p:spPr>
-          <a:xfrm>
-            <a:off x="5015865" y="2025015"/>
-            <a:ext cx="6768465" cy="4181475"/>
-          </a:xfrm>
-          <a:prstGeom prst="rect">
-            <a:avLst/>
-          </a:prstGeom>
-          <a:ln>
-            <a:solidFill>
-              <a:schemeClr val="tx1"/>
-            </a:solidFill>
-          </a:ln>
-        </p:spPr>
-      </p:pic>
+          <a:p>
+            <a:pPr algn="just">
+              <a:lnSpc>
+                <a:spcPct val="114000"/>
+              </a:lnSpc>
+              <a:spcBef>
+                <a:spcPts val="600"/>
+              </a:spcBef>
+              <a:spcAft>
+                <a:spcPts val="600"/>
+              </a:spcAft>
+              <a:buFont typeface="Arial" panose="020B0604020202020204" pitchFamily="34" charset="0"/>
+              <a:buChar char="•"/>
+            </a:pPr>
+            <a:r>
+              <a:rPr lang="" altLang="en-US" sz="2000" b="1" smtClean="0">
+                <a:latin typeface="Arial" panose="020B0604020202020204" pitchFamily="34" charset="0"/>
+                <a:cs typeface="Arial" panose="020B0604020202020204" pitchFamily="34" charset="0"/>
+              </a:rPr>
+              <a:t>ArcGIS World Geocoding Service: </a:t>
+            </a:r>
+            <a:r>
+              <a:rPr lang="" altLang="en-US" sz="2000" smtClean="0">
+                <a:latin typeface="Arial" panose="020B0604020202020204" pitchFamily="34" charset="0"/>
+                <a:cs typeface="Arial" panose="020B0604020202020204" pitchFamily="34" charset="0"/>
+              </a:rPr>
+              <a:t>Api truy vấn địa chỉ từ tọa độ. Dùng tìm địa chỉ khi người dùng chọn vị trí lúc thêm hoặc cập nhật thông tin khu trọ.</a:t>
+            </a:r>
+            <a:endParaRPr lang="" altLang="en-US" sz="2000" smtClean="0">
+              <a:latin typeface="Arial" panose="020B0604020202020204" pitchFamily="34" charset="0"/>
+              <a:cs typeface="Arial" panose="020B0604020202020204" pitchFamily="34" charset="0"/>
+            </a:endParaRPr>
+          </a:p>
+        </p:txBody>
+      </p:sp>
     </p:spTree>
   </p:cSld>
   <p:clrMapOvr>
@@ -15448,6 +13416,7 @@
                 </a:solidFill>
                 <a:latin typeface="Arial" panose="020B0604020202020204" pitchFamily="34" charset="0"/>
                 <a:cs typeface="Arial" panose="020B0604020202020204" pitchFamily="34" charset="0"/>
+                <a:sym typeface="+mn-ea"/>
               </a:rPr>
               <a:t>HỆ </a:t>
             </a:r>
@@ -15458,47 +13427,20 @@
                 </a:solidFill>
                 <a:latin typeface="Arial" panose="020B0604020202020204" pitchFamily="34" charset="0"/>
                 <a:cs typeface="Arial" panose="020B0604020202020204" pitchFamily="34" charset="0"/>
-              </a:rPr>
-              <a:t>THỐNG TÌM KIẾM PHIM </a:t>
-            </a:r>
-            <a:br>
-              <a:rPr lang="en-US" sz="3200" b="1" smtClean="0">
+                <a:sym typeface="+mn-ea"/>
+              </a:rPr>
+              <a:t>THỐNG</a:t>
+            </a:r>
+            <a:r>
+              <a:rPr lang="en-US" altLang="en-US" sz="3200" b="1">
                 <a:solidFill>
                   <a:schemeClr val="bg1"/>
                 </a:solidFill>
                 <a:latin typeface="Arial" panose="020B0604020202020204" pitchFamily="34" charset="0"/>
                 <a:cs typeface="Arial" panose="020B0604020202020204" pitchFamily="34" charset="0"/>
-              </a:rPr>
-            </a:br>
-            <a:r>
-              <a:rPr lang="en-US" sz="3200" b="1" smtClean="0">
-                <a:solidFill>
-                  <a:schemeClr val="bg1"/>
-                </a:solidFill>
-                <a:latin typeface="Arial" panose="020B0604020202020204" pitchFamily="34" charset="0"/>
-                <a:cs typeface="Arial" panose="020B0604020202020204" pitchFamily="34" charset="0"/>
-              </a:rPr>
-              <a:t>TRÊN </a:t>
-            </a:r>
-            <a:r>
-              <a:rPr lang="en-US" sz="3200" b="1">
-                <a:solidFill>
-                  <a:schemeClr val="bg1"/>
-                </a:solidFill>
-                <a:latin typeface="Arial" panose="020B0604020202020204" pitchFamily="34" charset="0"/>
-                <a:cs typeface="Arial" panose="020B0604020202020204" pitchFamily="34" charset="0"/>
-              </a:rPr>
-              <a:t>DỮ LIỆU </a:t>
-            </a:r>
-            <a:r>
-              <a:rPr lang="en-US" sz="3200" b="1" smtClean="0">
-                <a:solidFill>
-                  <a:schemeClr val="bg1"/>
-                </a:solidFill>
-                <a:latin typeface="Arial" panose="020B0604020202020204" pitchFamily="34" charset="0"/>
-                <a:cs typeface="Arial" panose="020B0604020202020204" pitchFamily="34" charset="0"/>
-              </a:rPr>
-              <a:t>DBPEDIA</a:t>
+                <a:sym typeface="+mn-ea"/>
+              </a:rPr>
+              <a:t> QUẢN LÝ KHU TRỌ QUẬN CÁI RĂNG</a:t>
             </a:r>
             <a:endParaRPr lang="en-US" sz="3200" b="1">
               <a:solidFill>
@@ -15534,7 +13476,7 @@
               <a:buNone/>
             </a:pPr>
             <a:r>
-              <a:rPr lang="en-US" sz="3200" b="1">
+              <a:rPr lang="en-US" altLang="en-US" sz="3200" b="1" smtClean="0">
                 <a:latin typeface="Arial" panose="020B0604020202020204" pitchFamily="34" charset="0"/>
                 <a:cs typeface="Arial" panose="020B0604020202020204" pitchFamily="34" charset="0"/>
               </a:rPr>
@@ -15548,13 +13490,13 @@
               <a:t>. </a:t>
             </a:r>
             <a:r>
-              <a:rPr lang="en-US" sz="3200" b="1">
+              <a:rPr lang="en-US" altLang="en-US" sz="3200" b="1">
                 <a:latin typeface="Arial" panose="020B0604020202020204" pitchFamily="34" charset="0"/>
                 <a:cs typeface="Arial" panose="020B0604020202020204" pitchFamily="34" charset="0"/>
               </a:rPr>
-              <a:t>Xây dựng ứng dụng tìm kiếm phim</a:t>
-            </a:r>
-            <a:endParaRPr lang="en-US" sz="3200" b="1">
+              <a:t>Demo</a:t>
+            </a:r>
+            <a:endParaRPr lang="en-US" altLang="en-US" sz="3200" b="1">
               <a:latin typeface="Arial" panose="020B0604020202020204" pitchFamily="34" charset="0"/>
               <a:cs typeface="Arial" panose="020B0604020202020204" pitchFamily="34" charset="0"/>
             </a:endParaRPr>
@@ -15610,7 +13552,7 @@
               <a:buAutoNum type="arabicPeriod"/>
             </a:pPr>
             <a:r>
-              <a:rPr lang="vi-VN" sz="1800" b="1">
+              <a:rPr lang="en-US" sz="1800" b="1">
                 <a:solidFill>
                   <a:schemeClr val="bg2">
                     <a:lumMod val="50000"/>
@@ -15619,43 +13561,7 @@
                 <a:latin typeface="Arial" panose="020B0604020202020204" pitchFamily="34" charset="0"/>
                 <a:cs typeface="Arial" panose="020B0604020202020204" pitchFamily="34" charset="0"/>
               </a:rPr>
-              <a:t>Xây dựng ontology schem</a:t>
-            </a:r>
-            <a:r>
-              <a:rPr lang="en-US" sz="1800" b="1">
-                <a:solidFill>
-                  <a:schemeClr val="bg2">
-                    <a:lumMod val="50000"/>
-                  </a:schemeClr>
-                </a:solidFill>
-                <a:latin typeface="Arial" panose="020B0604020202020204" pitchFamily="34" charset="0"/>
-                <a:cs typeface="Arial" panose="020B0604020202020204" pitchFamily="34" charset="0"/>
-              </a:rPr>
-              <a:t>a </a:t>
-            </a:r>
-            <a:r>
-              <a:rPr lang="vi-VN" sz="1800" b="1">
-                <a:solidFill>
-                  <a:schemeClr val="bg2">
-                    <a:lumMod val="50000"/>
-                  </a:schemeClr>
-                </a:solidFill>
-                <a:latin typeface="Arial" panose="020B0604020202020204" pitchFamily="34" charset="0"/>
-                <a:cs typeface="Arial" panose="020B0604020202020204" pitchFamily="34" charset="0"/>
-              </a:rPr>
-              <a:t>(Tbox)</a:t>
-            </a:r>
-            <a:r>
-              <a:rPr lang="en-US" sz="1800" b="1">
-                <a:solidFill>
-                  <a:schemeClr val="bg2">
-                    <a:lumMod val="50000"/>
-                  </a:schemeClr>
-                </a:solidFill>
-                <a:latin typeface="Arial" panose="020B0604020202020204" pitchFamily="34" charset="0"/>
-                <a:cs typeface="Arial" panose="020B0604020202020204" pitchFamily="34" charset="0"/>
-              </a:rPr>
-              <a:t>  </a:t>
+              <a:t>Mô tả hệ thống</a:t>
             </a:r>
             <a:r>
               <a:rPr lang="vi-VN" sz="1800" b="1">
@@ -15693,43 +13599,7 @@
                 <a:latin typeface="Arial" panose="020B0604020202020204" pitchFamily="34" charset="0"/>
                 <a:cs typeface="Arial" panose="020B0604020202020204" pitchFamily="34" charset="0"/>
               </a:rPr>
-              <a:t>I</a:t>
-            </a:r>
-            <a:r>
-              <a:rPr lang="en-US" altLang="en-US" sz="1800" b="1">
-                <a:solidFill>
-                  <a:schemeClr val="bg2">
-                    <a:lumMod val="50000"/>
-                  </a:schemeClr>
-                </a:solidFill>
-                <a:latin typeface="Arial" panose="020B0604020202020204" pitchFamily="34" charset="0"/>
-                <a:cs typeface="Arial" panose="020B0604020202020204" pitchFamily="34" charset="0"/>
-              </a:rPr>
-              <a:t>m</a:t>
-            </a:r>
-            <a:r>
-              <a:rPr lang="en-US" sz="1800" b="1">
-                <a:solidFill>
-                  <a:schemeClr val="bg2">
-                    <a:lumMod val="50000"/>
-                  </a:schemeClr>
-                </a:solidFill>
-                <a:latin typeface="Arial" panose="020B0604020202020204" pitchFamily="34" charset="0"/>
-                <a:cs typeface="Arial" panose="020B0604020202020204" pitchFamily="34" charset="0"/>
-              </a:rPr>
-              <a:t>port KB từ </a:t>
-            </a:r>
-            <a:r>
-              <a:rPr lang="vi-VN" sz="1800" b="1">
-                <a:solidFill>
-                  <a:schemeClr val="bg2">
-                    <a:lumMod val="50000"/>
-                  </a:schemeClr>
-                </a:solidFill>
-                <a:latin typeface="Arial" panose="020B0604020202020204" pitchFamily="34" charset="0"/>
-                <a:cs typeface="Arial" panose="020B0604020202020204" pitchFamily="34" charset="0"/>
-              </a:rPr>
-              <a:t>DBPedia vào Abox</a:t>
+              <a:t>Công nghệ sử dụng</a:t>
             </a:r>
             <a:endParaRPr lang="en-US" sz="1800" b="1">
               <a:solidFill>
@@ -15746,44 +13616,18 @@
               <a:buAutoNum type="arabicPeriod"/>
             </a:pPr>
             <a:r>
-              <a:rPr lang="en-US" sz="1800" b="1">
+              <a:rPr lang="en-US" altLang="en-US" sz="1800" b="1">
                 <a:solidFill>
                   <a:schemeClr val="bg1"/>
                 </a:solidFill>
                 <a:latin typeface="Arial" panose="020B0604020202020204" pitchFamily="34" charset="0"/>
                 <a:cs typeface="Arial" panose="020B0604020202020204" pitchFamily="34" charset="0"/>
               </a:rPr>
-              <a:t>Xây dựng ứng dụng tìm kiếm phim</a:t>
-            </a:r>
-            <a:endParaRPr lang="en-US" sz="1800" b="1">
+              <a:t>Demo</a:t>
+            </a:r>
+            <a:endParaRPr lang="en-US" altLang="en-US" sz="1800" b="1">
               <a:solidFill>
                 <a:schemeClr val="bg1"/>
-              </a:solidFill>
-              <a:latin typeface="Arial" panose="020B0604020202020204" pitchFamily="34" charset="0"/>
-              <a:cs typeface="Arial" panose="020B0604020202020204" pitchFamily="34" charset="0"/>
-            </a:endParaRPr>
-          </a:p>
-          <a:p>
-            <a:pPr marL="342900" indent="-342900">
-              <a:buAutoNum type="arabicPeriod"/>
-            </a:pPr>
-            <a:r>
-              <a:rPr lang="vi-VN" sz="1800" b="1" smtClean="0">
-                <a:solidFill>
-                  <a:schemeClr val="bg2">
-                    <a:lumMod val="50000"/>
-                  </a:schemeClr>
-                </a:solidFill>
-                <a:latin typeface="Arial" panose="020B0604020202020204" pitchFamily="34" charset="0"/>
-                <a:cs typeface="Arial" panose="020B0604020202020204" pitchFamily="34" charset="0"/>
-              </a:rPr>
-              <a:t>Kết luận</a:t>
-            </a:r>
-            <a:endParaRPr lang="vi-VN" sz="1800" b="1">
-              <a:solidFill>
-                <a:schemeClr val="bg2">
-                  <a:lumMod val="50000"/>
-                </a:schemeClr>
               </a:solidFill>
               <a:latin typeface="Arial" panose="020B0604020202020204" pitchFamily="34" charset="0"/>
               <a:cs typeface="Arial" panose="020B0604020202020204" pitchFamily="34" charset="0"/>
@@ -16021,23 +13865,21 @@
       </p:sp>
       <p:pic>
         <p:nvPicPr>
-          <p:cNvPr id="6" name="Picture 5">
-            <a:hlinkClick r:id="rId1"/>
-          </p:cNvPr>
+          <p:cNvPr id="6" name="Picture 5"/>
           <p:cNvPicPr>
             <a:picLocks noChangeAspect="true"/>
           </p:cNvPicPr>
           <p:nvPr/>
         </p:nvPicPr>
         <p:blipFill>
-          <a:blip r:embed="rId2"/>
+          <a:blip r:embed="rId1"/>
           <a:stretch>
             <a:fillRect/>
           </a:stretch>
         </p:blipFill>
         <p:spPr>
           <a:xfrm>
-            <a:off x="3269615" y="2491740"/>
+            <a:off x="3269615" y="2510790"/>
             <a:ext cx="5652770" cy="2644775"/>
           </a:xfrm>
           <a:prstGeom prst="rect">

--- a/Bao cao Nhom.pptx
+++ b/Bao cao Nhom.pptx
@@ -6,7 +6,7 @@
     <p:sldMasterId id="2147483660" r:id="rId3"/>
   </p:sldMasterIdLst>
   <p:notesMasterIdLst>
-    <p:notesMasterId r:id="rId14"/>
+    <p:notesMasterId r:id="rId15"/>
   </p:notesMasterIdLst>
   <p:sldIdLst>
     <p:sldId id="281" r:id="rId4"/>
@@ -16,9 +16,10 @@
     <p:sldId id="305" r:id="rId8"/>
     <p:sldId id="306" r:id="rId9"/>
     <p:sldId id="307" r:id="rId10"/>
-    <p:sldId id="308" r:id="rId11"/>
-    <p:sldId id="301" r:id="rId12"/>
-    <p:sldId id="276" r:id="rId13"/>
+    <p:sldId id="312" r:id="rId11"/>
+    <p:sldId id="311" r:id="rId12"/>
+    <p:sldId id="301" r:id="rId13"/>
+    <p:sldId id="276" r:id="rId14"/>
   </p:sldIdLst>
   <p:sldSz cx="12192000" cy="6858000"/>
   <p:notesSz cx="6858000" cy="9144000"/>
@@ -7273,7 +7274,7 @@
               </a:tabLst>
             </a:pPr>
             <a:r>
-              <a:rPr lang="en-US" b="1" smtClean="0">
+              <a:rPr lang="en-US" b="1">
                 <a:latin typeface="Tahoma" pitchFamily="34" charset="0"/>
                 <a:ea typeface="Tahoma" pitchFamily="34" charset="0"/>
                 <a:cs typeface="Tahoma" pitchFamily="34" charset="0"/>
@@ -7294,31 +7295,7 @@
                 <a:ea typeface="Tahoma" pitchFamily="34" charset="0"/>
                 <a:cs typeface="Tahoma" pitchFamily="34" charset="0"/>
               </a:rPr>
-              <a:t> </a:t>
-            </a:r>
-            <a:r>
-              <a:rPr lang="en-US" b="1" smtClean="0">
-                <a:latin typeface="Tahoma" pitchFamily="34" charset="0"/>
-                <a:ea typeface="Tahoma" pitchFamily="34" charset="0"/>
-                <a:cs typeface="Tahoma" pitchFamily="34" charset="0"/>
-              </a:rPr>
-              <a:t>hiện:</a:t>
-            </a:r>
-            <a:r>
-              <a:rPr lang="en-US" b="1">
-                <a:latin typeface="Tahoma" pitchFamily="34" charset="0"/>
-                <a:ea typeface="Tahoma" pitchFamily="34" charset="0"/>
-                <a:cs typeface="Tahoma" pitchFamily="34" charset="0"/>
-              </a:rPr>
-              <a:t>	</a:t>
-            </a:r>
-            <a:r>
-              <a:rPr lang="en-US" b="1" smtClean="0">
-                <a:latin typeface="Tahoma" pitchFamily="34" charset="0"/>
-                <a:ea typeface="Tahoma" pitchFamily="34" charset="0"/>
-                <a:cs typeface="Tahoma" pitchFamily="34" charset="0"/>
-              </a:rPr>
-              <a:t>	Giảng viên:</a:t>
+              <a:t> hiện:		Giảng viên:</a:t>
             </a:r>
             <a:endParaRPr lang="en-US" b="1">
               <a:latin typeface="Tahoma" pitchFamily="34" charset="0"/>
@@ -7336,20 +7313,12 @@
               </a:tabLst>
             </a:pPr>
             <a:r>
-              <a:rPr lang="en-US" b="1" smtClean="0">
-                <a:latin typeface="Tahoma" pitchFamily="34" charset="0"/>
-                <a:ea typeface="Tahoma" pitchFamily="34" charset="0"/>
-                <a:cs typeface="Tahoma" pitchFamily="34" charset="0"/>
-              </a:rPr>
-              <a:t>     1</a:t>
-            </a:r>
-            <a:r>
               <a:rPr lang="en-US" b="1">
                 <a:latin typeface="Tahoma" pitchFamily="34" charset="0"/>
                 <a:ea typeface="Tahoma" pitchFamily="34" charset="0"/>
                 <a:cs typeface="Tahoma" pitchFamily="34" charset="0"/>
               </a:rPr>
-              <a:t>. </a:t>
+              <a:t>     1.  </a:t>
             </a:r>
             <a:r>
               <a:rPr b="1">
@@ -7366,23 +7335,7 @@
                 <a:ea typeface="Tahoma" pitchFamily="34" charset="0"/>
                 <a:cs typeface="Tahoma" pitchFamily="34" charset="0"/>
               </a:rPr>
-              <a:t>	 </a:t>
-            </a:r>
-            <a:r>
-              <a:rPr lang="en-US" b="1" smtClean="0">
-                <a:latin typeface="Tahoma" pitchFamily="34" charset="0"/>
-                <a:ea typeface="Tahoma" pitchFamily="34" charset="0"/>
-                <a:cs typeface="Tahoma" pitchFamily="34" charset="0"/>
-              </a:rPr>
-              <a:t>   TS</a:t>
-            </a:r>
-            <a:r>
-              <a:rPr lang="en-US" b="1">
-                <a:latin typeface="Tahoma" pitchFamily="34" charset="0"/>
-                <a:ea typeface="Tahoma" pitchFamily="34" charset="0"/>
-                <a:cs typeface="Tahoma" pitchFamily="34" charset="0"/>
-              </a:rPr>
-              <a:t>. </a:t>
+              <a:t>	    TS. </a:t>
             </a:r>
             <a:r>
               <a:rPr lang="en-US" altLang="en-US" b="1">
@@ -7408,7 +7361,7 @@
               </a:tabLst>
             </a:pPr>
             <a:r>
-              <a:rPr lang="en-US" b="1" smtClean="0">
+              <a:rPr lang="en-US" b="1">
                 <a:latin typeface="Tahoma" pitchFamily="34" charset="0"/>
                 <a:ea typeface="Tahoma" pitchFamily="34" charset="0"/>
                 <a:cs typeface="Tahoma" pitchFamily="34" charset="0"/>
@@ -7416,7 +7369,7 @@
               <a:t>     </a:t>
             </a:r>
             <a:r>
-              <a:rPr lang="en-US" altLang="en-US" b="1" smtClean="0">
+              <a:rPr lang="en-US" altLang="en-US" b="1">
                 <a:latin typeface="Tahoma" pitchFamily="34" charset="0"/>
                 <a:ea typeface="Tahoma" pitchFamily="34" charset="0"/>
                 <a:cs typeface="Tahoma" pitchFamily="34" charset="0"/>
@@ -7536,7 +7489,7 @@
               <a:buNone/>
             </a:pPr>
             <a:r>
-              <a:rPr lang="en-US" altLang="en-US" sz="3600" b="1" cap="all" smtClean="0">
+              <a:rPr lang="en-US" altLang="en-US" sz="3600" b="1" cap="all">
                 <a:solidFill>
                   <a:schemeClr val="accent5">
                     <a:lumMod val="75000"/>
@@ -7551,7 +7504,7 @@
               <a:t>Hệ thống quản lý khu trọ Quận Cái Răng</a:t>
             </a:r>
             <a:r>
-              <a:rPr lang="en-US" altLang="en-US" sz="3600" b="1" smtClean="0">
+              <a:rPr lang="en-US" altLang="en-US" sz="3600" b="1">
                 <a:solidFill>
                   <a:schemeClr val="accent5">
                     <a:lumMod val="75000"/>
@@ -7564,7 +7517,7 @@
               </a:rPr>
               <a:t> </a:t>
             </a:r>
-            <a:endParaRPr lang="en-US" altLang="en-US" sz="3600" b="1" smtClean="0">
+            <a:endParaRPr lang="en-US" altLang="en-US" sz="3600" b="1">
               <a:solidFill>
                 <a:schemeClr val="accent5">
                   <a:lumMod val="75000"/>
@@ -7607,17 +7560,532 @@
   <p:clrMapOvr>
     <a:masterClrMapping/>
   </p:clrMapOvr>
-  <p:timing>
-    <p:tnLst>
-      <p:par>
-        <p:cTn id="1" dur="indefinite" restart="never" nodeType="tmRoot"/>
-      </p:par>
-    </p:tnLst>
-  </p:timing>
 </p:sld>
 </file>
 
 <file path=ppt/slides/slide10.xml><?xml version="1.0" encoding="utf-8"?>
+<p:sld xmlns:a="http://schemas.openxmlformats.org/drawingml/2006/main" xmlns:r="http://schemas.openxmlformats.org/officeDocument/2006/relationships" xmlns:p="http://schemas.openxmlformats.org/presentationml/2006/main">
+  <p:cSld>
+    <p:spTree>
+      <p:nvGrpSpPr>
+        <p:cNvPr id="1" name=""/>
+        <p:cNvGrpSpPr/>
+        <p:nvPr/>
+      </p:nvGrpSpPr>
+      <p:grpSpPr>
+        <a:xfrm>
+          <a:off x="0" y="0"/>
+          <a:ext cx="0" cy="0"/>
+          <a:chOff x="0" y="0"/>
+          <a:chExt cx="0" cy="0"/>
+        </a:xfrm>
+      </p:grpSpPr>
+      <p:sp>
+        <p:nvSpPr>
+          <p:cNvPr id="2" name="Title 1"/>
+          <p:cNvSpPr>
+            <a:spLocks noGrp="true"/>
+          </p:cNvSpPr>
+          <p:nvPr>
+            <p:ph type="title"/>
+          </p:nvPr>
+        </p:nvSpPr>
+        <p:spPr>
+          <a:xfrm>
+            <a:off x="-1" y="1"/>
+            <a:ext cx="7467601" cy="1167318"/>
+          </a:xfrm>
+          <a:solidFill>
+            <a:schemeClr val="accent5"/>
+          </a:solidFill>
+        </p:spPr>
+        <p:txBody>
+          <a:bodyPr>
+            <a:normAutofit/>
+          </a:bodyPr>
+          <a:lstStyle/>
+          <a:p>
+            <a:pPr algn="ctr">
+              <a:lnSpc>
+                <a:spcPct val="100000"/>
+              </a:lnSpc>
+            </a:pPr>
+            <a:r>
+              <a:rPr lang="en-US" sz="3200" b="1">
+                <a:solidFill>
+                  <a:schemeClr val="bg1"/>
+                </a:solidFill>
+                <a:latin typeface="Arial" panose="020B0604020202020204" pitchFamily="34" charset="0"/>
+                <a:cs typeface="Arial" panose="020B0604020202020204" pitchFamily="34" charset="0"/>
+                <a:sym typeface="+mn-ea"/>
+              </a:rPr>
+              <a:t>HỆ THỐNG</a:t>
+            </a:r>
+            <a:r>
+              <a:rPr lang="en-US" altLang="en-US" sz="3200" b="1">
+                <a:solidFill>
+                  <a:schemeClr val="bg1"/>
+                </a:solidFill>
+                <a:latin typeface="Arial" panose="020B0604020202020204" pitchFamily="34" charset="0"/>
+                <a:cs typeface="Arial" panose="020B0604020202020204" pitchFamily="34" charset="0"/>
+                <a:sym typeface="+mn-ea"/>
+              </a:rPr>
+              <a:t> QUẢN LÝ KHU TRỌ QUẬN CÁI RĂNG</a:t>
+            </a:r>
+            <a:endParaRPr lang="en-US" sz="3200" b="1">
+              <a:solidFill>
+                <a:schemeClr val="bg1"/>
+              </a:solidFill>
+              <a:latin typeface="Arial" panose="020B0604020202020204" pitchFamily="34" charset="0"/>
+              <a:cs typeface="Arial" panose="020B0604020202020204" pitchFamily="34" charset="0"/>
+            </a:endParaRPr>
+          </a:p>
+        </p:txBody>
+      </p:sp>
+      <p:sp>
+        <p:nvSpPr>
+          <p:cNvPr id="3" name="Content Placeholder 2"/>
+          <p:cNvSpPr>
+            <a:spLocks noGrp="true"/>
+          </p:cNvSpPr>
+          <p:nvPr>
+            <p:ph idx="1"/>
+          </p:nvPr>
+        </p:nvSpPr>
+        <p:spPr>
+          <a:xfrm>
+            <a:off x="0" y="1440611"/>
+            <a:ext cx="12192000" cy="622293"/>
+          </a:xfrm>
+        </p:spPr>
+        <p:txBody>
+          <a:bodyPr/>
+          <a:lstStyle/>
+          <a:p>
+            <a:pPr marL="457200" lvl="1" indent="0">
+              <a:buNone/>
+            </a:pPr>
+            <a:r>
+              <a:rPr lang="en-US" altLang="en-US" sz="3200" b="1">
+                <a:latin typeface="Arial" panose="020B0604020202020204" pitchFamily="34" charset="0"/>
+                <a:cs typeface="Arial" panose="020B0604020202020204" pitchFamily="34" charset="0"/>
+              </a:rPr>
+              <a:t>3</a:t>
+            </a:r>
+            <a:r>
+              <a:rPr lang="en-US" sz="3200" b="1">
+                <a:latin typeface="Arial" panose="020B0604020202020204" pitchFamily="34" charset="0"/>
+                <a:cs typeface="Arial" panose="020B0604020202020204" pitchFamily="34" charset="0"/>
+              </a:rPr>
+              <a:t>. </a:t>
+            </a:r>
+            <a:r>
+              <a:rPr lang="en-US" altLang="en-US" sz="3200" b="1">
+                <a:latin typeface="Arial" panose="020B0604020202020204" pitchFamily="34" charset="0"/>
+                <a:cs typeface="Arial" panose="020B0604020202020204" pitchFamily="34" charset="0"/>
+              </a:rPr>
+              <a:t>Demo</a:t>
+            </a:r>
+            <a:endParaRPr lang="en-US" altLang="en-US" sz="3200" b="1">
+              <a:latin typeface="Arial" panose="020B0604020202020204" pitchFamily="34" charset="0"/>
+              <a:cs typeface="Arial" panose="020B0604020202020204" pitchFamily="34" charset="0"/>
+            </a:endParaRPr>
+          </a:p>
+        </p:txBody>
+      </p:sp>
+      <p:sp>
+        <p:nvSpPr>
+          <p:cNvPr id="7" name="Title 1"/>
+          <p:cNvSpPr txBox="true"/>
+          <p:nvPr/>
+        </p:nvSpPr>
+        <p:spPr>
+          <a:xfrm>
+            <a:off x="7467600" y="0"/>
+            <a:ext cx="4724400" cy="1167318"/>
+          </a:xfrm>
+          <a:prstGeom prst="rect">
+            <a:avLst/>
+          </a:prstGeom>
+          <a:solidFill>
+            <a:schemeClr val="tx1">
+              <a:lumMod val="95000"/>
+              <a:lumOff val="5000"/>
+            </a:schemeClr>
+          </a:solidFill>
+        </p:spPr>
+        <p:txBody>
+          <a:bodyPr vert="horz" lIns="91440" tIns="45720" rIns="91440" bIns="45720" rtlCol="0" anchor="ctr">
+            <a:normAutofit/>
+          </a:bodyPr>
+          <a:lstStyle>
+            <a:lvl1pPr algn="l" defTabSz="914400" rtl="0" eaLnBrk="1" latinLnBrk="0" hangingPunct="1">
+              <a:lnSpc>
+                <a:spcPct val="90000"/>
+              </a:lnSpc>
+              <a:spcBef>
+                <a:spcPct val="0"/>
+              </a:spcBef>
+              <a:buNone/>
+              <a:defRPr sz="4400" kern="1200">
+                <a:solidFill>
+                  <a:schemeClr val="tx1"/>
+                </a:solidFill>
+                <a:latin typeface="+mj-lt"/>
+                <a:ea typeface="+mj-ea"/>
+                <a:cs typeface="+mj-cs"/>
+              </a:defRPr>
+            </a:lvl1pPr>
+          </a:lstStyle>
+          <a:p>
+            <a:pPr marL="342900" indent="-342900">
+              <a:buAutoNum type="arabicPeriod"/>
+            </a:pPr>
+            <a:r>
+              <a:rPr lang="en-US" sz="1800" b="1">
+                <a:solidFill>
+                  <a:schemeClr val="bg2">
+                    <a:lumMod val="50000"/>
+                  </a:schemeClr>
+                </a:solidFill>
+                <a:latin typeface="Arial" panose="020B0604020202020204" pitchFamily="34" charset="0"/>
+                <a:cs typeface="Arial" panose="020B0604020202020204" pitchFamily="34" charset="0"/>
+              </a:rPr>
+              <a:t>Mô tả hệ thống</a:t>
+            </a:r>
+            <a:r>
+              <a:rPr lang="vi-VN" sz="1800" b="1">
+                <a:solidFill>
+                  <a:schemeClr val="bg2">
+                    <a:lumMod val="50000"/>
+                  </a:schemeClr>
+                </a:solidFill>
+                <a:latin typeface="Arial" panose="020B0604020202020204" pitchFamily="34" charset="0"/>
+                <a:cs typeface="Arial" panose="020B0604020202020204" pitchFamily="34" charset="0"/>
+              </a:rPr>
+              <a:t> </a:t>
+            </a:r>
+            <a:endParaRPr lang="en-US" sz="1800" b="1">
+              <a:solidFill>
+                <a:schemeClr val="bg2">
+                  <a:lumMod val="50000"/>
+                </a:schemeClr>
+              </a:solidFill>
+              <a:latin typeface="Arial" panose="020B0604020202020204" pitchFamily="34" charset="0"/>
+              <a:cs typeface="Arial" panose="020B0604020202020204" pitchFamily="34" charset="0"/>
+            </a:endParaRPr>
+          </a:p>
+          <a:p>
+            <a:pPr marL="342900" indent="-342900">
+              <a:buAutoNum type="arabicPeriod"/>
+            </a:pPr>
+            <a:r>
+              <a:rPr lang="en-US" sz="1800" b="1">
+                <a:solidFill>
+                  <a:schemeClr val="bg2">
+                    <a:lumMod val="50000"/>
+                  </a:schemeClr>
+                </a:solidFill>
+                <a:latin typeface="Arial" panose="020B0604020202020204" pitchFamily="34" charset="0"/>
+                <a:cs typeface="Arial" panose="020B0604020202020204" pitchFamily="34" charset="0"/>
+              </a:rPr>
+              <a:t>Công nghệ sử dụng</a:t>
+            </a:r>
+            <a:endParaRPr lang="en-US" sz="1800" b="1">
+              <a:solidFill>
+                <a:schemeClr val="bg2">
+                  <a:lumMod val="50000"/>
+                </a:schemeClr>
+              </a:solidFill>
+              <a:latin typeface="Arial" panose="020B0604020202020204" pitchFamily="34" charset="0"/>
+              <a:cs typeface="Arial" panose="020B0604020202020204" pitchFamily="34" charset="0"/>
+            </a:endParaRPr>
+          </a:p>
+          <a:p>
+            <a:pPr marL="342900" indent="-342900">
+              <a:buAutoNum type="arabicPeriod"/>
+            </a:pPr>
+            <a:r>
+              <a:rPr lang="en-US" altLang="en-US" sz="1800" b="1">
+                <a:solidFill>
+                  <a:schemeClr val="bg1"/>
+                </a:solidFill>
+                <a:latin typeface="Arial" panose="020B0604020202020204" pitchFamily="34" charset="0"/>
+                <a:cs typeface="Arial" panose="020B0604020202020204" pitchFamily="34" charset="0"/>
+              </a:rPr>
+              <a:t>Demo</a:t>
+            </a:r>
+            <a:endParaRPr lang="en-US" altLang="en-US" sz="1800" b="1">
+              <a:solidFill>
+                <a:schemeClr val="bg1"/>
+              </a:solidFill>
+              <a:latin typeface="Arial" panose="020B0604020202020204" pitchFamily="34" charset="0"/>
+              <a:cs typeface="Arial" panose="020B0604020202020204" pitchFamily="34" charset="0"/>
+            </a:endParaRPr>
+          </a:p>
+        </p:txBody>
+      </p:sp>
+      <p:sp>
+        <p:nvSpPr>
+          <p:cNvPr id="8" name="Content Placeholder 2"/>
+          <p:cNvSpPr txBox="true"/>
+          <p:nvPr/>
+        </p:nvSpPr>
+        <p:spPr>
+          <a:xfrm>
+            <a:off x="0" y="2395643"/>
+            <a:ext cx="12192000" cy="3810604"/>
+          </a:xfrm>
+          <a:prstGeom prst="rect">
+            <a:avLst/>
+          </a:prstGeom>
+        </p:spPr>
+        <p:txBody>
+          <a:bodyPr vert="horz" lIns="91440" tIns="45720" rIns="91440" bIns="45720" rtlCol="0">
+            <a:noAutofit/>
+          </a:bodyPr>
+          <a:lstStyle>
+            <a:lvl1pPr marL="228600" indent="-228600" algn="l" defTabSz="914400" rtl="0" eaLnBrk="1" latinLnBrk="0" hangingPunct="1">
+              <a:lnSpc>
+                <a:spcPct val="90000"/>
+              </a:lnSpc>
+              <a:spcBef>
+                <a:spcPts val="1000"/>
+              </a:spcBef>
+              <a:buFont typeface="Arial" panose="020B0604020202020204" pitchFamily="34" charset="0"/>
+              <a:buChar char="•"/>
+              <a:defRPr sz="2800" kern="1200">
+                <a:solidFill>
+                  <a:schemeClr val="tx1"/>
+                </a:solidFill>
+                <a:latin typeface="+mn-lt"/>
+                <a:ea typeface="+mn-ea"/>
+                <a:cs typeface="+mn-cs"/>
+              </a:defRPr>
+            </a:lvl1pPr>
+            <a:lvl2pPr marL="685800" indent="-228600" algn="l" defTabSz="914400" rtl="0" eaLnBrk="1" latinLnBrk="0" hangingPunct="1">
+              <a:lnSpc>
+                <a:spcPct val="90000"/>
+              </a:lnSpc>
+              <a:spcBef>
+                <a:spcPts val="500"/>
+              </a:spcBef>
+              <a:buFont typeface="Arial" panose="020B0604020202020204" pitchFamily="34" charset="0"/>
+              <a:buChar char="•"/>
+              <a:defRPr sz="2400" kern="1200">
+                <a:solidFill>
+                  <a:schemeClr val="tx1"/>
+                </a:solidFill>
+                <a:latin typeface="+mn-lt"/>
+                <a:ea typeface="+mn-ea"/>
+                <a:cs typeface="+mn-cs"/>
+              </a:defRPr>
+            </a:lvl2pPr>
+            <a:lvl3pPr marL="1143000" indent="-228600" algn="l" defTabSz="914400" rtl="0" eaLnBrk="1" latinLnBrk="0" hangingPunct="1">
+              <a:lnSpc>
+                <a:spcPct val="90000"/>
+              </a:lnSpc>
+              <a:spcBef>
+                <a:spcPts val="500"/>
+              </a:spcBef>
+              <a:buFont typeface="Arial" panose="020B0604020202020204" pitchFamily="34" charset="0"/>
+              <a:buChar char="•"/>
+              <a:defRPr sz="2000" kern="1200">
+                <a:solidFill>
+                  <a:schemeClr val="tx1"/>
+                </a:solidFill>
+                <a:latin typeface="+mn-lt"/>
+                <a:ea typeface="+mn-ea"/>
+                <a:cs typeface="+mn-cs"/>
+              </a:defRPr>
+            </a:lvl3pPr>
+            <a:lvl4pPr marL="1600200" indent="-228600" algn="l" defTabSz="914400" rtl="0" eaLnBrk="1" latinLnBrk="0" hangingPunct="1">
+              <a:lnSpc>
+                <a:spcPct val="90000"/>
+              </a:lnSpc>
+              <a:spcBef>
+                <a:spcPts val="500"/>
+              </a:spcBef>
+              <a:buFont typeface="Arial" panose="020B0604020202020204" pitchFamily="34" charset="0"/>
+              <a:buChar char="•"/>
+              <a:defRPr sz="1800" kern="1200">
+                <a:solidFill>
+                  <a:schemeClr val="tx1"/>
+                </a:solidFill>
+                <a:latin typeface="+mn-lt"/>
+                <a:ea typeface="+mn-ea"/>
+                <a:cs typeface="+mn-cs"/>
+              </a:defRPr>
+            </a:lvl4pPr>
+            <a:lvl5pPr marL="2057400" indent="-228600" algn="l" defTabSz="914400" rtl="0" eaLnBrk="1" latinLnBrk="0" hangingPunct="1">
+              <a:lnSpc>
+                <a:spcPct val="90000"/>
+              </a:lnSpc>
+              <a:spcBef>
+                <a:spcPts val="500"/>
+              </a:spcBef>
+              <a:buFont typeface="Arial" panose="020B0604020202020204" pitchFamily="34" charset="0"/>
+              <a:buChar char="•"/>
+              <a:defRPr sz="1800" kern="1200">
+                <a:solidFill>
+                  <a:schemeClr val="tx1"/>
+                </a:solidFill>
+                <a:latin typeface="+mn-lt"/>
+                <a:ea typeface="+mn-ea"/>
+                <a:cs typeface="+mn-cs"/>
+              </a:defRPr>
+            </a:lvl5pPr>
+            <a:lvl6pPr marL="2514600" indent="-228600" algn="l" defTabSz="914400" rtl="0" eaLnBrk="1" latinLnBrk="0" hangingPunct="1">
+              <a:lnSpc>
+                <a:spcPct val="90000"/>
+              </a:lnSpc>
+              <a:spcBef>
+                <a:spcPts val="500"/>
+              </a:spcBef>
+              <a:buFont typeface="Arial" panose="020B0604020202020204" pitchFamily="34" charset="0"/>
+              <a:buChar char="•"/>
+              <a:defRPr sz="1800" kern="1200">
+                <a:solidFill>
+                  <a:schemeClr val="tx1"/>
+                </a:solidFill>
+                <a:latin typeface="+mn-lt"/>
+                <a:ea typeface="+mn-ea"/>
+                <a:cs typeface="+mn-cs"/>
+              </a:defRPr>
+            </a:lvl6pPr>
+            <a:lvl7pPr marL="2971800" indent="-228600" algn="l" defTabSz="914400" rtl="0" eaLnBrk="1" latinLnBrk="0" hangingPunct="1">
+              <a:lnSpc>
+                <a:spcPct val="90000"/>
+              </a:lnSpc>
+              <a:spcBef>
+                <a:spcPts val="500"/>
+              </a:spcBef>
+              <a:buFont typeface="Arial" panose="020B0604020202020204" pitchFamily="34" charset="0"/>
+              <a:buChar char="•"/>
+              <a:defRPr sz="1800" kern="1200">
+                <a:solidFill>
+                  <a:schemeClr val="tx1"/>
+                </a:solidFill>
+                <a:latin typeface="+mn-lt"/>
+                <a:ea typeface="+mn-ea"/>
+                <a:cs typeface="+mn-cs"/>
+              </a:defRPr>
+            </a:lvl7pPr>
+            <a:lvl8pPr marL="3429000" indent="-228600" algn="l" defTabSz="914400" rtl="0" eaLnBrk="1" latinLnBrk="0" hangingPunct="1">
+              <a:lnSpc>
+                <a:spcPct val="90000"/>
+              </a:lnSpc>
+              <a:spcBef>
+                <a:spcPts val="500"/>
+              </a:spcBef>
+              <a:buFont typeface="Arial" panose="020B0604020202020204" pitchFamily="34" charset="0"/>
+              <a:buChar char="•"/>
+              <a:defRPr sz="1800" kern="1200">
+                <a:solidFill>
+                  <a:schemeClr val="tx1"/>
+                </a:solidFill>
+                <a:latin typeface="+mn-lt"/>
+                <a:ea typeface="+mn-ea"/>
+                <a:cs typeface="+mn-cs"/>
+              </a:defRPr>
+            </a:lvl8pPr>
+            <a:lvl9pPr marL="3886200" indent="-228600" algn="l" defTabSz="914400" rtl="0" eaLnBrk="1" latinLnBrk="0" hangingPunct="1">
+              <a:lnSpc>
+                <a:spcPct val="90000"/>
+              </a:lnSpc>
+              <a:spcBef>
+                <a:spcPts val="500"/>
+              </a:spcBef>
+              <a:buFont typeface="Arial" panose="020B0604020202020204" pitchFamily="34" charset="0"/>
+              <a:buChar char="•"/>
+              <a:defRPr sz="1800" kern="1200">
+                <a:solidFill>
+                  <a:schemeClr val="tx1"/>
+                </a:solidFill>
+                <a:latin typeface="+mn-lt"/>
+                <a:ea typeface="+mn-ea"/>
+                <a:cs typeface="+mn-cs"/>
+              </a:defRPr>
+            </a:lvl9pPr>
+          </a:lstStyle>
+          <a:p>
+            <a:pPr marL="0" indent="0" algn="just">
+              <a:lnSpc>
+                <a:spcPct val="200000"/>
+              </a:lnSpc>
+              <a:buFont typeface="Arial" panose="020B0604020202020204" pitchFamily="34" charset="0"/>
+              <a:buNone/>
+            </a:pPr>
+            <a:r>
+              <a:rPr lang="en-US" sz="3000"/>
+              <a:t>	</a:t>
+            </a:r>
+            <a:endParaRPr lang="en-US" sz="3000">
+              <a:latin typeface="Arial" panose="020B0604020202020204" pitchFamily="34" charset="0"/>
+              <a:cs typeface="Arial" panose="020B0604020202020204" pitchFamily="34" charset="0"/>
+            </a:endParaRPr>
+          </a:p>
+        </p:txBody>
+      </p:sp>
+      <p:sp>
+        <p:nvSpPr>
+          <p:cNvPr id="4" name="Slide Number Placeholder 3"/>
+          <p:cNvSpPr>
+            <a:spLocks noGrp="true"/>
+          </p:cNvSpPr>
+          <p:nvPr>
+            <p:ph type="sldNum" sz="quarter" idx="12"/>
+          </p:nvPr>
+        </p:nvSpPr>
+        <p:spPr/>
+        <p:txBody>
+          <a:bodyPr/>
+          <a:lstStyle/>
+          <a:p>
+            <a:fld id="{1F57CBCC-0EFC-4EA7-A71B-8F9B02880562}" type="slidenum">
+              <a:rPr lang="en-US" sz="1400" smtClean="0">
+                <a:latin typeface="Arial (Body)"/>
+              </a:rPr>
+            </a:fld>
+            <a:endParaRPr lang="en-US" sz="1400">
+              <a:latin typeface="Arial (Body)"/>
+            </a:endParaRPr>
+          </a:p>
+        </p:txBody>
+      </p:sp>
+      <p:pic>
+        <p:nvPicPr>
+          <p:cNvPr id="6" name="Picture 5"/>
+          <p:cNvPicPr>
+            <a:picLocks noChangeAspect="true"/>
+          </p:cNvPicPr>
+          <p:nvPr/>
+        </p:nvPicPr>
+        <p:blipFill>
+          <a:blip r:embed="rId1"/>
+          <a:stretch>
+            <a:fillRect/>
+          </a:stretch>
+        </p:blipFill>
+        <p:spPr>
+          <a:xfrm>
+            <a:off x="3269615" y="2510790"/>
+            <a:ext cx="5652770" cy="2644775"/>
+          </a:xfrm>
+          <a:prstGeom prst="rect">
+            <a:avLst/>
+          </a:prstGeom>
+        </p:spPr>
+      </p:pic>
+    </p:spTree>
+  </p:cSld>
+  <p:clrMapOvr>
+    <a:masterClrMapping/>
+  </p:clrMapOvr>
+</p:sld>
+</file>
+
+<file path=ppt/slides/slide11.xml><?xml version="1.0" encoding="utf-8"?>
 <p:sld xmlns:a="http://schemas.openxmlformats.org/drawingml/2006/main" xmlns:r="http://schemas.openxmlformats.org/officeDocument/2006/relationships" xmlns:p="http://schemas.openxmlformats.org/presentationml/2006/main">
   <p:cSld>
     <p:spTree>
@@ -7839,13 +8307,7 @@
               <a:rPr lang="en-US" sz="4400" b="1">
                 <a:latin typeface="Arial (Body)"/>
               </a:rPr>
-              <a:t> </a:t>
-            </a:r>
-            <a:r>
-              <a:rPr lang="en-US" sz="4400" b="1" smtClean="0">
-                <a:latin typeface="Arial (Body)"/>
-              </a:rPr>
-              <a:t>dõi !</a:t>
+              <a:t> dõi !</a:t>
             </a:r>
             <a:endParaRPr lang="en-US" sz="5400" b="1">
               <a:latin typeface="Arial (Body)"/>
@@ -7859,13 +8321,6 @@
   <p:clrMapOvr>
     <a:masterClrMapping/>
   </p:clrMapOvr>
-  <p:timing>
-    <p:tnLst>
-      <p:par>
-        <p:cTn id="1" dur="indefinite" restart="never" nodeType="tmRoot"/>
-      </p:par>
-    </p:tnLst>
-  </p:timing>
 </p:sld>
 </file>
 
@@ -7968,13 +8423,13 @@
               <a:t>1. </a:t>
             </a:r>
             <a:r>
-              <a:rPr lang="en-US" altLang="en-US" sz="3200" smtClean="0">
+              <a:rPr lang="en-US" altLang="en-US" sz="3200">
                 <a:latin typeface="Arial" panose="020B0604020202020204" pitchFamily="34" charset="0"/>
                 <a:cs typeface="Arial" panose="020B0604020202020204" pitchFamily="34" charset="0"/>
               </a:rPr>
               <a:t>Mô tả hệ thống</a:t>
             </a:r>
-            <a:endParaRPr lang="en-US" altLang="en-US" sz="3200" smtClean="0">
+            <a:endParaRPr lang="en-US" altLang="en-US" sz="3200">
               <a:latin typeface="Arial" panose="020B0604020202020204" pitchFamily="34" charset="0"/>
               <a:cs typeface="Arial" panose="020B0604020202020204" pitchFamily="34" charset="0"/>
             </a:endParaRPr>
@@ -8436,13 +8891,6 @@
   <p:clrMapOvr>
     <a:masterClrMapping/>
   </p:clrMapOvr>
-  <p:timing>
-    <p:tnLst>
-      <p:par>
-        <p:cTn id="1" dur="indefinite" restart="never" nodeType="tmRoot"/>
-      </p:par>
-    </p:tnLst>
-  </p:timing>
 </p:sld>
 </file>
 
@@ -8494,24 +8942,14 @@
               </a:lnSpc>
             </a:pPr>
             <a:r>
-              <a:rPr lang="en-US" sz="3200" b="1" smtClean="0">
+              <a:rPr lang="en-US" sz="3200" b="1">
                 <a:solidFill>
                   <a:schemeClr val="bg1"/>
                 </a:solidFill>
                 <a:latin typeface="Arial" panose="020B0604020202020204" pitchFamily="34" charset="0"/>
                 <a:cs typeface="Arial" panose="020B0604020202020204" pitchFamily="34" charset="0"/>
               </a:rPr>
-              <a:t>HỆ </a:t>
-            </a:r>
-            <a:r>
-              <a:rPr lang="en-US" sz="3200" b="1">
-                <a:solidFill>
-                  <a:schemeClr val="bg1"/>
-                </a:solidFill>
-                <a:latin typeface="Arial" panose="020B0604020202020204" pitchFamily="34" charset="0"/>
-                <a:cs typeface="Arial" panose="020B0604020202020204" pitchFamily="34" charset="0"/>
-              </a:rPr>
-              <a:t>THỐNG</a:t>
+              <a:t>HỆ THỐNG</a:t>
             </a:r>
             <a:r>
               <a:rPr lang="en-US" altLang="en-US" sz="3200" b="1">
@@ -8557,18 +8995,11 @@
               <a:buNone/>
             </a:pPr>
             <a:r>
-              <a:rPr lang="en-US" sz="3200" b="1" smtClean="0">
-                <a:latin typeface="Arial" panose="020B0604020202020204" pitchFamily="34" charset="0"/>
-                <a:cs typeface="Arial" panose="020B0604020202020204" pitchFamily="34" charset="0"/>
-              </a:rPr>
-              <a:t>1</a:t>
-            </a:r>
-            <a:r>
               <a:rPr lang="en-US" sz="3200" b="1">
                 <a:latin typeface="Arial" panose="020B0604020202020204" pitchFamily="34" charset="0"/>
                 <a:cs typeface="Arial" panose="020B0604020202020204" pitchFamily="34" charset="0"/>
               </a:rPr>
-              <a:t>. </a:t>
+              <a:t>1. </a:t>
             </a:r>
             <a:r>
               <a:rPr lang="en-US" altLang="en-US" sz="3200" b="1">
@@ -9136,48 +9567,27 @@
               <a:buChar char="-"/>
             </a:pPr>
             <a:r>
-              <a:rPr lang="en-US" altLang="en-US" sz="2400" smtClean="0">
+              <a:rPr lang="en-US" altLang="en-US" sz="2400">
                 <a:latin typeface="Arial" panose="020B0604020202020204" pitchFamily="34" charset="0"/>
                 <a:cs typeface="Arial" panose="020B0604020202020204" pitchFamily="34" charset="0"/>
               </a:rPr>
-              <a:t>Hệ thống quản lý khu trọ quận Cái Răng là một hệ thống thông tin địa lý</a:t>
-            </a:r>
-            <a:r>
-              <a:rPr lang="" altLang="en-US" sz="2400" smtClean="0">
+              <a:t>Hệ thống quản lý khu trọ quận Cái Răng là một hệ thống thông tin địa lý </a:t>
+            </a:r>
+            <a:r>
+              <a:rPr lang="en-US" sz="2400">
                 <a:latin typeface="Arial" panose="020B0604020202020204" pitchFamily="34" charset="0"/>
                 <a:cs typeface="Arial" panose="020B0604020202020204" pitchFamily="34" charset="0"/>
               </a:rPr>
-              <a:t> </a:t>
-            </a:r>
-            <a:r>
-              <a:rPr lang="" sz="2400" smtClean="0">
+              <a:t>gồm</a:t>
+            </a:r>
+            <a:r>
+              <a:rPr lang="en-US" altLang="en-US" sz="2400">
                 <a:latin typeface="Arial" panose="020B0604020202020204" pitchFamily="34" charset="0"/>
                 <a:cs typeface="Arial" panose="020B0604020202020204" pitchFamily="34" charset="0"/>
               </a:rPr>
-              <a:t>gồm</a:t>
-            </a:r>
-            <a:r>
-              <a:rPr lang="en-US" altLang="en-US" sz="2400" smtClean="0">
-                <a:latin typeface="Arial" panose="020B0604020202020204" pitchFamily="34" charset="0"/>
-                <a:cs typeface="Arial" panose="020B0604020202020204" pitchFamily="34" charset="0"/>
-              </a:rPr>
-              <a:t> các chứ năng</a:t>
-            </a:r>
-            <a:r>
-              <a:rPr lang="" altLang="en-US" sz="2400" smtClean="0">
-                <a:latin typeface="Arial" panose="020B0604020202020204" pitchFamily="34" charset="0"/>
-                <a:cs typeface="Arial" panose="020B0604020202020204" pitchFamily="34" charset="0"/>
-              </a:rPr>
-              <a:t> </a:t>
-            </a:r>
-            <a:r>
-              <a:rPr lang="en-US" altLang="en-US" sz="2400" smtClean="0">
-                <a:latin typeface="Arial" panose="020B0604020202020204" pitchFamily="34" charset="0"/>
-                <a:cs typeface="Arial" panose="020B0604020202020204" pitchFamily="34" charset="0"/>
-              </a:rPr>
-              <a:t>phục vụ quản lý thông tin các khu trọ trên địa bàn quận Cái Răng, Thành Phố Cần Thơ.</a:t>
-            </a:r>
-            <a:endParaRPr lang="en-US" altLang="en-US" sz="2400" smtClean="0">
+              <a:t> các chức năng phục vụ quản lý thông tin các khu trọ trên địa bàn quận Cái Răng, Thành Phố Cần Thơ.</a:t>
+            </a:r>
+            <a:endParaRPr lang="en-US" altLang="en-US" sz="2400">
               <a:latin typeface="Arial" panose="020B0604020202020204" pitchFamily="34" charset="0"/>
               <a:cs typeface="Arial" panose="020B0604020202020204" pitchFamily="34" charset="0"/>
             </a:endParaRPr>
@@ -9197,13 +9607,13 @@
               <a:buChar char="-"/>
             </a:pPr>
             <a:r>
-              <a:rPr lang="en-US" altLang="en-US" sz="2400" smtClean="0">
+              <a:rPr lang="en-US" altLang="en-US" sz="2400">
                 <a:latin typeface="Arial" panose="020B0604020202020204" pitchFamily="34" charset="0"/>
                 <a:cs typeface="Arial" panose="020B0604020202020204" pitchFamily="34" charset="0"/>
               </a:rPr>
               <a:t>Các chức năng đã xây dựng gồm 4 phân hệ: Bản đồ, khu trọ, loại phòng, tài khoản.</a:t>
             </a:r>
-            <a:endParaRPr lang="en-US" altLang="en-US" sz="2400" smtClean="0">
+            <a:endParaRPr lang="en-US" altLang="en-US" sz="2400">
               <a:latin typeface="Arial" panose="020B0604020202020204" pitchFamily="34" charset="0"/>
               <a:cs typeface="Arial" panose="020B0604020202020204" pitchFamily="34" charset="0"/>
             </a:endParaRPr>
@@ -9215,13 +9625,6 @@
   <p:clrMapOvr>
     <a:masterClrMapping/>
   </p:clrMapOvr>
-  <p:timing>
-    <p:tnLst>
-      <p:par>
-        <p:cTn id="1" dur="indefinite" restart="never" nodeType="tmRoot"/>
-      </p:par>
-    </p:tnLst>
-  </p:timing>
 </p:sld>
 </file>
 
@@ -9273,24 +9676,14 @@
               </a:lnSpc>
             </a:pPr>
             <a:r>
-              <a:rPr lang="en-US" sz="3200" b="1" smtClean="0">
+              <a:rPr lang="en-US" sz="3200" b="1">
                 <a:solidFill>
                   <a:schemeClr val="bg1"/>
                 </a:solidFill>
                 <a:latin typeface="Arial" panose="020B0604020202020204" pitchFamily="34" charset="0"/>
                 <a:cs typeface="Arial" panose="020B0604020202020204" pitchFamily="34" charset="0"/>
               </a:rPr>
-              <a:t>HỆ </a:t>
-            </a:r>
-            <a:r>
-              <a:rPr lang="en-US" sz="3200" b="1">
-                <a:solidFill>
-                  <a:schemeClr val="bg1"/>
-                </a:solidFill>
-                <a:latin typeface="Arial" panose="020B0604020202020204" pitchFamily="34" charset="0"/>
-                <a:cs typeface="Arial" panose="020B0604020202020204" pitchFamily="34" charset="0"/>
-              </a:rPr>
-              <a:t>THỐNG</a:t>
+              <a:t>HỆ THỐNG</a:t>
             </a:r>
             <a:r>
               <a:rPr lang="en-US" altLang="en-US" sz="3200" b="1">
@@ -9336,18 +9729,11 @@
               <a:buNone/>
             </a:pPr>
             <a:r>
-              <a:rPr lang="en-US" sz="3200" b="1" smtClean="0">
-                <a:latin typeface="Arial" panose="020B0604020202020204" pitchFamily="34" charset="0"/>
-                <a:cs typeface="Arial" panose="020B0604020202020204" pitchFamily="34" charset="0"/>
-              </a:rPr>
-              <a:t>1</a:t>
-            </a:r>
-            <a:r>
               <a:rPr lang="en-US" sz="3200" b="1">
                 <a:latin typeface="Arial" panose="020B0604020202020204" pitchFamily="34" charset="0"/>
                 <a:cs typeface="Arial" panose="020B0604020202020204" pitchFamily="34" charset="0"/>
               </a:rPr>
-              <a:t>. </a:t>
+              <a:t>1. </a:t>
             </a:r>
             <a:r>
               <a:rPr lang="en-US" altLang="en-US" sz="3200" b="1">
@@ -9726,7 +10112,7 @@
         <p:spPr>
           <a:xfrm>
             <a:off x="443865" y="2111375"/>
-            <a:ext cx="5151120" cy="4095115"/>
+            <a:ext cx="4973320" cy="4095115"/>
           </a:xfrm>
           <a:prstGeom prst="rect">
             <a:avLst/>
@@ -9915,20 +10301,13 @@
               <a:buNone/>
             </a:pPr>
             <a:r>
-              <a:rPr lang="" altLang="en-US" sz="2400" b="1" smtClean="0">
+              <a:rPr lang="en-US" altLang="en-US" sz="2400" b="1">
                 <a:latin typeface="Arial" panose="020B0604020202020204" pitchFamily="34" charset="0"/>
                 <a:cs typeface="Arial" panose="020B0604020202020204" pitchFamily="34" charset="0"/>
               </a:rPr>
-              <a:t> </a:t>
-            </a:r>
-            <a:r>
-              <a:rPr lang="en-US" altLang="en-US" sz="2400" b="1" smtClean="0">
-                <a:latin typeface="Arial" panose="020B0604020202020204" pitchFamily="34" charset="0"/>
-                <a:cs typeface="Arial" panose="020B0604020202020204" pitchFamily="34" charset="0"/>
-              </a:rPr>
-              <a:t>Phân hệ bản đồ:</a:t>
-            </a:r>
-            <a:endParaRPr lang="en-US" altLang="en-US" sz="2400" smtClean="0">
+              <a:t> Phân hệ bản đồ:</a:t>
+            </a:r>
+            <a:endParaRPr lang="en-US" altLang="en-US" sz="2400">
               <a:latin typeface="Arial" panose="020B0604020202020204" pitchFamily="34" charset="0"/>
               <a:cs typeface="Arial" panose="020B0604020202020204" pitchFamily="34" charset="0"/>
             </a:endParaRPr>
@@ -9948,13 +10327,13 @@
               <a:buChar char="•"/>
             </a:pPr>
             <a:r>
-              <a:rPr lang="en-US" altLang="en-US" sz="2000" smtClean="0">
+              <a:rPr lang="en-US" altLang="en-US" sz="2000">
                 <a:latin typeface="Arial" panose="020B0604020202020204" pitchFamily="34" charset="0"/>
                 <a:cs typeface="Arial" panose="020B0604020202020204" pitchFamily="34" charset="0"/>
               </a:rPr>
               <a:t>Thống kê mật độ khu trọ theo phường</a:t>
             </a:r>
-            <a:endParaRPr lang="en-US" altLang="en-US" sz="2000" smtClean="0">
+            <a:endParaRPr lang="en-US" altLang="en-US" sz="2000">
               <a:latin typeface="Arial" panose="020B0604020202020204" pitchFamily="34" charset="0"/>
               <a:cs typeface="Arial" panose="020B0604020202020204" pitchFamily="34" charset="0"/>
             </a:endParaRPr>
@@ -9974,13 +10353,13 @@
               <a:buChar char="•"/>
             </a:pPr>
             <a:r>
-              <a:rPr lang="en-US" altLang="en-US" sz="2000" smtClean="0">
+              <a:rPr lang="en-US" altLang="en-US" sz="2000">
                 <a:latin typeface="Arial" panose="020B0604020202020204" pitchFamily="34" charset="0"/>
                 <a:cs typeface="Arial" panose="020B0604020202020204" pitchFamily="34" charset="0"/>
               </a:rPr>
               <a:t> Hiển thị bản đồ khu trọ, trường học</a:t>
             </a:r>
-            <a:endParaRPr lang="en-US" altLang="en-US" sz="2000" smtClean="0">
+            <a:endParaRPr lang="en-US" altLang="en-US" sz="2000">
               <a:latin typeface="Arial" panose="020B0604020202020204" pitchFamily="34" charset="0"/>
               <a:cs typeface="Arial" panose="020B0604020202020204" pitchFamily="34" charset="0"/>
             </a:endParaRPr>
@@ -10000,13 +10379,27 @@
               <a:buChar char="•"/>
             </a:pPr>
             <a:r>
-              <a:rPr lang="en-US" altLang="en-US" sz="2000" smtClean="0">
+              <a:rPr lang="en-US" altLang="en-US" sz="2000">
                 <a:latin typeface="Arial" panose="020B0604020202020204" pitchFamily="34" charset="0"/>
                 <a:cs typeface="Arial" panose="020B0604020202020204" pitchFamily="34" charset="0"/>
               </a:rPr>
-              <a:t>Tìm kiếm khu trọ theo tên trọ hoặc tên chủ trọ</a:t>
-            </a:r>
-            <a:endParaRPr lang="en-US" altLang="en-US" sz="2000" smtClean="0">
+              <a:t>Tìm kiếm khu trọ theo tên</a:t>
+            </a:r>
+            <a:r>
+              <a:rPr lang="" altLang="en-US" sz="2000">
+                <a:latin typeface="Arial" panose="020B0604020202020204" pitchFamily="34" charset="0"/>
+                <a:cs typeface="Arial" panose="020B0604020202020204" pitchFamily="34" charset="0"/>
+              </a:rPr>
+              <a:t> khu</a:t>
+            </a:r>
+            <a:r>
+              <a:rPr lang="en-US" altLang="en-US" sz="2000">
+                <a:latin typeface="Arial" panose="020B0604020202020204" pitchFamily="34" charset="0"/>
+                <a:cs typeface="Arial" panose="020B0604020202020204" pitchFamily="34" charset="0"/>
+              </a:rPr>
+              <a:t> trọ hoặc tên chủ trọ</a:t>
+            </a:r>
+            <a:endParaRPr lang="en-US" altLang="en-US" sz="2000">
               <a:latin typeface="Arial" panose="020B0604020202020204" pitchFamily="34" charset="0"/>
               <a:cs typeface="Arial" panose="020B0604020202020204" pitchFamily="34" charset="0"/>
             </a:endParaRPr>
@@ -10026,13 +10419,13 @@
               <a:buChar char="•"/>
             </a:pPr>
             <a:r>
-              <a:rPr lang="en-US" altLang="en-US" sz="2000" smtClean="0">
+              <a:rPr lang="en-US" altLang="en-US" sz="2000">
                 <a:latin typeface="Arial" panose="020B0604020202020204" pitchFamily="34" charset="0"/>
                 <a:cs typeface="Arial" panose="020B0604020202020204" pitchFamily="34" charset="0"/>
               </a:rPr>
               <a:t>Tìm đường đi từ vị trí hiện tại đến khu trọ đã tìm</a:t>
             </a:r>
-            <a:endParaRPr lang="en-US" altLang="en-US" sz="2000" smtClean="0">
+            <a:endParaRPr lang="en-US" altLang="en-US" sz="2000">
               <a:latin typeface="Arial" panose="020B0604020202020204" pitchFamily="34" charset="0"/>
               <a:cs typeface="Arial" panose="020B0604020202020204" pitchFamily="34" charset="0"/>
             </a:endParaRPr>
@@ -10074,13 +10467,6 @@
   <p:clrMapOvr>
     <a:masterClrMapping/>
   </p:clrMapOvr>
-  <p:timing>
-    <p:tnLst>
-      <p:par>
-        <p:cTn id="1" dur="indefinite" restart="never" nodeType="tmRoot"/>
-      </p:par>
-    </p:tnLst>
-  </p:timing>
 </p:sld>
 </file>
 
@@ -10132,24 +10518,14 @@
               </a:lnSpc>
             </a:pPr>
             <a:r>
-              <a:rPr lang="en-US" sz="3200" b="1" smtClean="0">
+              <a:rPr lang="en-US" sz="3200" b="1">
                 <a:solidFill>
                   <a:schemeClr val="bg1"/>
                 </a:solidFill>
                 <a:latin typeface="Arial" panose="020B0604020202020204" pitchFamily="34" charset="0"/>
                 <a:cs typeface="Arial" panose="020B0604020202020204" pitchFamily="34" charset="0"/>
               </a:rPr>
-              <a:t>HỆ </a:t>
-            </a:r>
-            <a:r>
-              <a:rPr lang="en-US" sz="3200" b="1">
-                <a:solidFill>
-                  <a:schemeClr val="bg1"/>
-                </a:solidFill>
-                <a:latin typeface="Arial" panose="020B0604020202020204" pitchFamily="34" charset="0"/>
-                <a:cs typeface="Arial" panose="020B0604020202020204" pitchFamily="34" charset="0"/>
-              </a:rPr>
-              <a:t>THỐNG</a:t>
+              <a:t>HỆ THỐNG</a:t>
             </a:r>
             <a:r>
               <a:rPr lang="en-US" altLang="en-US" sz="3200" b="1">
@@ -10195,18 +10571,11 @@
               <a:buNone/>
             </a:pPr>
             <a:r>
-              <a:rPr lang="en-US" sz="3200" b="1" smtClean="0">
-                <a:latin typeface="Arial" panose="020B0604020202020204" pitchFamily="34" charset="0"/>
-                <a:cs typeface="Arial" panose="020B0604020202020204" pitchFamily="34" charset="0"/>
-              </a:rPr>
-              <a:t>1</a:t>
-            </a:r>
-            <a:r>
               <a:rPr lang="en-US" sz="3200" b="1">
                 <a:latin typeface="Arial" panose="020B0604020202020204" pitchFamily="34" charset="0"/>
                 <a:cs typeface="Arial" panose="020B0604020202020204" pitchFamily="34" charset="0"/>
               </a:rPr>
-              <a:t>. </a:t>
+              <a:t>1. </a:t>
             </a:r>
             <a:r>
               <a:rPr lang="en-US" altLang="en-US" sz="3200" b="1">
@@ -10774,20 +11143,20 @@
               <a:buNone/>
             </a:pPr>
             <a:r>
-              <a:rPr lang="" altLang="en-US" sz="2400" smtClean="0">
+              <a:rPr lang="en-US" altLang="en-US" sz="2400">
                 <a:latin typeface="Arial" panose="020B0604020202020204" pitchFamily="34" charset="0"/>
                 <a:cs typeface="Arial" panose="020B0604020202020204" pitchFamily="34" charset="0"/>
               </a:rPr>
               <a:t> </a:t>
             </a:r>
             <a:r>
-              <a:rPr lang="en-US" altLang="en-US" sz="2400" b="1" smtClean="0">
+              <a:rPr lang="en-US" altLang="en-US" sz="2400" b="1">
                 <a:latin typeface="Arial" panose="020B0604020202020204" pitchFamily="34" charset="0"/>
                 <a:cs typeface="Arial" panose="020B0604020202020204" pitchFamily="34" charset="0"/>
               </a:rPr>
               <a:t>Phân hệ khu trọ:</a:t>
             </a:r>
-            <a:endParaRPr lang="en-US" altLang="en-US" sz="2400" b="1" smtClean="0">
+            <a:endParaRPr lang="en-US" altLang="en-US" sz="2400" b="1">
               <a:latin typeface="Arial" panose="020B0604020202020204" pitchFamily="34" charset="0"/>
               <a:cs typeface="Arial" panose="020B0604020202020204" pitchFamily="34" charset="0"/>
             </a:endParaRPr>
@@ -10807,13 +11176,13 @@
               <a:buChar char="•"/>
             </a:pPr>
             <a:r>
-              <a:rPr lang="en-US" altLang="en-US" sz="2000" smtClean="0">
+              <a:rPr lang="en-US" altLang="en-US" sz="2000">
                 <a:latin typeface="Arial" panose="020B0604020202020204" pitchFamily="34" charset="0"/>
                 <a:cs typeface="Arial" panose="020B0604020202020204" pitchFamily="34" charset="0"/>
               </a:rPr>
               <a:t>Hiển thị danh sách khu trọ hiện có, cập nhật thông tin khu trọ, thêm khu trọ mới</a:t>
             </a:r>
-            <a:endParaRPr lang="en-US" altLang="en-US" sz="2000" smtClean="0">
+            <a:endParaRPr lang="en-US" altLang="en-US" sz="2000">
               <a:latin typeface="Arial" panose="020B0604020202020204" pitchFamily="34" charset="0"/>
               <a:cs typeface="Arial" panose="020B0604020202020204" pitchFamily="34" charset="0"/>
             </a:endParaRPr>
@@ -10833,13 +11202,13 @@
               <a:buChar char="•"/>
             </a:pPr>
             <a:r>
-              <a:rPr lang="en-US" altLang="en-US" sz="2000" smtClean="0">
+              <a:rPr lang="en-US" altLang="en-US" sz="2000">
                 <a:latin typeface="Arial" panose="020B0604020202020204" pitchFamily="34" charset="0"/>
                 <a:cs typeface="Arial" panose="020B0604020202020204" pitchFamily="34" charset="0"/>
               </a:rPr>
               <a:t>Xem danh sách phòng của khu trọ, cập nhật thông tin phòng</a:t>
             </a:r>
-            <a:endParaRPr lang="en-US" altLang="en-US" sz="2000" smtClean="0">
+            <a:endParaRPr lang="en-US" altLang="en-US" sz="2000">
               <a:latin typeface="Arial" panose="020B0604020202020204" pitchFamily="34" charset="0"/>
               <a:cs typeface="Arial" panose="020B0604020202020204" pitchFamily="34" charset="0"/>
             </a:endParaRPr>
@@ -10881,13 +11250,6 @@
   <p:clrMapOvr>
     <a:masterClrMapping/>
   </p:clrMapOvr>
-  <p:timing>
-    <p:tnLst>
-      <p:par>
-        <p:cTn id="1" dur="indefinite" restart="never" nodeType="tmRoot"/>
-      </p:par>
-    </p:tnLst>
-  </p:timing>
 </p:sld>
 </file>
 
@@ -10939,24 +11301,14 @@
               </a:lnSpc>
             </a:pPr>
             <a:r>
-              <a:rPr lang="en-US" sz="3200" b="1" smtClean="0">
+              <a:rPr lang="en-US" sz="3200" b="1">
                 <a:solidFill>
                   <a:schemeClr val="bg1"/>
                 </a:solidFill>
                 <a:latin typeface="Arial" panose="020B0604020202020204" pitchFamily="34" charset="0"/>
                 <a:cs typeface="Arial" panose="020B0604020202020204" pitchFamily="34" charset="0"/>
               </a:rPr>
-              <a:t>HỆ </a:t>
-            </a:r>
-            <a:r>
-              <a:rPr lang="en-US" sz="3200" b="1">
-                <a:solidFill>
-                  <a:schemeClr val="bg1"/>
-                </a:solidFill>
-                <a:latin typeface="Arial" panose="020B0604020202020204" pitchFamily="34" charset="0"/>
-                <a:cs typeface="Arial" panose="020B0604020202020204" pitchFamily="34" charset="0"/>
-              </a:rPr>
-              <a:t>THỐNG</a:t>
+              <a:t>HỆ THỐNG</a:t>
             </a:r>
             <a:r>
               <a:rPr lang="en-US" altLang="en-US" sz="3200" b="1">
@@ -11002,18 +11354,11 @@
               <a:buNone/>
             </a:pPr>
             <a:r>
-              <a:rPr lang="en-US" sz="3200" b="1" smtClean="0">
-                <a:latin typeface="Arial" panose="020B0604020202020204" pitchFamily="34" charset="0"/>
-                <a:cs typeface="Arial" panose="020B0604020202020204" pitchFamily="34" charset="0"/>
-              </a:rPr>
-              <a:t>1</a:t>
-            </a:r>
-            <a:r>
               <a:rPr lang="en-US" sz="3200" b="1">
                 <a:latin typeface="Arial" panose="020B0604020202020204" pitchFamily="34" charset="0"/>
                 <a:cs typeface="Arial" panose="020B0604020202020204" pitchFamily="34" charset="0"/>
               </a:rPr>
-              <a:t>. </a:t>
+              <a:t>1. </a:t>
             </a:r>
             <a:r>
               <a:rPr lang="en-US" altLang="en-US" sz="3200" b="1">
@@ -11581,20 +11926,20 @@
               <a:buNone/>
             </a:pPr>
             <a:r>
-              <a:rPr lang="" altLang="en-US" sz="2400" smtClean="0">
+              <a:rPr lang="en-US" altLang="en-US" sz="2400">
                 <a:latin typeface="Arial" panose="020B0604020202020204" pitchFamily="34" charset="0"/>
                 <a:cs typeface="Arial" panose="020B0604020202020204" pitchFamily="34" charset="0"/>
               </a:rPr>
               <a:t> </a:t>
             </a:r>
             <a:r>
-              <a:rPr lang="en-US" altLang="en-US" sz="2400" b="1" smtClean="0">
+              <a:rPr lang="en-US" altLang="en-US" sz="2400" b="1">
                 <a:latin typeface="Arial" panose="020B0604020202020204" pitchFamily="34" charset="0"/>
                 <a:cs typeface="Arial" panose="020B0604020202020204" pitchFamily="34" charset="0"/>
               </a:rPr>
               <a:t>Phân hệ loại phòng:</a:t>
             </a:r>
-            <a:endParaRPr lang="en-US" altLang="en-US" sz="2400" b="1" smtClean="0">
+            <a:endParaRPr lang="en-US" altLang="en-US" sz="2400" b="1">
               <a:latin typeface="Arial" panose="020B0604020202020204" pitchFamily="34" charset="0"/>
               <a:cs typeface="Arial" panose="020B0604020202020204" pitchFamily="34" charset="0"/>
             </a:endParaRPr>
@@ -11614,13 +11959,13 @@
               <a:buChar char="•"/>
             </a:pPr>
             <a:r>
-              <a:rPr lang="en-US" altLang="en-US" sz="2000" smtClean="0">
+              <a:rPr lang="en-US" altLang="en-US" sz="2000">
                 <a:latin typeface="Arial" panose="020B0604020202020204" pitchFamily="34" charset="0"/>
                 <a:cs typeface="Arial" panose="020B0604020202020204" pitchFamily="34" charset="0"/>
               </a:rPr>
               <a:t>Thông tin các loại phòng và mức giá</a:t>
             </a:r>
-            <a:endParaRPr lang="en-US" altLang="en-US" sz="2000" smtClean="0">
+            <a:endParaRPr lang="en-US" altLang="en-US" sz="2000">
               <a:latin typeface="Arial" panose="020B0604020202020204" pitchFamily="34" charset="0"/>
               <a:cs typeface="Arial" panose="020B0604020202020204" pitchFamily="34" charset="0"/>
             </a:endParaRPr>
@@ -11640,13 +11985,13 @@
               <a:buChar char="•"/>
             </a:pPr>
             <a:r>
-              <a:rPr lang="en-US" altLang="en-US" sz="2000" smtClean="0">
+              <a:rPr lang="en-US" altLang="en-US" sz="2000">
                 <a:latin typeface="Arial" panose="020B0604020202020204" pitchFamily="34" charset="0"/>
                 <a:cs typeface="Arial" panose="020B0604020202020204" pitchFamily="34" charset="0"/>
               </a:rPr>
               <a:t>Thêm, sửa, xóa thông tin loại phòng</a:t>
             </a:r>
-            <a:endParaRPr lang="en-US" altLang="en-US" sz="2000" smtClean="0">
+            <a:endParaRPr lang="en-US" altLang="en-US" sz="2000">
               <a:latin typeface="Arial" panose="020B0604020202020204" pitchFamily="34" charset="0"/>
               <a:cs typeface="Arial" panose="020B0604020202020204" pitchFamily="34" charset="0"/>
             </a:endParaRPr>
@@ -11688,13 +12033,6 @@
   <p:clrMapOvr>
     <a:masterClrMapping/>
   </p:clrMapOvr>
-  <p:timing>
-    <p:tnLst>
-      <p:par>
-        <p:cTn id="1" dur="indefinite" restart="never" nodeType="tmRoot"/>
-      </p:par>
-    </p:tnLst>
-  </p:timing>
 </p:sld>
 </file>
 
@@ -11746,24 +12084,14 @@
               </a:lnSpc>
             </a:pPr>
             <a:r>
-              <a:rPr lang="en-US" sz="3200" b="1" smtClean="0">
+              <a:rPr lang="en-US" sz="3200" b="1">
                 <a:solidFill>
                   <a:schemeClr val="bg1"/>
                 </a:solidFill>
                 <a:latin typeface="Arial" panose="020B0604020202020204" pitchFamily="34" charset="0"/>
                 <a:cs typeface="Arial" panose="020B0604020202020204" pitchFamily="34" charset="0"/>
               </a:rPr>
-              <a:t>HỆ </a:t>
-            </a:r>
-            <a:r>
-              <a:rPr lang="en-US" sz="3200" b="1">
-                <a:solidFill>
-                  <a:schemeClr val="bg1"/>
-                </a:solidFill>
-                <a:latin typeface="Arial" panose="020B0604020202020204" pitchFamily="34" charset="0"/>
-                <a:cs typeface="Arial" panose="020B0604020202020204" pitchFamily="34" charset="0"/>
-              </a:rPr>
-              <a:t>THỐNG</a:t>
+              <a:t>HỆ THỐNG</a:t>
             </a:r>
             <a:r>
               <a:rPr lang="en-US" altLang="en-US" sz="3200" b="1">
@@ -11809,18 +12137,11 @@
               <a:buNone/>
             </a:pPr>
             <a:r>
-              <a:rPr lang="en-US" sz="3200" b="1" smtClean="0">
-                <a:latin typeface="Arial" panose="020B0604020202020204" pitchFamily="34" charset="0"/>
-                <a:cs typeface="Arial" panose="020B0604020202020204" pitchFamily="34" charset="0"/>
-              </a:rPr>
-              <a:t>1</a:t>
-            </a:r>
-            <a:r>
               <a:rPr lang="en-US" sz="3200" b="1">
                 <a:latin typeface="Arial" panose="020B0604020202020204" pitchFamily="34" charset="0"/>
                 <a:cs typeface="Arial" panose="020B0604020202020204" pitchFamily="34" charset="0"/>
               </a:rPr>
-              <a:t>. </a:t>
+              <a:t>1. </a:t>
             </a:r>
             <a:r>
               <a:rPr lang="en-US" altLang="en-US" sz="3200" b="1">
@@ -12388,20 +12709,20 @@
               <a:buNone/>
             </a:pPr>
             <a:r>
-              <a:rPr lang="" altLang="en-US" sz="2400" smtClean="0">
+              <a:rPr lang="en-US" altLang="en-US" sz="2400">
                 <a:latin typeface="Arial" panose="020B0604020202020204" pitchFamily="34" charset="0"/>
                 <a:cs typeface="Arial" panose="020B0604020202020204" pitchFamily="34" charset="0"/>
               </a:rPr>
               <a:t> </a:t>
             </a:r>
             <a:r>
-              <a:rPr lang="en-US" altLang="en-US" sz="2400" b="1" smtClean="0">
+              <a:rPr lang="en-US" altLang="en-US" sz="2400" b="1">
                 <a:latin typeface="Arial" panose="020B0604020202020204" pitchFamily="34" charset="0"/>
                 <a:cs typeface="Arial" panose="020B0604020202020204" pitchFamily="34" charset="0"/>
               </a:rPr>
               <a:t>Phân hệ tài khoản:</a:t>
             </a:r>
-            <a:endParaRPr lang="en-US" altLang="en-US" sz="2400" b="1" smtClean="0">
+            <a:endParaRPr lang="en-US" altLang="en-US" sz="2400" b="1">
               <a:latin typeface="Arial" panose="020B0604020202020204" pitchFamily="34" charset="0"/>
               <a:cs typeface="Arial" panose="020B0604020202020204" pitchFamily="34" charset="0"/>
             </a:endParaRPr>
@@ -12421,13 +12742,13 @@
               <a:buChar char="•"/>
             </a:pPr>
             <a:r>
-              <a:rPr lang="en-US" altLang="en-US" sz="2000" smtClean="0">
+              <a:rPr lang="en-US" altLang="en-US" sz="2000">
                 <a:latin typeface="Arial" panose="020B0604020202020204" pitchFamily="34" charset="0"/>
                 <a:cs typeface="Arial" panose="020B0604020202020204" pitchFamily="34" charset="0"/>
               </a:rPr>
               <a:t>Dùng thêm, thay đổi thông tin các quản trị viên đang có trong hệ thống</a:t>
             </a:r>
-            <a:endParaRPr lang="en-US" altLang="en-US" sz="2000" smtClean="0">
+            <a:endParaRPr lang="en-US" altLang="en-US" sz="2000">
               <a:latin typeface="Arial" panose="020B0604020202020204" pitchFamily="34" charset="0"/>
               <a:cs typeface="Arial" panose="020B0604020202020204" pitchFamily="34" charset="0"/>
             </a:endParaRPr>
@@ -12469,13 +12790,6 @@
   <p:clrMapOvr>
     <a:masterClrMapping/>
   </p:clrMapOvr>
-  <p:timing>
-    <p:tnLst>
-      <p:par>
-        <p:cTn id="1" dur="indefinite" restart="never" nodeType="tmRoot"/>
-      </p:par>
-    </p:tnLst>
-  </p:timing>
 </p:sld>
 </file>
 
@@ -12527,24 +12841,14 @@
               </a:lnSpc>
             </a:pPr>
             <a:r>
-              <a:rPr lang="en-US" sz="3200" b="1" smtClean="0">
+              <a:rPr lang="en-US" sz="3200" b="1">
                 <a:solidFill>
                   <a:schemeClr val="bg1"/>
                 </a:solidFill>
                 <a:latin typeface="Arial" panose="020B0604020202020204" pitchFamily="34" charset="0"/>
                 <a:cs typeface="Arial" panose="020B0604020202020204" pitchFamily="34" charset="0"/>
               </a:rPr>
-              <a:t>HỆ </a:t>
-            </a:r>
-            <a:r>
-              <a:rPr lang="en-US" sz="3200" b="1">
-                <a:solidFill>
-                  <a:schemeClr val="bg1"/>
-                </a:solidFill>
-                <a:latin typeface="Arial" panose="020B0604020202020204" pitchFamily="34" charset="0"/>
-                <a:cs typeface="Arial" panose="020B0604020202020204" pitchFamily="34" charset="0"/>
-              </a:rPr>
-              <a:t>THỐNG</a:t>
+              <a:t>HỆ THỐNG</a:t>
             </a:r>
             <a:r>
               <a:rPr lang="en-US" altLang="en-US" sz="3200" b="1">
@@ -12590,25 +12894,18 @@
               <a:buNone/>
             </a:pPr>
             <a:r>
+              <a:rPr lang="en-US" sz="3200" b="1">
+                <a:latin typeface="Arial" panose="020B0604020202020204" pitchFamily="34" charset="0"/>
+                <a:cs typeface="Arial" panose="020B0604020202020204" pitchFamily="34" charset="0"/>
+              </a:rPr>
+              <a:t>1. </a:t>
+            </a:r>
+            <a:r>
               <a:rPr lang="en-US" altLang="en-US" sz="3200" b="1">
                 <a:latin typeface="Arial" panose="020B0604020202020204" pitchFamily="34" charset="0"/>
                 <a:cs typeface="Arial" panose="020B0604020202020204" pitchFamily="34" charset="0"/>
               </a:rPr>
-              <a:t>2</a:t>
-            </a:r>
-            <a:r>
-              <a:rPr lang="en-US" sz="3200" b="1">
-                <a:latin typeface="Arial" panose="020B0604020202020204" pitchFamily="34" charset="0"/>
-                <a:cs typeface="Arial" panose="020B0604020202020204" pitchFamily="34" charset="0"/>
-              </a:rPr>
-              <a:t>. </a:t>
-            </a:r>
-            <a:r>
-              <a:rPr lang="en-US" altLang="en-US" sz="3200" b="1">
-                <a:latin typeface="Arial" panose="020B0604020202020204" pitchFamily="34" charset="0"/>
-                <a:cs typeface="Arial" panose="020B0604020202020204" pitchFamily="34" charset="0"/>
-              </a:rPr>
-              <a:t>Công nghệ sử dụng</a:t>
+              <a:t>Mô tả hệ thống (6)</a:t>
             </a:r>
             <a:endParaRPr lang="en-US" altLang="en-US" sz="3200" b="1">
               <a:latin typeface="Arial" panose="020B0604020202020204" pitchFamily="34" charset="0"/>
@@ -12751,8 +13048,8 @@
         </p:nvSpPr>
         <p:spPr>
           <a:xfrm>
-            <a:off x="0" y="2395643"/>
-            <a:ext cx="12192000" cy="3810604"/>
+            <a:off x="0" y="2395855"/>
+            <a:ext cx="6132830" cy="3810635"/>
           </a:xfrm>
           <a:prstGeom prst="rect">
             <a:avLst/>
@@ -12979,8 +13276,8 @@
         </p:nvSpPr>
         <p:spPr>
           <a:xfrm>
-            <a:off x="443641" y="2111498"/>
-            <a:ext cx="11304494" cy="4095384"/>
+            <a:off x="443865" y="1933575"/>
+            <a:ext cx="11379200" cy="4787265"/>
           </a:xfrm>
           <a:prstGeom prst="rect">
             <a:avLst/>
@@ -13155,7 +13452,7 @@
             </a:lvl9pPr>
           </a:lstStyle>
           <a:p>
-            <a:pPr algn="just">
+            <a:pPr marL="0" indent="0" algn="l">
               <a:lnSpc>
                 <a:spcPct val="114000"/>
               </a:lnSpc>
@@ -13165,37 +13462,23 @@
               <a:spcAft>
                 <a:spcPts val="600"/>
               </a:spcAft>
-              <a:buFont typeface="Arial" panose="020B0604020202020204" pitchFamily="34" charset="0"/>
-              <a:buChar char="•"/>
+              <a:buFontTx/>
+              <a:buNone/>
             </a:pPr>
             <a:r>
-              <a:rPr lang="en-US" altLang="en-US" sz="2000" b="1" smtClean="0">
+              <a:rPr lang="en-US" altLang="en-US" sz="2000" b="1">
                 <a:latin typeface="Arial" panose="020B0604020202020204" pitchFamily="34" charset="0"/>
                 <a:cs typeface="Arial" panose="020B0604020202020204" pitchFamily="34" charset="0"/>
               </a:rPr>
-              <a:t>Diva</a:t>
-            </a:r>
-            <a:r>
-              <a:rPr lang="" altLang="en-US" sz="2000" b="1" smtClean="0">
-                <a:latin typeface="Arial" panose="020B0604020202020204" pitchFamily="34" charset="0"/>
-                <a:cs typeface="Arial" panose="020B0604020202020204" pitchFamily="34" charset="0"/>
-              </a:rPr>
-              <a:t>-Gis: </a:t>
-            </a:r>
-            <a:r>
-              <a:rPr lang="" altLang="en-US" sz="2000" smtClean="0">
-                <a:latin typeface="Arial" panose="020B0604020202020204" pitchFamily="34" charset="0"/>
-                <a:cs typeface="Arial" panose="020B0604020202020204" pitchFamily="34" charset="0"/>
-              </a:rPr>
-              <a:t>Trang cung cấp dữ liệu bản đồ và địa giới. Dùng để truy xuất dữ liệu địa giới Việt Nam</a:t>
-            </a:r>
-            <a:endParaRPr lang="" altLang="en-US" sz="2000" smtClean="0">
+              <a:t>Lược đồ cơ sở dữ liệu</a:t>
+            </a:r>
+            <a:endParaRPr lang="en-US" altLang="en-US" sz="1600" b="1">
               <a:latin typeface="Arial" panose="020B0604020202020204" pitchFamily="34" charset="0"/>
               <a:cs typeface="Arial" panose="020B0604020202020204" pitchFamily="34" charset="0"/>
             </a:endParaRPr>
           </a:p>
           <a:p>
-            <a:pPr algn="just">
+            <a:pPr marL="0" indent="0" algn="l">
               <a:lnSpc>
                 <a:spcPct val="114000"/>
               </a:lnSpc>
@@ -13205,30 +13488,44 @@
               <a:spcAft>
                 <a:spcPts val="600"/>
               </a:spcAft>
-              <a:buFont typeface="Arial" panose="020B0604020202020204" pitchFamily="34" charset="0"/>
-              <a:buChar char="•"/>
+              <a:buFontTx/>
+              <a:buNone/>
             </a:pPr>
             <a:r>
-              <a:rPr lang="" altLang="en-US" sz="2000" b="1" smtClean="0">
+              <a:rPr lang="en-US" altLang="en-US" sz="1600" b="1">
                 <a:latin typeface="Arial" panose="020B0604020202020204" pitchFamily="34" charset="0"/>
                 <a:cs typeface="Arial" panose="020B0604020202020204" pitchFamily="34" charset="0"/>
               </a:rPr>
-              <a:t>QGis:</a:t>
-            </a:r>
-            <a:r>
-              <a:rPr lang="" altLang="en-US" sz="2000" smtClean="0">
+              <a:t>CHU_TRO </a:t>
+            </a:r>
+            <a:r>
+              <a:rPr lang="en-US" altLang="en-US" sz="1600">
                 <a:latin typeface="Arial" panose="020B0604020202020204" pitchFamily="34" charset="0"/>
                 <a:cs typeface="Arial" panose="020B0604020202020204" pitchFamily="34" charset="0"/>
               </a:rPr>
-              <a:t> Phần mềm tháo tác dữ liệu không gian địa lý. Dùng trích xuất địa giới, bản đồ các phường trong quận Cái Răng</a:t>
-            </a:r>
-            <a:endParaRPr lang="" altLang="en-US" sz="2000" smtClean="0">
+              <a:t>(</a:t>
+            </a:r>
+            <a:r>
+              <a:rPr lang="en-US" altLang="en-US" sz="1600" b="1" u="sng">
+                <a:latin typeface="Arial" panose="020B0604020202020204" pitchFamily="34" charset="0"/>
+                <a:cs typeface="Arial" panose="020B0604020202020204" pitchFamily="34" charset="0"/>
+              </a:rPr>
+              <a:t>cmnd</a:t>
+            </a:r>
+            <a:r>
+              <a:rPr lang="en-US" altLang="en-US" sz="1600">
+                <a:latin typeface="Arial" panose="020B0604020202020204" pitchFamily="34" charset="0"/>
+                <a:cs typeface="Arial" panose="020B0604020202020204" pitchFamily="34" charset="0"/>
+              </a:rPr>
+              <a:t>, hoten, sdt, gioitinh): Lưu thông tin các chủ trọ</a:t>
+            </a:r>
+            <a:endParaRPr lang="en-US" altLang="en-US" sz="1600">
               <a:latin typeface="Arial" panose="020B0604020202020204" pitchFamily="34" charset="0"/>
               <a:cs typeface="Arial" panose="020B0604020202020204" pitchFamily="34" charset="0"/>
             </a:endParaRPr>
           </a:p>
           <a:p>
-            <a:pPr algn="just">
+            <a:pPr marL="0" indent="0" algn="l">
               <a:lnSpc>
                 <a:spcPct val="114000"/>
               </a:lnSpc>
@@ -13238,49 +13535,44 @@
               <a:spcAft>
                 <a:spcPts val="600"/>
               </a:spcAft>
-              <a:buFont typeface="Arial" panose="020B0604020202020204" pitchFamily="34" charset="0"/>
-              <a:buChar char="•"/>
+              <a:buFontTx/>
+              <a:buNone/>
             </a:pPr>
             <a:r>
-              <a:rPr lang="en-US" altLang="en-US" sz="2000" b="1" smtClean="0">
+              <a:rPr lang="en-US" altLang="en-US" sz="1600" b="1">
                 <a:latin typeface="Arial" panose="020B0604020202020204" pitchFamily="34" charset="0"/>
                 <a:cs typeface="Arial" panose="020B0604020202020204" pitchFamily="34" charset="0"/>
-                <a:sym typeface="+mn-ea"/>
-              </a:rPr>
-              <a:t>Google basemap layers</a:t>
-            </a:r>
-            <a:r>
-              <a:rPr lang="en-US" altLang="en-US" sz="2000" smtClean="0">
+              </a:rPr>
+              <a:t>DIAGIOIHANHCHINH </a:t>
+            </a:r>
+            <a:r>
+              <a:rPr lang="en-US" altLang="en-US" sz="1600">
                 <a:latin typeface="Arial" panose="020B0604020202020204" pitchFamily="34" charset="0"/>
                 <a:cs typeface="Arial" panose="020B0604020202020204" pitchFamily="34" charset="0"/>
-                <a:sym typeface="+mn-ea"/>
-              </a:rPr>
-              <a:t>: </a:t>
-            </a:r>
-            <a:r>
-              <a:rPr lang="" altLang="en-US" sz="2000" smtClean="0">
+              </a:rPr>
+              <a:t>(</a:t>
+            </a:r>
+            <a:r>
+              <a:rPr lang="en-US" altLang="en-US" sz="1600" b="1" u="sng">
                 <a:latin typeface="Arial" panose="020B0604020202020204" pitchFamily="34" charset="0"/>
                 <a:cs typeface="Arial" panose="020B0604020202020204" pitchFamily="34" charset="0"/>
-                <a:sym typeface="+mn-ea"/>
-              </a:rPr>
-              <a:t>D</a:t>
-            </a:r>
-            <a:r>
-              <a:rPr lang="en-US" altLang="en-US" sz="2000" smtClean="0">
+              </a:rPr>
+              <a:t>IDPhuong</a:t>
+            </a:r>
+            <a:r>
+              <a:rPr lang="en-US" altLang="en-US" sz="1600">
                 <a:latin typeface="Arial" panose="020B0604020202020204" pitchFamily="34" charset="0"/>
                 <a:cs typeface="Arial" panose="020B0604020202020204" pitchFamily="34" charset="0"/>
-                <a:sym typeface="+mn-ea"/>
-              </a:rPr>
-              <a:t>ùng làm bản đồ nền cho hệ thống</a:t>
-            </a:r>
-            <a:endParaRPr lang="en-US" altLang="en-US" sz="2000" smtClean="0">
+              </a:rPr>
+              <a:t>, DiaGioi, TenPhuong): Lưu dữ liệu địa giới hành chính của từng phường trong quận Cái Răng</a:t>
+            </a:r>
+            <a:endParaRPr lang="en-US" altLang="en-US" sz="1600">
               <a:latin typeface="Arial" panose="020B0604020202020204" pitchFamily="34" charset="0"/>
               <a:cs typeface="Arial" panose="020B0604020202020204" pitchFamily="34" charset="0"/>
-              <a:sym typeface="+mn-ea"/>
             </a:endParaRPr>
           </a:p>
           <a:p>
-            <a:pPr algn="just">
+            <a:pPr marL="0" indent="0" algn="l">
               <a:lnSpc>
                 <a:spcPct val="114000"/>
               </a:lnSpc>
@@ -13290,30 +13582,44 @@
               <a:spcAft>
                 <a:spcPts val="600"/>
               </a:spcAft>
-              <a:buFont typeface="Arial" panose="020B0604020202020204" pitchFamily="34" charset="0"/>
-              <a:buChar char="•"/>
+              <a:buFontTx/>
+              <a:buNone/>
             </a:pPr>
             <a:r>
-              <a:rPr lang="" altLang="en-US" sz="2000" b="1" smtClean="0">
+              <a:rPr lang="en-US" altLang="en-US" sz="1600" b="1">
                 <a:latin typeface="Arial" panose="020B0604020202020204" pitchFamily="34" charset="0"/>
                 <a:cs typeface="Arial" panose="020B0604020202020204" pitchFamily="34" charset="0"/>
               </a:rPr>
-              <a:t>Leaflet: </a:t>
-            </a:r>
-            <a:r>
-              <a:rPr lang="" altLang="en-US" sz="2000" smtClean="0">
+              <a:t>KCACH </a:t>
+            </a:r>
+            <a:r>
+              <a:rPr lang="en-US" altLang="en-US" sz="1600">
                 <a:latin typeface="Arial" panose="020B0604020202020204" pitchFamily="34" charset="0"/>
                 <a:cs typeface="Arial" panose="020B0604020202020204" pitchFamily="34" charset="0"/>
               </a:rPr>
-              <a:t>Thư viện tương tác bản đồ. Dùng tạo, điều chỉnh, thống kê và hiển thị kết quả lên trang bản đồ.</a:t>
-            </a:r>
-            <a:endParaRPr lang="" altLang="en-US" sz="2000" smtClean="0">
+              <a:t>(</a:t>
+            </a:r>
+            <a:r>
+              <a:rPr lang="en-US" altLang="en-US" sz="1600" b="1" u="sng">
+                <a:latin typeface="Arial" panose="020B0604020202020204" pitchFamily="34" charset="0"/>
+                <a:cs typeface="Arial" panose="020B0604020202020204" pitchFamily="34" charset="0"/>
+              </a:rPr>
+              <a:t>id_tro, id_truong</a:t>
+            </a:r>
+            <a:r>
+              <a:rPr lang="en-US" altLang="en-US" sz="1600">
+                <a:latin typeface="Arial" panose="020B0604020202020204" pitchFamily="34" charset="0"/>
+                <a:cs typeface="Arial" panose="020B0604020202020204" pitchFamily="34" charset="0"/>
+              </a:rPr>
+              <a:t>, kcach): Lưu khoảng cách từ từng khu trọ đến từng trường đã có trong csdl</a:t>
+            </a:r>
+            <a:endParaRPr lang="en-US" altLang="en-US" sz="1600">
               <a:latin typeface="Arial" panose="020B0604020202020204" pitchFamily="34" charset="0"/>
               <a:cs typeface="Arial" panose="020B0604020202020204" pitchFamily="34" charset="0"/>
             </a:endParaRPr>
           </a:p>
           <a:p>
-            <a:pPr algn="just">
+            <a:pPr marL="0" indent="0" algn="l">
               <a:lnSpc>
                 <a:spcPct val="114000"/>
               </a:lnSpc>
@@ -13323,24 +13629,254 @@
               <a:spcAft>
                 <a:spcPts val="600"/>
               </a:spcAft>
-              <a:buFont typeface="Arial" panose="020B0604020202020204" pitchFamily="34" charset="0"/>
-              <a:buChar char="•"/>
+              <a:buFontTx/>
+              <a:buNone/>
             </a:pPr>
             <a:r>
-              <a:rPr lang="" altLang="en-US" sz="2000" b="1" smtClean="0">
+              <a:rPr lang="en-US" altLang="en-US" sz="1600" b="1">
                 <a:latin typeface="Arial" panose="020B0604020202020204" pitchFamily="34" charset="0"/>
                 <a:cs typeface="Arial" panose="020B0604020202020204" pitchFamily="34" charset="0"/>
               </a:rPr>
-              <a:t>ArcGIS World Geocoding Service: </a:t>
-            </a:r>
-            <a:r>
-              <a:rPr lang="" altLang="en-US" sz="2000" smtClean="0">
+              <a:t>KHU_TRO </a:t>
+            </a:r>
+            <a:r>
+              <a:rPr lang="en-US" altLang="en-US" sz="1600">
                 <a:latin typeface="Arial" panose="020B0604020202020204" pitchFamily="34" charset="0"/>
                 <a:cs typeface="Arial" panose="020B0604020202020204" pitchFamily="34" charset="0"/>
               </a:rPr>
-              <a:t>Api truy vấn địa chỉ từ tọa độ. Dùng tìm địa chỉ khi người dùng chọn vị trí lúc thêm hoặc cập nhật thông tin khu trọ.</a:t>
-            </a:r>
-            <a:endParaRPr lang="" altLang="en-US" sz="2000" smtClean="0">
+              <a:t>(</a:t>
+            </a:r>
+            <a:r>
+              <a:rPr lang="en-US" altLang="en-US" sz="1600" b="1" u="sng">
+                <a:latin typeface="Arial" panose="020B0604020202020204" pitchFamily="34" charset="0"/>
+                <a:cs typeface="Arial" panose="020B0604020202020204" pitchFamily="34" charset="0"/>
+              </a:rPr>
+              <a:t>id</a:t>
+            </a:r>
+            <a:r>
+              <a:rPr lang="en-US" altLang="en-US" sz="1600">
+                <a:latin typeface="Arial" panose="020B0604020202020204" pitchFamily="34" charset="0"/>
+                <a:cs typeface="Arial" panose="020B0604020202020204" pitchFamily="34" charset="0"/>
+              </a:rPr>
+              <a:t>, ten, so_nha, tenduong, phuongxa, quanhuyen, tinh, lat, lng, </a:t>
+            </a:r>
+            <a:r>
+              <a:rPr lang="en-US" altLang="en-US" sz="1600" b="1">
+                <a:latin typeface="Arial" panose="020B0604020202020204" pitchFamily="34" charset="0"/>
+                <a:cs typeface="Arial" panose="020B0604020202020204" pitchFamily="34" charset="0"/>
+              </a:rPr>
+              <a:t>cmnd</a:t>
+            </a:r>
+            <a:r>
+              <a:rPr lang="en-US" altLang="en-US" sz="1600">
+                <a:latin typeface="Arial" panose="020B0604020202020204" pitchFamily="34" charset="0"/>
+                <a:cs typeface="Arial" panose="020B0604020202020204" pitchFamily="34" charset="0"/>
+              </a:rPr>
+              <a:t>): Lưu các thông tin của một khu trọ và tham chiếu cmnd chủ trọ</a:t>
+            </a:r>
+            <a:endParaRPr lang="en-US" altLang="en-US" sz="1600">
+              <a:latin typeface="Arial" panose="020B0604020202020204" pitchFamily="34" charset="0"/>
+              <a:cs typeface="Arial" panose="020B0604020202020204" pitchFamily="34" charset="0"/>
+            </a:endParaRPr>
+          </a:p>
+          <a:p>
+            <a:pPr marL="0" indent="0" algn="l">
+              <a:lnSpc>
+                <a:spcPct val="114000"/>
+              </a:lnSpc>
+              <a:spcBef>
+                <a:spcPts val="600"/>
+              </a:spcBef>
+              <a:spcAft>
+                <a:spcPts val="600"/>
+              </a:spcAft>
+              <a:buFontTx/>
+              <a:buNone/>
+            </a:pPr>
+            <a:r>
+              <a:rPr lang="en-US" altLang="en-US" sz="1600" b="1">
+                <a:latin typeface="Arial" panose="020B0604020202020204" pitchFamily="34" charset="0"/>
+                <a:cs typeface="Arial" panose="020B0604020202020204" pitchFamily="34" charset="0"/>
+              </a:rPr>
+              <a:t>LOAI_PHONG </a:t>
+            </a:r>
+            <a:r>
+              <a:rPr lang="en-US" altLang="en-US" sz="1600">
+                <a:latin typeface="Arial" panose="020B0604020202020204" pitchFamily="34" charset="0"/>
+                <a:cs typeface="Arial" panose="020B0604020202020204" pitchFamily="34" charset="0"/>
+              </a:rPr>
+              <a:t>(</a:t>
+            </a:r>
+            <a:r>
+              <a:rPr lang="en-US" altLang="en-US" sz="1600" b="1" u="sng">
+                <a:latin typeface="Arial" panose="020B0604020202020204" pitchFamily="34" charset="0"/>
+                <a:cs typeface="Arial" panose="020B0604020202020204" pitchFamily="34" charset="0"/>
+              </a:rPr>
+              <a:t>maloai</a:t>
+            </a:r>
+            <a:r>
+              <a:rPr lang="en-US" altLang="en-US" sz="1600">
+                <a:latin typeface="Arial" panose="020B0604020202020204" pitchFamily="34" charset="0"/>
+                <a:cs typeface="Arial" panose="020B0604020202020204" pitchFamily="34" charset="0"/>
+              </a:rPr>
+              <a:t>, ten_loai, so_nguoi, dien_tich, gia): Lưu thông tin các loại phòng. </a:t>
+            </a:r>
+            <a:endParaRPr lang="en-US" altLang="en-US" sz="1600">
+              <a:latin typeface="Arial" panose="020B0604020202020204" pitchFamily="34" charset="0"/>
+              <a:cs typeface="Arial" panose="020B0604020202020204" pitchFamily="34" charset="0"/>
+            </a:endParaRPr>
+          </a:p>
+          <a:p>
+            <a:pPr marL="0" indent="0" algn="l">
+              <a:lnSpc>
+                <a:spcPct val="114000"/>
+              </a:lnSpc>
+              <a:spcBef>
+                <a:spcPts val="600"/>
+              </a:spcBef>
+              <a:spcAft>
+                <a:spcPts val="600"/>
+              </a:spcAft>
+              <a:buFontTx/>
+              <a:buNone/>
+            </a:pPr>
+            <a:r>
+              <a:rPr lang="en-US" altLang="en-US" sz="1600" b="1">
+                <a:latin typeface="Arial" panose="020B0604020202020204" pitchFamily="34" charset="0"/>
+                <a:cs typeface="Arial" panose="020B0604020202020204" pitchFamily="34" charset="0"/>
+              </a:rPr>
+              <a:t>PHONG </a:t>
+            </a:r>
+            <a:r>
+              <a:rPr lang="en-US" altLang="en-US" sz="1600">
+                <a:latin typeface="Arial" panose="020B0604020202020204" pitchFamily="34" charset="0"/>
+                <a:cs typeface="Arial" panose="020B0604020202020204" pitchFamily="34" charset="0"/>
+              </a:rPr>
+              <a:t>(</a:t>
+            </a:r>
+            <a:r>
+              <a:rPr lang="en-US" altLang="en-US" sz="1600" b="1" u="sng">
+                <a:latin typeface="Arial" panose="020B0604020202020204" pitchFamily="34" charset="0"/>
+                <a:cs typeface="Arial" panose="020B0604020202020204" pitchFamily="34" charset="0"/>
+              </a:rPr>
+              <a:t>stt</a:t>
+            </a:r>
+            <a:r>
+              <a:rPr lang="en-US" altLang="en-US" sz="1600">
+                <a:latin typeface="Arial" panose="020B0604020202020204" pitchFamily="34" charset="0"/>
+                <a:cs typeface="Arial" panose="020B0604020202020204" pitchFamily="34" charset="0"/>
+              </a:rPr>
+              <a:t>, maloai, </a:t>
+            </a:r>
+            <a:r>
+              <a:rPr lang="en-US" altLang="en-US" sz="1600" b="1">
+                <a:latin typeface="Arial" panose="020B0604020202020204" pitchFamily="34" charset="0"/>
+                <a:cs typeface="Arial" panose="020B0604020202020204" pitchFamily="34" charset="0"/>
+              </a:rPr>
+              <a:t>id_khu_tro</a:t>
+            </a:r>
+            <a:r>
+              <a:rPr lang="en-US" altLang="en-US" sz="1600">
+                <a:latin typeface="Arial" panose="020B0604020202020204" pitchFamily="34" charset="0"/>
+                <a:cs typeface="Arial" panose="020B0604020202020204" pitchFamily="34" charset="0"/>
+              </a:rPr>
+              <a:t>, trang_thai): Lưu thông tin trạng thái của phòng theo khu trọ và loại phòng</a:t>
+            </a:r>
+            <a:endParaRPr lang="en-US" altLang="en-US" sz="1600">
+              <a:latin typeface="Arial" panose="020B0604020202020204" pitchFamily="34" charset="0"/>
+              <a:cs typeface="Arial" panose="020B0604020202020204" pitchFamily="34" charset="0"/>
+            </a:endParaRPr>
+          </a:p>
+          <a:p>
+            <a:pPr marL="0" indent="0" algn="l">
+              <a:lnSpc>
+                <a:spcPct val="114000"/>
+              </a:lnSpc>
+              <a:spcBef>
+                <a:spcPts val="600"/>
+              </a:spcBef>
+              <a:spcAft>
+                <a:spcPts val="600"/>
+              </a:spcAft>
+              <a:buFontTx/>
+              <a:buNone/>
+            </a:pPr>
+            <a:r>
+              <a:rPr lang="en-US" altLang="en-US" sz="1600" b="1">
+                <a:latin typeface="Arial" panose="020B0604020202020204" pitchFamily="34" charset="0"/>
+                <a:cs typeface="Arial" panose="020B0604020202020204" pitchFamily="34" charset="0"/>
+              </a:rPr>
+              <a:t>TAI_KHOAN </a:t>
+            </a:r>
+            <a:r>
+              <a:rPr lang="en-US" altLang="en-US" sz="1600">
+                <a:latin typeface="Arial" panose="020B0604020202020204" pitchFamily="34" charset="0"/>
+                <a:cs typeface="Arial" panose="020B0604020202020204" pitchFamily="34" charset="0"/>
+              </a:rPr>
+              <a:t>(</a:t>
+            </a:r>
+            <a:r>
+              <a:rPr lang="en-US" altLang="en-US" sz="1600" b="1" u="sng">
+                <a:latin typeface="Arial" panose="020B0604020202020204" pitchFamily="34" charset="0"/>
+                <a:cs typeface="Arial" panose="020B0604020202020204" pitchFamily="34" charset="0"/>
+              </a:rPr>
+              <a:t>uname</a:t>
+            </a:r>
+            <a:r>
+              <a:rPr lang="en-US" altLang="en-US" sz="1600">
+                <a:latin typeface="Arial" panose="020B0604020202020204" pitchFamily="34" charset="0"/>
+                <a:cs typeface="Arial" panose="020B0604020202020204" pitchFamily="34" charset="0"/>
+              </a:rPr>
+              <a:t>, hoten, pass): Lưu thông tin tài khoản các quản trị viên. (Tài khoản và mật khẩu mặc định là admin - admin) </a:t>
+            </a:r>
+            <a:endParaRPr lang="en-US" altLang="en-US" sz="1600">
+              <a:latin typeface="Arial" panose="020B0604020202020204" pitchFamily="34" charset="0"/>
+              <a:cs typeface="Arial" panose="020B0604020202020204" pitchFamily="34" charset="0"/>
+            </a:endParaRPr>
+          </a:p>
+          <a:p>
+            <a:pPr marL="0" indent="0" algn="l">
+              <a:lnSpc>
+                <a:spcPct val="114000"/>
+              </a:lnSpc>
+              <a:spcBef>
+                <a:spcPts val="600"/>
+              </a:spcBef>
+              <a:spcAft>
+                <a:spcPts val="600"/>
+              </a:spcAft>
+              <a:buFontTx/>
+              <a:buNone/>
+            </a:pPr>
+            <a:r>
+              <a:rPr lang="en-US" altLang="en-US" sz="1600" b="1">
+                <a:latin typeface="Arial" panose="020B0604020202020204" pitchFamily="34" charset="0"/>
+                <a:cs typeface="Arial" panose="020B0604020202020204" pitchFamily="34" charset="0"/>
+              </a:rPr>
+              <a:t>TRUONG </a:t>
+            </a:r>
+            <a:r>
+              <a:rPr lang="en-US" altLang="en-US" sz="1600">
+                <a:latin typeface="Arial" panose="020B0604020202020204" pitchFamily="34" charset="0"/>
+                <a:cs typeface="Arial" panose="020B0604020202020204" pitchFamily="34" charset="0"/>
+              </a:rPr>
+              <a:t>(</a:t>
+            </a:r>
+            <a:r>
+              <a:rPr lang="en-US" altLang="en-US" sz="1600" b="1" u="sng">
+                <a:latin typeface="Arial" panose="020B0604020202020204" pitchFamily="34" charset="0"/>
+                <a:cs typeface="Arial" panose="020B0604020202020204" pitchFamily="34" charset="0"/>
+              </a:rPr>
+              <a:t>id</a:t>
+            </a:r>
+            <a:r>
+              <a:rPr lang="en-US" altLang="en-US" sz="1600">
+                <a:latin typeface="Arial" panose="020B0604020202020204" pitchFamily="34" charset="0"/>
+                <a:cs typeface="Arial" panose="020B0604020202020204" pitchFamily="34" charset="0"/>
+              </a:rPr>
+              <a:t>, ten, diachi, lat, lng, icon_path): Lưu thông tin các trường đại học, cao đẳng trên địa bàn Cần Thơ</a:t>
+            </a:r>
+            <a:endParaRPr lang="en-US" altLang="en-US" sz="1600">
               <a:latin typeface="Arial" panose="020B0604020202020204" pitchFamily="34" charset="0"/>
               <a:cs typeface="Arial" panose="020B0604020202020204" pitchFamily="34" charset="0"/>
             </a:endParaRPr>
@@ -13352,13 +13888,6 @@
   <p:clrMapOvr>
     <a:masterClrMapping/>
   </p:clrMapOvr>
-  <p:timing>
-    <p:tnLst>
-      <p:par>
-        <p:cTn id="1" dur="indefinite" restart="never" nodeType="tmRoot"/>
-      </p:par>
-    </p:tnLst>
-  </p:timing>
 </p:sld>
 </file>
 
@@ -13410,39 +13939,26 @@
               </a:lnSpc>
             </a:pPr>
             <a:r>
-              <a:rPr lang="en-US" sz="3200" b="1" smtClean="0">
+              <a:rPr lang="en-US" sz="3200" b="1">
                 <a:solidFill>
                   <a:schemeClr val="bg1"/>
                 </a:solidFill>
                 <a:latin typeface="Arial" panose="020B0604020202020204" pitchFamily="34" charset="0"/>
                 <a:cs typeface="Arial" panose="020B0604020202020204" pitchFamily="34" charset="0"/>
-                <a:sym typeface="+mn-ea"/>
-              </a:rPr>
-              <a:t>HỆ </a:t>
-            </a:r>
-            <a:r>
-              <a:rPr lang="en-US" sz="3200" b="1">
+              </a:rPr>
+              <a:t>HỆ THỐNG</a:t>
+            </a:r>
+            <a:r>
+              <a:rPr lang="en-US" altLang="en-US" sz="3200" b="1">
                 <a:solidFill>
                   <a:schemeClr val="bg1"/>
                 </a:solidFill>
                 <a:latin typeface="Arial" panose="020B0604020202020204" pitchFamily="34" charset="0"/>
                 <a:cs typeface="Arial" panose="020B0604020202020204" pitchFamily="34" charset="0"/>
-                <a:sym typeface="+mn-ea"/>
-              </a:rPr>
-              <a:t>THỐNG</a:t>
-            </a:r>
-            <a:r>
-              <a:rPr lang="en-US" altLang="en-US" sz="3200" b="1">
-                <a:solidFill>
-                  <a:schemeClr val="bg1"/>
-                </a:solidFill>
-                <a:latin typeface="Arial" panose="020B0604020202020204" pitchFamily="34" charset="0"/>
-                <a:cs typeface="Arial" panose="020B0604020202020204" pitchFamily="34" charset="0"/>
-                <a:sym typeface="+mn-ea"/>
               </a:rPr>
               <a:t> QUẢN LÝ KHU TRỌ QUẬN CÁI RĂNG</a:t>
             </a:r>
-            <a:endParaRPr lang="en-US" sz="3200" b="1">
+            <a:endParaRPr lang="en-US" altLang="en-US" sz="3200" b="1">
               <a:solidFill>
                 <a:schemeClr val="bg1"/>
               </a:solidFill>
@@ -13476,25 +13992,25 @@
               <a:buNone/>
             </a:pPr>
             <a:r>
-              <a:rPr lang="en-US" altLang="en-US" sz="3200" b="1" smtClean="0">
-                <a:latin typeface="Arial" panose="020B0604020202020204" pitchFamily="34" charset="0"/>
-                <a:cs typeface="Arial" panose="020B0604020202020204" pitchFamily="34" charset="0"/>
-              </a:rPr>
-              <a:t>3</a:t>
-            </a:r>
-            <a:r>
-              <a:rPr lang="en-US" sz="3200" b="1" smtClean="0">
-                <a:latin typeface="Arial" panose="020B0604020202020204" pitchFamily="34" charset="0"/>
-                <a:cs typeface="Arial" panose="020B0604020202020204" pitchFamily="34" charset="0"/>
-              </a:rPr>
-              <a:t>. </a:t>
-            </a:r>
-            <a:r>
               <a:rPr lang="en-US" altLang="en-US" sz="3200" b="1">
                 <a:latin typeface="Arial" panose="020B0604020202020204" pitchFamily="34" charset="0"/>
                 <a:cs typeface="Arial" panose="020B0604020202020204" pitchFamily="34" charset="0"/>
               </a:rPr>
-              <a:t>Demo</a:t>
+              <a:t>2</a:t>
+            </a:r>
+            <a:r>
+              <a:rPr lang="en-US" sz="3200" b="1">
+                <a:latin typeface="Arial" panose="020B0604020202020204" pitchFamily="34" charset="0"/>
+                <a:cs typeface="Arial" panose="020B0604020202020204" pitchFamily="34" charset="0"/>
+              </a:rPr>
+              <a:t>. </a:t>
+            </a:r>
+            <a:r>
+              <a:rPr lang="en-US" altLang="en-US" sz="3200" b="1">
+                <a:latin typeface="Arial" panose="020B0604020202020204" pitchFamily="34" charset="0"/>
+                <a:cs typeface="Arial" panose="020B0604020202020204" pitchFamily="34" charset="0"/>
+              </a:rPr>
+              <a:t>Công nghệ sử dụng</a:t>
             </a:r>
             <a:endParaRPr lang="en-US" altLang="en-US" sz="3200" b="1">
               <a:latin typeface="Arial" panose="020B0604020202020204" pitchFamily="34" charset="0"/>
@@ -13548,7 +14064,10 @@
             </a:lvl1pPr>
           </a:lstStyle>
           <a:p>
-            <a:pPr marL="342900" indent="-342900">
+            <a:pPr marL="342900" indent="-342900" algn="l">
+              <a:buClrTx/>
+              <a:buSzTx/>
+              <a:buFontTx/>
               <a:buAutoNum type="arabicPeriod"/>
             </a:pPr>
             <a:r>
@@ -13560,20 +14079,9 @@
                 </a:solidFill>
                 <a:latin typeface="Arial" panose="020B0604020202020204" pitchFamily="34" charset="0"/>
                 <a:cs typeface="Arial" panose="020B0604020202020204" pitchFamily="34" charset="0"/>
-              </a:rPr>
-              <a:t>Mô tả hệ thống</a:t>
-            </a:r>
-            <a:r>
-              <a:rPr lang="vi-VN" sz="1800" b="1">
-                <a:solidFill>
-                  <a:schemeClr val="bg2">
-                    <a:lumMod val="50000"/>
-                  </a:schemeClr>
-                </a:solidFill>
-                <a:latin typeface="Arial" panose="020B0604020202020204" pitchFamily="34" charset="0"/>
-                <a:cs typeface="Arial" panose="020B0604020202020204" pitchFamily="34" charset="0"/>
-              </a:rPr>
-              <a:t> </a:t>
+                <a:sym typeface="+mn-ea"/>
+              </a:rPr>
+              <a:t>Mô tả hệ thống </a:t>
             </a:r>
             <a:endParaRPr lang="en-US" sz="1800" b="1">
               <a:solidFill>
@@ -13586,6 +14094,32 @@
             </a:endParaRPr>
           </a:p>
           <a:p>
+            <a:pPr marL="342900" indent="-342900" algn="l">
+              <a:buClrTx/>
+              <a:buSzTx/>
+              <a:buFontTx/>
+              <a:buAutoNum type="arabicPeriod"/>
+            </a:pPr>
+            <a:r>
+              <a:rPr lang="en-US" altLang="en-US" sz="1800" b="1">
+                <a:solidFill>
+                  <a:schemeClr val="bg1"/>
+                </a:solidFill>
+                <a:latin typeface="Arial" panose="020B0604020202020204" pitchFamily="34" charset="0"/>
+                <a:cs typeface="Arial" panose="020B0604020202020204" pitchFamily="34" charset="0"/>
+                <a:sym typeface="+mn-ea"/>
+              </a:rPr>
+              <a:t>Công nghệ sử dụng</a:t>
+            </a:r>
+            <a:endParaRPr lang="en-US" altLang="en-US" sz="1800" b="1">
+              <a:solidFill>
+                <a:schemeClr val="bg1"/>
+              </a:solidFill>
+              <a:latin typeface="Arial" panose="020B0604020202020204" pitchFamily="34" charset="0"/>
+              <a:cs typeface="Arial" panose="020B0604020202020204" pitchFamily="34" charset="0"/>
+            </a:endParaRPr>
+          </a:p>
+          <a:p>
             <a:pPr marL="342900" indent="-342900">
               <a:buAutoNum type="arabicPeriod"/>
             </a:pPr>
@@ -13598,8 +14132,9 @@
                 </a:solidFill>
                 <a:latin typeface="Arial" panose="020B0604020202020204" pitchFamily="34" charset="0"/>
                 <a:cs typeface="Arial" panose="020B0604020202020204" pitchFamily="34" charset="0"/>
-              </a:rPr>
-              <a:t>Công nghệ sử dụng</a:t>
+                <a:sym typeface="+mn-ea"/>
+              </a:rPr>
+              <a:t>Demo</a:t>
             </a:r>
             <a:endParaRPr lang="en-US" sz="1800" b="1">
               <a:solidFill>
@@ -13611,28 +14146,6 @@
               <a:cs typeface="Arial" panose="020B0604020202020204" pitchFamily="34" charset="0"/>
             </a:endParaRPr>
           </a:p>
-          <a:p>
-            <a:pPr marL="342900" indent="-342900">
-              <a:buAutoNum type="arabicPeriod"/>
-            </a:pPr>
-            <a:r>
-              <a:rPr lang="en-US" altLang="en-US" sz="1800" b="1">
-                <a:solidFill>
-                  <a:schemeClr val="bg1"/>
-                </a:solidFill>
-                <a:latin typeface="Arial" panose="020B0604020202020204" pitchFamily="34" charset="0"/>
-                <a:cs typeface="Arial" panose="020B0604020202020204" pitchFamily="34" charset="0"/>
-              </a:rPr>
-              <a:t>Demo</a:t>
-            </a:r>
-            <a:endParaRPr lang="en-US" altLang="en-US" sz="1800" b="1">
-              <a:solidFill>
-                <a:schemeClr val="bg1"/>
-              </a:solidFill>
-              <a:latin typeface="Arial" panose="020B0604020202020204" pitchFamily="34" charset="0"/>
-              <a:cs typeface="Arial" panose="020B0604020202020204" pitchFamily="34" charset="0"/>
-            </a:endParaRPr>
-          </a:p>
         </p:txBody>
       </p:sp>
       <p:sp>
@@ -13863,42 +14376,364 @@
           </a:p>
         </p:txBody>
       </p:sp>
-      <p:pic>
-        <p:nvPicPr>
-          <p:cNvPr id="6" name="Picture 5"/>
-          <p:cNvPicPr>
-            <a:picLocks noChangeAspect="true"/>
-          </p:cNvPicPr>
+      <p:sp>
+        <p:nvSpPr>
+          <p:cNvPr id="9" name="Content Placeholder 2"/>
+          <p:cNvSpPr txBox="true"/>
           <p:nvPr/>
-        </p:nvPicPr>
-        <p:blipFill>
-          <a:blip r:embed="rId1"/>
-          <a:stretch>
-            <a:fillRect/>
-          </a:stretch>
-        </p:blipFill>
+        </p:nvSpPr>
         <p:spPr>
           <a:xfrm>
-            <a:off x="3269615" y="2510790"/>
-            <a:ext cx="5652770" cy="2644775"/>
+            <a:off x="443641" y="2111498"/>
+            <a:ext cx="11304494" cy="4095384"/>
           </a:xfrm>
           <a:prstGeom prst="rect">
             <a:avLst/>
           </a:prstGeom>
         </p:spPr>
-      </p:pic>
+        <p:txBody>
+          <a:bodyPr vert="horz" lIns="91440" tIns="45720" rIns="91440" bIns="45720" rtlCol="0">
+            <a:noAutofit/>
+          </a:bodyPr>
+          <a:lstStyle>
+            <a:lvl1pPr marL="228600" indent="-228600" algn="l" defTabSz="914400" rtl="0" eaLnBrk="1" latinLnBrk="0" hangingPunct="1">
+              <a:lnSpc>
+                <a:spcPct val="90000"/>
+              </a:lnSpc>
+              <a:spcBef>
+                <a:spcPts val="1000"/>
+              </a:spcBef>
+              <a:buFont typeface="Arial" panose="020B0604020202020204" pitchFamily="34" charset="0"/>
+              <a:buChar char="•"/>
+              <a:defRPr sz="2800" kern="1200">
+                <a:solidFill>
+                  <a:schemeClr val="tx1"/>
+                </a:solidFill>
+                <a:latin typeface="+mn-lt"/>
+                <a:ea typeface="+mn-ea"/>
+                <a:cs typeface="+mn-cs"/>
+              </a:defRPr>
+            </a:lvl1pPr>
+            <a:lvl2pPr marL="685800" indent="-228600" algn="l" defTabSz="914400" rtl="0" eaLnBrk="1" latinLnBrk="0" hangingPunct="1">
+              <a:lnSpc>
+                <a:spcPct val="90000"/>
+              </a:lnSpc>
+              <a:spcBef>
+                <a:spcPts val="500"/>
+              </a:spcBef>
+              <a:buFont typeface="Arial" panose="020B0604020202020204" pitchFamily="34" charset="0"/>
+              <a:buChar char="•"/>
+              <a:defRPr sz="2400" kern="1200">
+                <a:solidFill>
+                  <a:schemeClr val="tx1"/>
+                </a:solidFill>
+                <a:latin typeface="+mn-lt"/>
+                <a:ea typeface="+mn-ea"/>
+                <a:cs typeface="+mn-cs"/>
+              </a:defRPr>
+            </a:lvl2pPr>
+            <a:lvl3pPr marL="1143000" indent="-228600" algn="l" defTabSz="914400" rtl="0" eaLnBrk="1" latinLnBrk="0" hangingPunct="1">
+              <a:lnSpc>
+                <a:spcPct val="90000"/>
+              </a:lnSpc>
+              <a:spcBef>
+                <a:spcPts val="500"/>
+              </a:spcBef>
+              <a:buFont typeface="Arial" panose="020B0604020202020204" pitchFamily="34" charset="0"/>
+              <a:buChar char="•"/>
+              <a:defRPr sz="2000" kern="1200">
+                <a:solidFill>
+                  <a:schemeClr val="tx1"/>
+                </a:solidFill>
+                <a:latin typeface="+mn-lt"/>
+                <a:ea typeface="+mn-ea"/>
+                <a:cs typeface="+mn-cs"/>
+              </a:defRPr>
+            </a:lvl3pPr>
+            <a:lvl4pPr marL="1600200" indent="-228600" algn="l" defTabSz="914400" rtl="0" eaLnBrk="1" latinLnBrk="0" hangingPunct="1">
+              <a:lnSpc>
+                <a:spcPct val="90000"/>
+              </a:lnSpc>
+              <a:spcBef>
+                <a:spcPts val="500"/>
+              </a:spcBef>
+              <a:buFont typeface="Arial" panose="020B0604020202020204" pitchFamily="34" charset="0"/>
+              <a:buChar char="•"/>
+              <a:defRPr sz="1800" kern="1200">
+                <a:solidFill>
+                  <a:schemeClr val="tx1"/>
+                </a:solidFill>
+                <a:latin typeface="+mn-lt"/>
+                <a:ea typeface="+mn-ea"/>
+                <a:cs typeface="+mn-cs"/>
+              </a:defRPr>
+            </a:lvl4pPr>
+            <a:lvl5pPr marL="2057400" indent="-228600" algn="l" defTabSz="914400" rtl="0" eaLnBrk="1" latinLnBrk="0" hangingPunct="1">
+              <a:lnSpc>
+                <a:spcPct val="90000"/>
+              </a:lnSpc>
+              <a:spcBef>
+                <a:spcPts val="500"/>
+              </a:spcBef>
+              <a:buFont typeface="Arial" panose="020B0604020202020204" pitchFamily="34" charset="0"/>
+              <a:buChar char="•"/>
+              <a:defRPr sz="1800" kern="1200">
+                <a:solidFill>
+                  <a:schemeClr val="tx1"/>
+                </a:solidFill>
+                <a:latin typeface="+mn-lt"/>
+                <a:ea typeface="+mn-ea"/>
+                <a:cs typeface="+mn-cs"/>
+              </a:defRPr>
+            </a:lvl5pPr>
+            <a:lvl6pPr marL="2514600" indent="-228600" algn="l" defTabSz="914400" rtl="0" eaLnBrk="1" latinLnBrk="0" hangingPunct="1">
+              <a:lnSpc>
+                <a:spcPct val="90000"/>
+              </a:lnSpc>
+              <a:spcBef>
+                <a:spcPts val="500"/>
+              </a:spcBef>
+              <a:buFont typeface="Arial" panose="020B0604020202020204" pitchFamily="34" charset="0"/>
+              <a:buChar char="•"/>
+              <a:defRPr sz="1800" kern="1200">
+                <a:solidFill>
+                  <a:schemeClr val="tx1"/>
+                </a:solidFill>
+                <a:latin typeface="+mn-lt"/>
+                <a:ea typeface="+mn-ea"/>
+                <a:cs typeface="+mn-cs"/>
+              </a:defRPr>
+            </a:lvl6pPr>
+            <a:lvl7pPr marL="2971800" indent="-228600" algn="l" defTabSz="914400" rtl="0" eaLnBrk="1" latinLnBrk="0" hangingPunct="1">
+              <a:lnSpc>
+                <a:spcPct val="90000"/>
+              </a:lnSpc>
+              <a:spcBef>
+                <a:spcPts val="500"/>
+              </a:spcBef>
+              <a:buFont typeface="Arial" panose="020B0604020202020204" pitchFamily="34" charset="0"/>
+              <a:buChar char="•"/>
+              <a:defRPr sz="1800" kern="1200">
+                <a:solidFill>
+                  <a:schemeClr val="tx1"/>
+                </a:solidFill>
+                <a:latin typeface="+mn-lt"/>
+                <a:ea typeface="+mn-ea"/>
+                <a:cs typeface="+mn-cs"/>
+              </a:defRPr>
+            </a:lvl7pPr>
+            <a:lvl8pPr marL="3429000" indent="-228600" algn="l" defTabSz="914400" rtl="0" eaLnBrk="1" latinLnBrk="0" hangingPunct="1">
+              <a:lnSpc>
+                <a:spcPct val="90000"/>
+              </a:lnSpc>
+              <a:spcBef>
+                <a:spcPts val="500"/>
+              </a:spcBef>
+              <a:buFont typeface="Arial" panose="020B0604020202020204" pitchFamily="34" charset="0"/>
+              <a:buChar char="•"/>
+              <a:defRPr sz="1800" kern="1200">
+                <a:solidFill>
+                  <a:schemeClr val="tx1"/>
+                </a:solidFill>
+                <a:latin typeface="+mn-lt"/>
+                <a:ea typeface="+mn-ea"/>
+                <a:cs typeface="+mn-cs"/>
+              </a:defRPr>
+            </a:lvl8pPr>
+            <a:lvl9pPr marL="3886200" indent="-228600" algn="l" defTabSz="914400" rtl="0" eaLnBrk="1" latinLnBrk="0" hangingPunct="1">
+              <a:lnSpc>
+                <a:spcPct val="90000"/>
+              </a:lnSpc>
+              <a:spcBef>
+                <a:spcPts val="500"/>
+              </a:spcBef>
+              <a:buFont typeface="Arial" panose="020B0604020202020204" pitchFamily="34" charset="0"/>
+              <a:buChar char="•"/>
+              <a:defRPr sz="1800" kern="1200">
+                <a:solidFill>
+                  <a:schemeClr val="tx1"/>
+                </a:solidFill>
+                <a:latin typeface="+mn-lt"/>
+                <a:ea typeface="+mn-ea"/>
+                <a:cs typeface="+mn-cs"/>
+              </a:defRPr>
+            </a:lvl9pPr>
+          </a:lstStyle>
+          <a:p>
+            <a:pPr algn="just">
+              <a:lnSpc>
+                <a:spcPct val="114000"/>
+              </a:lnSpc>
+              <a:spcBef>
+                <a:spcPts val="600"/>
+              </a:spcBef>
+              <a:spcAft>
+                <a:spcPts val="600"/>
+              </a:spcAft>
+              <a:buFont typeface="Arial" panose="020B0604020202020204" pitchFamily="34" charset="0"/>
+              <a:buChar char="•"/>
+            </a:pPr>
+            <a:r>
+              <a:rPr lang="en-US" altLang="en-US" sz="2000" b="1">
+                <a:latin typeface="Arial" panose="020B0604020202020204" pitchFamily="34" charset="0"/>
+                <a:cs typeface="Arial" panose="020B0604020202020204" pitchFamily="34" charset="0"/>
+              </a:rPr>
+              <a:t>Diva-Gis: </a:t>
+            </a:r>
+            <a:r>
+              <a:rPr lang="en-US" altLang="en-US" sz="2000">
+                <a:latin typeface="Arial" panose="020B0604020202020204" pitchFamily="34" charset="0"/>
+                <a:cs typeface="Arial" panose="020B0604020202020204" pitchFamily="34" charset="0"/>
+              </a:rPr>
+              <a:t>Trang cung cấp dữ liệu bản đồ và địa giới. Dùng để truy xuất dữ liệu địa giới Việt Nam</a:t>
+            </a:r>
+            <a:endParaRPr lang="en-US" altLang="en-US" sz="2000">
+              <a:latin typeface="Arial" panose="020B0604020202020204" pitchFamily="34" charset="0"/>
+              <a:cs typeface="Arial" panose="020B0604020202020204" pitchFamily="34" charset="0"/>
+            </a:endParaRPr>
+          </a:p>
+          <a:p>
+            <a:pPr algn="just">
+              <a:lnSpc>
+                <a:spcPct val="114000"/>
+              </a:lnSpc>
+              <a:spcBef>
+                <a:spcPts val="600"/>
+              </a:spcBef>
+              <a:spcAft>
+                <a:spcPts val="600"/>
+              </a:spcAft>
+              <a:buFont typeface="Arial" panose="020B0604020202020204" pitchFamily="34" charset="0"/>
+              <a:buChar char="•"/>
+            </a:pPr>
+            <a:r>
+              <a:rPr lang="en-US" altLang="en-US" sz="2000" b="1">
+                <a:latin typeface="Arial" panose="020B0604020202020204" pitchFamily="34" charset="0"/>
+                <a:cs typeface="Arial" panose="020B0604020202020204" pitchFamily="34" charset="0"/>
+              </a:rPr>
+              <a:t>QGis:</a:t>
+            </a:r>
+            <a:r>
+              <a:rPr lang="en-US" altLang="en-US" sz="2000">
+                <a:latin typeface="Arial" panose="020B0604020202020204" pitchFamily="34" charset="0"/>
+                <a:cs typeface="Arial" panose="020B0604020202020204" pitchFamily="34" charset="0"/>
+              </a:rPr>
+              <a:t> Phần mềm thao tác dữ liệu không gian địa lý. Dùng trích xuất địa giới, bản đồ các phường trong quận Cái Răng</a:t>
+            </a:r>
+            <a:endParaRPr lang="en-US" altLang="en-US" sz="2000">
+              <a:latin typeface="Arial" panose="020B0604020202020204" pitchFamily="34" charset="0"/>
+              <a:cs typeface="Arial" panose="020B0604020202020204" pitchFamily="34" charset="0"/>
+            </a:endParaRPr>
+          </a:p>
+          <a:p>
+            <a:pPr algn="just">
+              <a:lnSpc>
+                <a:spcPct val="114000"/>
+              </a:lnSpc>
+              <a:spcBef>
+                <a:spcPts val="600"/>
+              </a:spcBef>
+              <a:spcAft>
+                <a:spcPts val="600"/>
+              </a:spcAft>
+              <a:buFont typeface="Arial" panose="020B0604020202020204" pitchFamily="34" charset="0"/>
+              <a:buChar char="•"/>
+            </a:pPr>
+            <a:r>
+              <a:rPr lang="en-US" altLang="en-US" sz="2000" b="1">
+                <a:latin typeface="Arial" panose="020B0604020202020204" pitchFamily="34" charset="0"/>
+                <a:cs typeface="Arial" panose="020B0604020202020204" pitchFamily="34" charset="0"/>
+                <a:sym typeface="+mn-ea"/>
+              </a:rPr>
+              <a:t>Google basemap layers</a:t>
+            </a:r>
+            <a:r>
+              <a:rPr lang="en-US" altLang="en-US" sz="2000">
+                <a:latin typeface="Arial" panose="020B0604020202020204" pitchFamily="34" charset="0"/>
+                <a:cs typeface="Arial" panose="020B0604020202020204" pitchFamily="34" charset="0"/>
+                <a:sym typeface="+mn-ea"/>
+              </a:rPr>
+              <a:t>: Dùng làm bản đồ nền cho hệ thống</a:t>
+            </a:r>
+            <a:endParaRPr lang="en-US" altLang="en-US" sz="2000">
+              <a:latin typeface="Arial" panose="020B0604020202020204" pitchFamily="34" charset="0"/>
+              <a:cs typeface="Arial" panose="020B0604020202020204" pitchFamily="34" charset="0"/>
+              <a:sym typeface="+mn-ea"/>
+            </a:endParaRPr>
+          </a:p>
+          <a:p>
+            <a:pPr algn="just">
+              <a:lnSpc>
+                <a:spcPct val="114000"/>
+              </a:lnSpc>
+              <a:spcBef>
+                <a:spcPts val="600"/>
+              </a:spcBef>
+              <a:spcAft>
+                <a:spcPts val="600"/>
+              </a:spcAft>
+              <a:buFont typeface="Arial" panose="020B0604020202020204" pitchFamily="34" charset="0"/>
+              <a:buChar char="•"/>
+            </a:pPr>
+            <a:r>
+              <a:rPr lang="en-US" altLang="en-US" sz="2000" b="1">
+                <a:latin typeface="Arial" panose="020B0604020202020204" pitchFamily="34" charset="0"/>
+                <a:cs typeface="Arial" panose="020B0604020202020204" pitchFamily="34" charset="0"/>
+              </a:rPr>
+              <a:t>Leaflet: </a:t>
+            </a:r>
+            <a:r>
+              <a:rPr lang="en-US" altLang="en-US" sz="2000">
+                <a:latin typeface="Arial" panose="020B0604020202020204" pitchFamily="34" charset="0"/>
+                <a:cs typeface="Arial" panose="020B0604020202020204" pitchFamily="34" charset="0"/>
+              </a:rPr>
+              <a:t>Thư viện tương tác bản đồ. Dùng tạo, điều chỉnh, thống kê và hiển thị kết quả lên trang bản đồ.</a:t>
+            </a:r>
+            <a:endParaRPr lang="en-US" altLang="en-US" sz="2000">
+              <a:latin typeface="Arial" panose="020B0604020202020204" pitchFamily="34" charset="0"/>
+              <a:cs typeface="Arial" panose="020B0604020202020204" pitchFamily="34" charset="0"/>
+            </a:endParaRPr>
+          </a:p>
+          <a:p>
+            <a:pPr algn="just">
+              <a:lnSpc>
+                <a:spcPct val="114000"/>
+              </a:lnSpc>
+              <a:spcBef>
+                <a:spcPts val="600"/>
+              </a:spcBef>
+              <a:spcAft>
+                <a:spcPts val="600"/>
+              </a:spcAft>
+              <a:buFont typeface="Arial" panose="020B0604020202020204" pitchFamily="34" charset="0"/>
+              <a:buChar char="•"/>
+            </a:pPr>
+            <a:r>
+              <a:rPr lang="en-US" altLang="en-US" sz="2000" b="1">
+                <a:latin typeface="Arial" panose="020B0604020202020204" pitchFamily="34" charset="0"/>
+                <a:cs typeface="Arial" panose="020B0604020202020204" pitchFamily="34" charset="0"/>
+              </a:rPr>
+              <a:t>ArcGIS World Geocoding Service: </a:t>
+            </a:r>
+            <a:r>
+              <a:rPr lang="en-US" altLang="en-US" sz="2000">
+                <a:latin typeface="Arial" panose="020B0604020202020204" pitchFamily="34" charset="0"/>
+                <a:cs typeface="Arial" panose="020B0604020202020204" pitchFamily="34" charset="0"/>
+              </a:rPr>
+              <a:t>Api truy vấn địa chỉ từ tọa độ. Dùng tìm địa chỉ khi người dùng chọn vị trí lúc thêm hoặc cập nhật thông tin khu trọ.</a:t>
+            </a:r>
+            <a:endParaRPr lang="en-US" altLang="en-US" sz="2000">
+              <a:latin typeface="Arial" panose="020B0604020202020204" pitchFamily="34" charset="0"/>
+              <a:cs typeface="Arial" panose="020B0604020202020204" pitchFamily="34" charset="0"/>
+            </a:endParaRPr>
+          </a:p>
+        </p:txBody>
+      </p:sp>
     </p:spTree>
   </p:cSld>
   <p:clrMapOvr>
     <a:masterClrMapping/>
   </p:clrMapOvr>
-  <p:timing>
-    <p:tnLst>
-      <p:par>
-        <p:cTn id="1" dur="indefinite" restart="never" nodeType="tmRoot"/>
-      </p:par>
-    </p:tnLst>
-  </p:timing>
 </p:sld>
 </file>
 
